--- a/docs/Day 6 - React HTML and JSX.pptx
+++ b/docs/Day 6 - React HTML and JSX.pptx
@@ -5,7 +5,7 @@
     <p:sldMasterId id="2147483648" r:id="rId1"/>
   </p:sldMasterIdLst>
   <p:notesMasterIdLst>
-    <p:notesMasterId r:id="rId9"/>
+    <p:notesMasterId r:id="rId10"/>
   </p:notesMasterIdLst>
   <p:sldIdLst>
     <p:sldId id="264" r:id="rId2"/>
@@ -13,8 +13,9 @@
     <p:sldId id="266" r:id="rId4"/>
     <p:sldId id="272" r:id="rId5"/>
     <p:sldId id="269" r:id="rId6"/>
-    <p:sldId id="271" r:id="rId7"/>
+    <p:sldId id="274" r:id="rId7"/>
     <p:sldId id="270" r:id="rId8"/>
+    <p:sldId id="273" r:id="rId9"/>
   </p:sldIdLst>
   <p:sldSz cx="12192000" cy="6858000"/>
   <p:notesSz cx="6858000" cy="9144000"/>
@@ -1616,6 +1617,1500 @@
 </file>
 
 <file path=ppt/diagrams/colors3.xml><?xml version="1.0" encoding="utf-8"?>
+<dgm:colorsDef xmlns:dgm="http://schemas.openxmlformats.org/drawingml/2006/diagram" xmlns:a="http://schemas.openxmlformats.org/drawingml/2006/main" uniqueId="urn:microsoft.com/office/officeart/2005/8/colors/accent1_2">
+  <dgm:title val=""/>
+  <dgm:desc val=""/>
+  <dgm:catLst>
+    <dgm:cat type="accent1" pri="11200"/>
+  </dgm:catLst>
+  <dgm:styleLbl name="node0">
+    <dgm:fillClrLst meth="repeat">
+      <a:schemeClr val="accent1"/>
+    </dgm:fillClrLst>
+    <dgm:linClrLst meth="repeat">
+      <a:schemeClr val="lt1"/>
+    </dgm:linClrLst>
+    <dgm:effectClrLst/>
+    <dgm:txLinClrLst/>
+    <dgm:txFillClrLst/>
+    <dgm:txEffectClrLst/>
+  </dgm:styleLbl>
+  <dgm:styleLbl name="alignNode1">
+    <dgm:fillClrLst meth="repeat">
+      <a:schemeClr val="accent1"/>
+    </dgm:fillClrLst>
+    <dgm:linClrLst meth="repeat">
+      <a:schemeClr val="accent1"/>
+    </dgm:linClrLst>
+    <dgm:effectClrLst/>
+    <dgm:txLinClrLst/>
+    <dgm:txFillClrLst/>
+    <dgm:txEffectClrLst/>
+  </dgm:styleLbl>
+  <dgm:styleLbl name="node1">
+    <dgm:fillClrLst meth="repeat">
+      <a:schemeClr val="accent1"/>
+    </dgm:fillClrLst>
+    <dgm:linClrLst meth="repeat">
+      <a:schemeClr val="lt1"/>
+    </dgm:linClrLst>
+    <dgm:effectClrLst/>
+    <dgm:txLinClrLst/>
+    <dgm:txFillClrLst/>
+    <dgm:txEffectClrLst/>
+  </dgm:styleLbl>
+  <dgm:styleLbl name="lnNode1">
+    <dgm:fillClrLst meth="repeat">
+      <a:schemeClr val="accent1"/>
+    </dgm:fillClrLst>
+    <dgm:linClrLst meth="repeat">
+      <a:schemeClr val="lt1"/>
+    </dgm:linClrLst>
+    <dgm:effectClrLst/>
+    <dgm:txLinClrLst/>
+    <dgm:txFillClrLst/>
+    <dgm:txEffectClrLst/>
+  </dgm:styleLbl>
+  <dgm:styleLbl name="vennNode1">
+    <dgm:fillClrLst meth="repeat">
+      <a:schemeClr val="accent1">
+        <a:alpha val="50000"/>
+      </a:schemeClr>
+    </dgm:fillClrLst>
+    <dgm:linClrLst meth="repeat">
+      <a:schemeClr val="lt1"/>
+    </dgm:linClrLst>
+    <dgm:effectClrLst/>
+    <dgm:txLinClrLst/>
+    <dgm:txFillClrLst/>
+    <dgm:txEffectClrLst/>
+  </dgm:styleLbl>
+  <dgm:styleLbl name="node2">
+    <dgm:fillClrLst meth="repeat">
+      <a:schemeClr val="accent1"/>
+    </dgm:fillClrLst>
+    <dgm:linClrLst meth="repeat">
+      <a:schemeClr val="lt1"/>
+    </dgm:linClrLst>
+    <dgm:effectClrLst/>
+    <dgm:txLinClrLst/>
+    <dgm:txFillClrLst/>
+    <dgm:txEffectClrLst/>
+  </dgm:styleLbl>
+  <dgm:styleLbl name="node3">
+    <dgm:fillClrLst meth="repeat">
+      <a:schemeClr val="accent1"/>
+    </dgm:fillClrLst>
+    <dgm:linClrLst meth="repeat">
+      <a:schemeClr val="lt1"/>
+    </dgm:linClrLst>
+    <dgm:effectClrLst/>
+    <dgm:txLinClrLst/>
+    <dgm:txFillClrLst/>
+    <dgm:txEffectClrLst/>
+  </dgm:styleLbl>
+  <dgm:styleLbl name="node4">
+    <dgm:fillClrLst meth="repeat">
+      <a:schemeClr val="accent1"/>
+    </dgm:fillClrLst>
+    <dgm:linClrLst meth="repeat">
+      <a:schemeClr val="lt1"/>
+    </dgm:linClrLst>
+    <dgm:effectClrLst/>
+    <dgm:txLinClrLst/>
+    <dgm:txFillClrLst/>
+    <dgm:txEffectClrLst/>
+  </dgm:styleLbl>
+  <dgm:styleLbl name="fgImgPlace1">
+    <dgm:fillClrLst meth="repeat">
+      <a:schemeClr val="accent1">
+        <a:tint val="50000"/>
+      </a:schemeClr>
+    </dgm:fillClrLst>
+    <dgm:linClrLst meth="repeat">
+      <a:schemeClr val="lt1"/>
+    </dgm:linClrLst>
+    <dgm:effectClrLst/>
+    <dgm:txLinClrLst/>
+    <dgm:txFillClrLst meth="repeat">
+      <a:schemeClr val="lt1"/>
+    </dgm:txFillClrLst>
+    <dgm:txEffectClrLst/>
+  </dgm:styleLbl>
+  <dgm:styleLbl name="alignImgPlace1">
+    <dgm:fillClrLst meth="repeat">
+      <a:schemeClr val="accent1">
+        <a:tint val="50000"/>
+      </a:schemeClr>
+    </dgm:fillClrLst>
+    <dgm:linClrLst meth="repeat">
+      <a:schemeClr val="lt1"/>
+    </dgm:linClrLst>
+    <dgm:effectClrLst/>
+    <dgm:txLinClrLst/>
+    <dgm:txFillClrLst meth="repeat">
+      <a:schemeClr val="lt1"/>
+    </dgm:txFillClrLst>
+    <dgm:txEffectClrLst/>
+  </dgm:styleLbl>
+  <dgm:styleLbl name="bgImgPlace1">
+    <dgm:fillClrLst meth="repeat">
+      <a:schemeClr val="accent1">
+        <a:tint val="50000"/>
+      </a:schemeClr>
+    </dgm:fillClrLst>
+    <dgm:linClrLst meth="repeat">
+      <a:schemeClr val="lt1"/>
+    </dgm:linClrLst>
+    <dgm:effectClrLst/>
+    <dgm:txLinClrLst/>
+    <dgm:txFillClrLst meth="repeat">
+      <a:schemeClr val="lt1"/>
+    </dgm:txFillClrLst>
+    <dgm:txEffectClrLst/>
+  </dgm:styleLbl>
+  <dgm:styleLbl name="sibTrans2D1">
+    <dgm:fillClrLst meth="repeat">
+      <a:schemeClr val="accent1">
+        <a:tint val="60000"/>
+      </a:schemeClr>
+    </dgm:fillClrLst>
+    <dgm:linClrLst meth="repeat">
+      <a:schemeClr val="accent1">
+        <a:tint val="60000"/>
+      </a:schemeClr>
+    </dgm:linClrLst>
+    <dgm:effectClrLst/>
+    <dgm:txLinClrLst/>
+    <dgm:txFillClrLst/>
+    <dgm:txEffectClrLst/>
+  </dgm:styleLbl>
+  <dgm:styleLbl name="fgSibTrans2D1">
+    <dgm:fillClrLst meth="repeat">
+      <a:schemeClr val="accent1">
+        <a:tint val="60000"/>
+      </a:schemeClr>
+    </dgm:fillClrLst>
+    <dgm:linClrLst meth="repeat">
+      <a:schemeClr val="accent1">
+        <a:tint val="60000"/>
+      </a:schemeClr>
+    </dgm:linClrLst>
+    <dgm:effectClrLst/>
+    <dgm:txLinClrLst/>
+    <dgm:txFillClrLst/>
+    <dgm:txEffectClrLst/>
+  </dgm:styleLbl>
+  <dgm:styleLbl name="bgSibTrans2D1">
+    <dgm:fillClrLst meth="repeat">
+      <a:schemeClr val="accent1">
+        <a:tint val="60000"/>
+      </a:schemeClr>
+    </dgm:fillClrLst>
+    <dgm:linClrLst meth="repeat">
+      <a:schemeClr val="accent1">
+        <a:tint val="60000"/>
+      </a:schemeClr>
+    </dgm:linClrLst>
+    <dgm:effectClrLst/>
+    <dgm:txLinClrLst/>
+    <dgm:txFillClrLst/>
+    <dgm:txEffectClrLst/>
+  </dgm:styleLbl>
+  <dgm:styleLbl name="sibTrans1D1">
+    <dgm:fillClrLst meth="repeat">
+      <a:schemeClr val="accent1"/>
+    </dgm:fillClrLst>
+    <dgm:linClrLst meth="repeat">
+      <a:schemeClr val="accent1"/>
+    </dgm:linClrLst>
+    <dgm:effectClrLst/>
+    <dgm:txLinClrLst/>
+    <dgm:txFillClrLst meth="repeat">
+      <a:schemeClr val="tx1"/>
+    </dgm:txFillClrLst>
+    <dgm:txEffectClrLst/>
+  </dgm:styleLbl>
+  <dgm:styleLbl name="callout">
+    <dgm:fillClrLst meth="repeat">
+      <a:schemeClr val="accent1"/>
+    </dgm:fillClrLst>
+    <dgm:linClrLst meth="repeat">
+      <a:schemeClr val="accent1">
+        <a:tint val="50000"/>
+      </a:schemeClr>
+    </dgm:linClrLst>
+    <dgm:effectClrLst/>
+    <dgm:txLinClrLst/>
+    <dgm:txFillClrLst meth="repeat">
+      <a:schemeClr val="tx1"/>
+    </dgm:txFillClrLst>
+    <dgm:txEffectClrLst/>
+  </dgm:styleLbl>
+  <dgm:styleLbl name="asst0">
+    <dgm:fillClrLst meth="repeat">
+      <a:schemeClr val="accent1"/>
+    </dgm:fillClrLst>
+    <dgm:linClrLst meth="repeat">
+      <a:schemeClr val="lt1"/>
+    </dgm:linClrLst>
+    <dgm:effectClrLst/>
+    <dgm:txLinClrLst/>
+    <dgm:txFillClrLst/>
+    <dgm:txEffectClrLst/>
+  </dgm:styleLbl>
+  <dgm:styleLbl name="asst1">
+    <dgm:fillClrLst meth="repeat">
+      <a:schemeClr val="accent1"/>
+    </dgm:fillClrLst>
+    <dgm:linClrLst meth="repeat">
+      <a:schemeClr val="lt1"/>
+    </dgm:linClrLst>
+    <dgm:effectClrLst/>
+    <dgm:txLinClrLst/>
+    <dgm:txFillClrLst/>
+    <dgm:txEffectClrLst/>
+  </dgm:styleLbl>
+  <dgm:styleLbl name="asst2">
+    <dgm:fillClrLst meth="repeat">
+      <a:schemeClr val="accent1"/>
+    </dgm:fillClrLst>
+    <dgm:linClrLst meth="repeat">
+      <a:schemeClr val="lt1"/>
+    </dgm:linClrLst>
+    <dgm:effectClrLst/>
+    <dgm:txLinClrLst/>
+    <dgm:txFillClrLst/>
+    <dgm:txEffectClrLst/>
+  </dgm:styleLbl>
+  <dgm:styleLbl name="asst3">
+    <dgm:fillClrLst meth="repeat">
+      <a:schemeClr val="accent1"/>
+    </dgm:fillClrLst>
+    <dgm:linClrLst meth="repeat">
+      <a:schemeClr val="lt1"/>
+    </dgm:linClrLst>
+    <dgm:effectClrLst/>
+    <dgm:txLinClrLst/>
+    <dgm:txFillClrLst/>
+    <dgm:txEffectClrLst/>
+  </dgm:styleLbl>
+  <dgm:styleLbl name="asst4">
+    <dgm:fillClrLst meth="repeat">
+      <a:schemeClr val="accent1"/>
+    </dgm:fillClrLst>
+    <dgm:linClrLst meth="repeat">
+      <a:schemeClr val="lt1"/>
+    </dgm:linClrLst>
+    <dgm:effectClrLst/>
+    <dgm:txLinClrLst/>
+    <dgm:txFillClrLst/>
+    <dgm:txEffectClrLst/>
+  </dgm:styleLbl>
+  <dgm:styleLbl name="parChTrans2D1">
+    <dgm:fillClrLst meth="repeat">
+      <a:schemeClr val="accent1">
+        <a:tint val="60000"/>
+      </a:schemeClr>
+    </dgm:fillClrLst>
+    <dgm:linClrLst meth="repeat">
+      <a:schemeClr val="accent1">
+        <a:tint val="60000"/>
+      </a:schemeClr>
+    </dgm:linClrLst>
+    <dgm:effectClrLst/>
+    <dgm:txLinClrLst/>
+    <dgm:txFillClrLst meth="repeat">
+      <a:schemeClr val="lt1"/>
+    </dgm:txFillClrLst>
+    <dgm:txEffectClrLst/>
+  </dgm:styleLbl>
+  <dgm:styleLbl name="parChTrans2D2">
+    <dgm:fillClrLst meth="repeat">
+      <a:schemeClr val="accent1"/>
+    </dgm:fillClrLst>
+    <dgm:linClrLst meth="repeat">
+      <a:schemeClr val="accent1"/>
+    </dgm:linClrLst>
+    <dgm:effectClrLst/>
+    <dgm:txLinClrLst/>
+    <dgm:txFillClrLst meth="repeat">
+      <a:schemeClr val="lt1"/>
+    </dgm:txFillClrLst>
+    <dgm:txEffectClrLst/>
+  </dgm:styleLbl>
+  <dgm:styleLbl name="parChTrans2D3">
+    <dgm:fillClrLst meth="repeat">
+      <a:schemeClr val="accent1"/>
+    </dgm:fillClrLst>
+    <dgm:linClrLst meth="repeat">
+      <a:schemeClr val="accent1"/>
+    </dgm:linClrLst>
+    <dgm:effectClrLst/>
+    <dgm:txLinClrLst/>
+    <dgm:txFillClrLst meth="repeat">
+      <a:schemeClr val="lt1"/>
+    </dgm:txFillClrLst>
+    <dgm:txEffectClrLst/>
+  </dgm:styleLbl>
+  <dgm:styleLbl name="parChTrans2D4">
+    <dgm:fillClrLst meth="repeat">
+      <a:schemeClr val="accent1"/>
+    </dgm:fillClrLst>
+    <dgm:linClrLst meth="repeat">
+      <a:schemeClr val="accent1"/>
+    </dgm:linClrLst>
+    <dgm:effectClrLst/>
+    <dgm:txLinClrLst/>
+    <dgm:txFillClrLst meth="repeat">
+      <a:schemeClr val="lt1"/>
+    </dgm:txFillClrLst>
+    <dgm:txEffectClrLst/>
+  </dgm:styleLbl>
+  <dgm:styleLbl name="parChTrans1D1">
+    <dgm:fillClrLst meth="repeat">
+      <a:schemeClr val="accent1"/>
+    </dgm:fillClrLst>
+    <dgm:linClrLst meth="repeat">
+      <a:schemeClr val="accent1">
+        <a:shade val="60000"/>
+      </a:schemeClr>
+    </dgm:linClrLst>
+    <dgm:effectClrLst/>
+    <dgm:txLinClrLst/>
+    <dgm:txFillClrLst meth="repeat">
+      <a:schemeClr val="tx1"/>
+    </dgm:txFillClrLst>
+    <dgm:txEffectClrLst/>
+  </dgm:styleLbl>
+  <dgm:styleLbl name="parChTrans1D2">
+    <dgm:fillClrLst meth="repeat">
+      <a:schemeClr val="accent1"/>
+    </dgm:fillClrLst>
+    <dgm:linClrLst meth="repeat">
+      <a:schemeClr val="accent1">
+        <a:shade val="60000"/>
+      </a:schemeClr>
+    </dgm:linClrLst>
+    <dgm:effectClrLst/>
+    <dgm:txLinClrLst/>
+    <dgm:txFillClrLst meth="repeat">
+      <a:schemeClr val="tx1"/>
+    </dgm:txFillClrLst>
+    <dgm:txEffectClrLst/>
+  </dgm:styleLbl>
+  <dgm:styleLbl name="parChTrans1D3">
+    <dgm:fillClrLst meth="repeat">
+      <a:schemeClr val="accent1"/>
+    </dgm:fillClrLst>
+    <dgm:linClrLst meth="repeat">
+      <a:schemeClr val="accent1">
+        <a:shade val="80000"/>
+      </a:schemeClr>
+    </dgm:linClrLst>
+    <dgm:effectClrLst/>
+    <dgm:txLinClrLst/>
+    <dgm:txFillClrLst meth="repeat">
+      <a:schemeClr val="tx1"/>
+    </dgm:txFillClrLst>
+    <dgm:txEffectClrLst/>
+  </dgm:styleLbl>
+  <dgm:styleLbl name="parChTrans1D4">
+    <dgm:fillClrLst meth="repeat">
+      <a:schemeClr val="accent1"/>
+    </dgm:fillClrLst>
+    <dgm:linClrLst meth="repeat">
+      <a:schemeClr val="accent1">
+        <a:shade val="80000"/>
+      </a:schemeClr>
+    </dgm:linClrLst>
+    <dgm:effectClrLst/>
+    <dgm:txLinClrLst/>
+    <dgm:txFillClrLst meth="repeat">
+      <a:schemeClr val="tx1"/>
+    </dgm:txFillClrLst>
+    <dgm:txEffectClrLst/>
+  </dgm:styleLbl>
+  <dgm:styleLbl name="fgAcc1">
+    <dgm:fillClrLst meth="repeat">
+      <a:schemeClr val="lt1">
+        <a:alpha val="90000"/>
+      </a:schemeClr>
+    </dgm:fillClrLst>
+    <dgm:linClrLst meth="repeat">
+      <a:schemeClr val="accent1"/>
+    </dgm:linClrLst>
+    <dgm:effectClrLst/>
+    <dgm:txLinClrLst/>
+    <dgm:txFillClrLst meth="repeat">
+      <a:schemeClr val="dk1"/>
+    </dgm:txFillClrLst>
+    <dgm:txEffectClrLst/>
+  </dgm:styleLbl>
+  <dgm:styleLbl name="conFgAcc1">
+    <dgm:fillClrLst meth="repeat">
+      <a:schemeClr val="lt1">
+        <a:alpha val="90000"/>
+      </a:schemeClr>
+    </dgm:fillClrLst>
+    <dgm:linClrLst meth="repeat">
+      <a:schemeClr val="accent1"/>
+    </dgm:linClrLst>
+    <dgm:effectClrLst/>
+    <dgm:txLinClrLst/>
+    <dgm:txFillClrLst meth="repeat">
+      <a:schemeClr val="dk1"/>
+    </dgm:txFillClrLst>
+    <dgm:txEffectClrLst/>
+  </dgm:styleLbl>
+  <dgm:styleLbl name="alignAcc1">
+    <dgm:fillClrLst meth="repeat">
+      <a:schemeClr val="lt1">
+        <a:alpha val="90000"/>
+      </a:schemeClr>
+    </dgm:fillClrLst>
+    <dgm:linClrLst meth="repeat">
+      <a:schemeClr val="accent1"/>
+    </dgm:linClrLst>
+    <dgm:effectClrLst/>
+    <dgm:txLinClrLst/>
+    <dgm:txFillClrLst meth="repeat">
+      <a:schemeClr val="dk1"/>
+    </dgm:txFillClrLst>
+    <dgm:txEffectClrLst/>
+  </dgm:styleLbl>
+  <dgm:styleLbl name="trAlignAcc1">
+    <dgm:fillClrLst meth="repeat">
+      <a:schemeClr val="lt1">
+        <a:alpha val="40000"/>
+      </a:schemeClr>
+    </dgm:fillClrLst>
+    <dgm:linClrLst meth="repeat">
+      <a:schemeClr val="accent1"/>
+    </dgm:linClrLst>
+    <dgm:effectClrLst/>
+    <dgm:txLinClrLst/>
+    <dgm:txFillClrLst meth="repeat">
+      <a:schemeClr val="dk1"/>
+    </dgm:txFillClrLst>
+    <dgm:txEffectClrLst/>
+  </dgm:styleLbl>
+  <dgm:styleLbl name="bgAcc1">
+    <dgm:fillClrLst meth="repeat">
+      <a:schemeClr val="lt1">
+        <a:alpha val="90000"/>
+      </a:schemeClr>
+    </dgm:fillClrLst>
+    <dgm:linClrLst meth="repeat">
+      <a:schemeClr val="accent1"/>
+    </dgm:linClrLst>
+    <dgm:effectClrLst/>
+    <dgm:txLinClrLst/>
+    <dgm:txFillClrLst meth="repeat">
+      <a:schemeClr val="dk1"/>
+    </dgm:txFillClrLst>
+    <dgm:txEffectClrLst/>
+  </dgm:styleLbl>
+  <dgm:styleLbl name="solidFgAcc1">
+    <dgm:fillClrLst meth="repeat">
+      <a:schemeClr val="lt1"/>
+    </dgm:fillClrLst>
+    <dgm:linClrLst meth="repeat">
+      <a:schemeClr val="accent1"/>
+    </dgm:linClrLst>
+    <dgm:effectClrLst/>
+    <dgm:txLinClrLst/>
+    <dgm:txFillClrLst meth="repeat">
+      <a:schemeClr val="dk1"/>
+    </dgm:txFillClrLst>
+    <dgm:txEffectClrLst/>
+  </dgm:styleLbl>
+  <dgm:styleLbl name="solidAlignAcc1">
+    <dgm:fillClrLst meth="repeat">
+      <a:schemeClr val="lt1"/>
+    </dgm:fillClrLst>
+    <dgm:linClrLst meth="repeat">
+      <a:schemeClr val="accent1"/>
+    </dgm:linClrLst>
+    <dgm:effectClrLst/>
+    <dgm:txLinClrLst/>
+    <dgm:txFillClrLst meth="repeat">
+      <a:schemeClr val="dk1"/>
+    </dgm:txFillClrLst>
+    <dgm:txEffectClrLst/>
+  </dgm:styleLbl>
+  <dgm:styleLbl name="solidBgAcc1">
+    <dgm:fillClrLst meth="repeat">
+      <a:schemeClr val="lt1"/>
+    </dgm:fillClrLst>
+    <dgm:linClrLst meth="repeat">
+      <a:schemeClr val="accent1"/>
+    </dgm:linClrLst>
+    <dgm:effectClrLst/>
+    <dgm:txLinClrLst/>
+    <dgm:txFillClrLst meth="repeat">
+      <a:schemeClr val="dk1"/>
+    </dgm:txFillClrLst>
+    <dgm:txEffectClrLst/>
+  </dgm:styleLbl>
+  <dgm:styleLbl name="fgAccFollowNode1">
+    <dgm:fillClrLst meth="repeat">
+      <a:schemeClr val="accent1">
+        <a:alpha val="90000"/>
+        <a:tint val="40000"/>
+      </a:schemeClr>
+    </dgm:fillClrLst>
+    <dgm:linClrLst meth="repeat">
+      <a:schemeClr val="accent1">
+        <a:alpha val="90000"/>
+        <a:tint val="40000"/>
+      </a:schemeClr>
+    </dgm:linClrLst>
+    <dgm:effectClrLst/>
+    <dgm:txLinClrLst/>
+    <dgm:txFillClrLst meth="repeat">
+      <a:schemeClr val="dk1"/>
+    </dgm:txFillClrLst>
+    <dgm:txEffectClrLst/>
+  </dgm:styleLbl>
+  <dgm:styleLbl name="alignAccFollowNode1">
+    <dgm:fillClrLst meth="repeat">
+      <a:schemeClr val="accent1">
+        <a:alpha val="90000"/>
+        <a:tint val="40000"/>
+      </a:schemeClr>
+    </dgm:fillClrLst>
+    <dgm:linClrLst meth="repeat">
+      <a:schemeClr val="accent1">
+        <a:alpha val="90000"/>
+        <a:tint val="40000"/>
+      </a:schemeClr>
+    </dgm:linClrLst>
+    <dgm:effectClrLst/>
+    <dgm:txLinClrLst/>
+    <dgm:txFillClrLst meth="repeat">
+      <a:schemeClr val="dk1"/>
+    </dgm:txFillClrLst>
+    <dgm:txEffectClrLst/>
+  </dgm:styleLbl>
+  <dgm:styleLbl name="bgAccFollowNode1">
+    <dgm:fillClrLst meth="repeat">
+      <a:schemeClr val="accent1">
+        <a:alpha val="90000"/>
+        <a:tint val="40000"/>
+      </a:schemeClr>
+    </dgm:fillClrLst>
+    <dgm:linClrLst meth="repeat">
+      <a:schemeClr val="accent1">
+        <a:alpha val="90000"/>
+        <a:tint val="40000"/>
+      </a:schemeClr>
+    </dgm:linClrLst>
+    <dgm:effectClrLst/>
+    <dgm:txLinClrLst/>
+    <dgm:txFillClrLst meth="repeat">
+      <a:schemeClr val="dk1"/>
+    </dgm:txFillClrLst>
+    <dgm:txEffectClrLst/>
+  </dgm:styleLbl>
+  <dgm:styleLbl name="fgAcc0">
+    <dgm:fillClrLst meth="repeat">
+      <a:schemeClr val="lt1">
+        <a:alpha val="90000"/>
+      </a:schemeClr>
+    </dgm:fillClrLst>
+    <dgm:linClrLst meth="repeat">
+      <a:schemeClr val="accent1"/>
+    </dgm:linClrLst>
+    <dgm:effectClrLst/>
+    <dgm:txLinClrLst/>
+    <dgm:txFillClrLst meth="repeat">
+      <a:schemeClr val="dk1"/>
+    </dgm:txFillClrLst>
+    <dgm:txEffectClrLst/>
+  </dgm:styleLbl>
+  <dgm:styleLbl name="fgAcc2">
+    <dgm:fillClrLst meth="repeat">
+      <a:schemeClr val="lt1">
+        <a:alpha val="90000"/>
+      </a:schemeClr>
+    </dgm:fillClrLst>
+    <dgm:linClrLst meth="repeat">
+      <a:schemeClr val="accent1"/>
+    </dgm:linClrLst>
+    <dgm:effectClrLst/>
+    <dgm:txLinClrLst/>
+    <dgm:txFillClrLst meth="repeat">
+      <a:schemeClr val="dk1"/>
+    </dgm:txFillClrLst>
+    <dgm:txEffectClrLst/>
+  </dgm:styleLbl>
+  <dgm:styleLbl name="fgAcc3">
+    <dgm:fillClrLst meth="repeat">
+      <a:schemeClr val="lt1">
+        <a:alpha val="90000"/>
+      </a:schemeClr>
+    </dgm:fillClrLst>
+    <dgm:linClrLst meth="repeat">
+      <a:schemeClr val="accent1"/>
+    </dgm:linClrLst>
+    <dgm:effectClrLst/>
+    <dgm:txLinClrLst/>
+    <dgm:txFillClrLst meth="repeat">
+      <a:schemeClr val="dk1"/>
+    </dgm:txFillClrLst>
+    <dgm:txEffectClrLst/>
+  </dgm:styleLbl>
+  <dgm:styleLbl name="fgAcc4">
+    <dgm:fillClrLst meth="repeat">
+      <a:schemeClr val="lt1">
+        <a:alpha val="90000"/>
+      </a:schemeClr>
+    </dgm:fillClrLst>
+    <dgm:linClrLst meth="repeat">
+      <a:schemeClr val="accent1"/>
+    </dgm:linClrLst>
+    <dgm:effectClrLst/>
+    <dgm:txLinClrLst/>
+    <dgm:txFillClrLst meth="repeat">
+      <a:schemeClr val="dk1"/>
+    </dgm:txFillClrLst>
+    <dgm:txEffectClrLst/>
+  </dgm:styleLbl>
+  <dgm:styleLbl name="bgShp">
+    <dgm:fillClrLst meth="repeat">
+      <a:schemeClr val="accent1">
+        <a:tint val="40000"/>
+      </a:schemeClr>
+    </dgm:fillClrLst>
+    <dgm:linClrLst meth="repeat">
+      <a:schemeClr val="accent1"/>
+    </dgm:linClrLst>
+    <dgm:effectClrLst/>
+    <dgm:txLinClrLst/>
+    <dgm:txFillClrLst meth="repeat">
+      <a:schemeClr val="dk1"/>
+    </dgm:txFillClrLst>
+    <dgm:txEffectClrLst/>
+  </dgm:styleLbl>
+  <dgm:styleLbl name="dkBgShp">
+    <dgm:fillClrLst meth="repeat">
+      <a:schemeClr val="accent1">
+        <a:shade val="80000"/>
+      </a:schemeClr>
+    </dgm:fillClrLst>
+    <dgm:linClrLst meth="repeat">
+      <a:schemeClr val="accent1"/>
+    </dgm:linClrLst>
+    <dgm:effectClrLst/>
+    <dgm:txLinClrLst/>
+    <dgm:txFillClrLst meth="repeat">
+      <a:schemeClr val="lt1"/>
+    </dgm:txFillClrLst>
+    <dgm:txEffectClrLst/>
+  </dgm:styleLbl>
+  <dgm:styleLbl name="trBgShp">
+    <dgm:fillClrLst meth="repeat">
+      <a:schemeClr val="accent1">
+        <a:tint val="50000"/>
+        <a:alpha val="40000"/>
+      </a:schemeClr>
+    </dgm:fillClrLst>
+    <dgm:linClrLst meth="repeat">
+      <a:schemeClr val="accent1"/>
+    </dgm:linClrLst>
+    <dgm:effectClrLst/>
+    <dgm:txLinClrLst/>
+    <dgm:txFillClrLst meth="repeat">
+      <a:schemeClr val="lt1"/>
+    </dgm:txFillClrLst>
+    <dgm:txEffectClrLst/>
+  </dgm:styleLbl>
+  <dgm:styleLbl name="fgShp">
+    <dgm:fillClrLst meth="repeat">
+      <a:schemeClr val="accent1">
+        <a:tint val="60000"/>
+      </a:schemeClr>
+    </dgm:fillClrLst>
+    <dgm:linClrLst meth="repeat">
+      <a:schemeClr val="lt1"/>
+    </dgm:linClrLst>
+    <dgm:effectClrLst/>
+    <dgm:txLinClrLst/>
+    <dgm:txFillClrLst meth="repeat">
+      <a:schemeClr val="dk1"/>
+    </dgm:txFillClrLst>
+    <dgm:txEffectClrLst/>
+  </dgm:styleLbl>
+  <dgm:styleLbl name="revTx">
+    <dgm:fillClrLst meth="repeat">
+      <a:schemeClr val="lt1">
+        <a:alpha val="0"/>
+      </a:schemeClr>
+    </dgm:fillClrLst>
+    <dgm:linClrLst meth="repeat">
+      <a:schemeClr val="dk1">
+        <a:alpha val="0"/>
+      </a:schemeClr>
+    </dgm:linClrLst>
+    <dgm:effectClrLst/>
+    <dgm:txLinClrLst/>
+    <dgm:txFillClrLst meth="repeat">
+      <a:schemeClr val="tx1"/>
+    </dgm:txFillClrLst>
+    <dgm:txEffectClrLst/>
+  </dgm:styleLbl>
+</dgm:colorsDef>
+</file>
+
+<file path=ppt/diagrams/colors4.xml><?xml version="1.0" encoding="utf-8"?>
+<dgm:colorsDef xmlns:dgm="http://schemas.openxmlformats.org/drawingml/2006/diagram" xmlns:a="http://schemas.openxmlformats.org/drawingml/2006/main" uniqueId="urn:microsoft.com/office/officeart/2005/8/colors/accent1_2">
+  <dgm:title val=""/>
+  <dgm:desc val=""/>
+  <dgm:catLst>
+    <dgm:cat type="accent1" pri="11200"/>
+  </dgm:catLst>
+  <dgm:styleLbl name="node0">
+    <dgm:fillClrLst meth="repeat">
+      <a:schemeClr val="accent1"/>
+    </dgm:fillClrLst>
+    <dgm:linClrLst meth="repeat">
+      <a:schemeClr val="lt1"/>
+    </dgm:linClrLst>
+    <dgm:effectClrLst/>
+    <dgm:txLinClrLst/>
+    <dgm:txFillClrLst/>
+    <dgm:txEffectClrLst/>
+  </dgm:styleLbl>
+  <dgm:styleLbl name="alignNode1">
+    <dgm:fillClrLst meth="repeat">
+      <a:schemeClr val="accent1"/>
+    </dgm:fillClrLst>
+    <dgm:linClrLst meth="repeat">
+      <a:schemeClr val="accent1"/>
+    </dgm:linClrLst>
+    <dgm:effectClrLst/>
+    <dgm:txLinClrLst/>
+    <dgm:txFillClrLst/>
+    <dgm:txEffectClrLst/>
+  </dgm:styleLbl>
+  <dgm:styleLbl name="node1">
+    <dgm:fillClrLst meth="repeat">
+      <a:schemeClr val="accent1"/>
+    </dgm:fillClrLst>
+    <dgm:linClrLst meth="repeat">
+      <a:schemeClr val="lt1"/>
+    </dgm:linClrLst>
+    <dgm:effectClrLst/>
+    <dgm:txLinClrLst/>
+    <dgm:txFillClrLst/>
+    <dgm:txEffectClrLst/>
+  </dgm:styleLbl>
+  <dgm:styleLbl name="lnNode1">
+    <dgm:fillClrLst meth="repeat">
+      <a:schemeClr val="accent1"/>
+    </dgm:fillClrLst>
+    <dgm:linClrLst meth="repeat">
+      <a:schemeClr val="lt1"/>
+    </dgm:linClrLst>
+    <dgm:effectClrLst/>
+    <dgm:txLinClrLst/>
+    <dgm:txFillClrLst/>
+    <dgm:txEffectClrLst/>
+  </dgm:styleLbl>
+  <dgm:styleLbl name="vennNode1">
+    <dgm:fillClrLst meth="repeat">
+      <a:schemeClr val="accent1">
+        <a:alpha val="50000"/>
+      </a:schemeClr>
+    </dgm:fillClrLst>
+    <dgm:linClrLst meth="repeat">
+      <a:schemeClr val="lt1"/>
+    </dgm:linClrLst>
+    <dgm:effectClrLst/>
+    <dgm:txLinClrLst/>
+    <dgm:txFillClrLst/>
+    <dgm:txEffectClrLst/>
+  </dgm:styleLbl>
+  <dgm:styleLbl name="node2">
+    <dgm:fillClrLst meth="repeat">
+      <a:schemeClr val="accent1"/>
+    </dgm:fillClrLst>
+    <dgm:linClrLst meth="repeat">
+      <a:schemeClr val="lt1"/>
+    </dgm:linClrLst>
+    <dgm:effectClrLst/>
+    <dgm:txLinClrLst/>
+    <dgm:txFillClrLst/>
+    <dgm:txEffectClrLst/>
+  </dgm:styleLbl>
+  <dgm:styleLbl name="node3">
+    <dgm:fillClrLst meth="repeat">
+      <a:schemeClr val="accent1"/>
+    </dgm:fillClrLst>
+    <dgm:linClrLst meth="repeat">
+      <a:schemeClr val="lt1"/>
+    </dgm:linClrLst>
+    <dgm:effectClrLst/>
+    <dgm:txLinClrLst/>
+    <dgm:txFillClrLst/>
+    <dgm:txEffectClrLst/>
+  </dgm:styleLbl>
+  <dgm:styleLbl name="node4">
+    <dgm:fillClrLst meth="repeat">
+      <a:schemeClr val="accent1"/>
+    </dgm:fillClrLst>
+    <dgm:linClrLst meth="repeat">
+      <a:schemeClr val="lt1"/>
+    </dgm:linClrLst>
+    <dgm:effectClrLst/>
+    <dgm:txLinClrLst/>
+    <dgm:txFillClrLst/>
+    <dgm:txEffectClrLst/>
+  </dgm:styleLbl>
+  <dgm:styleLbl name="fgImgPlace1">
+    <dgm:fillClrLst meth="repeat">
+      <a:schemeClr val="accent1">
+        <a:tint val="50000"/>
+      </a:schemeClr>
+    </dgm:fillClrLst>
+    <dgm:linClrLst meth="repeat">
+      <a:schemeClr val="lt1"/>
+    </dgm:linClrLst>
+    <dgm:effectClrLst/>
+    <dgm:txLinClrLst/>
+    <dgm:txFillClrLst meth="repeat">
+      <a:schemeClr val="lt1"/>
+    </dgm:txFillClrLst>
+    <dgm:txEffectClrLst/>
+  </dgm:styleLbl>
+  <dgm:styleLbl name="alignImgPlace1">
+    <dgm:fillClrLst meth="repeat">
+      <a:schemeClr val="accent1">
+        <a:tint val="50000"/>
+      </a:schemeClr>
+    </dgm:fillClrLst>
+    <dgm:linClrLst meth="repeat">
+      <a:schemeClr val="lt1"/>
+    </dgm:linClrLst>
+    <dgm:effectClrLst/>
+    <dgm:txLinClrLst/>
+    <dgm:txFillClrLst meth="repeat">
+      <a:schemeClr val="lt1"/>
+    </dgm:txFillClrLst>
+    <dgm:txEffectClrLst/>
+  </dgm:styleLbl>
+  <dgm:styleLbl name="bgImgPlace1">
+    <dgm:fillClrLst meth="repeat">
+      <a:schemeClr val="accent1">
+        <a:tint val="50000"/>
+      </a:schemeClr>
+    </dgm:fillClrLst>
+    <dgm:linClrLst meth="repeat">
+      <a:schemeClr val="lt1"/>
+    </dgm:linClrLst>
+    <dgm:effectClrLst/>
+    <dgm:txLinClrLst/>
+    <dgm:txFillClrLst meth="repeat">
+      <a:schemeClr val="lt1"/>
+    </dgm:txFillClrLst>
+    <dgm:txEffectClrLst/>
+  </dgm:styleLbl>
+  <dgm:styleLbl name="sibTrans2D1">
+    <dgm:fillClrLst meth="repeat">
+      <a:schemeClr val="accent1">
+        <a:tint val="60000"/>
+      </a:schemeClr>
+    </dgm:fillClrLst>
+    <dgm:linClrLst meth="repeat">
+      <a:schemeClr val="accent1">
+        <a:tint val="60000"/>
+      </a:schemeClr>
+    </dgm:linClrLst>
+    <dgm:effectClrLst/>
+    <dgm:txLinClrLst/>
+    <dgm:txFillClrLst/>
+    <dgm:txEffectClrLst/>
+  </dgm:styleLbl>
+  <dgm:styleLbl name="fgSibTrans2D1">
+    <dgm:fillClrLst meth="repeat">
+      <a:schemeClr val="accent1">
+        <a:tint val="60000"/>
+      </a:schemeClr>
+    </dgm:fillClrLst>
+    <dgm:linClrLst meth="repeat">
+      <a:schemeClr val="accent1">
+        <a:tint val="60000"/>
+      </a:schemeClr>
+    </dgm:linClrLst>
+    <dgm:effectClrLst/>
+    <dgm:txLinClrLst/>
+    <dgm:txFillClrLst/>
+    <dgm:txEffectClrLst/>
+  </dgm:styleLbl>
+  <dgm:styleLbl name="bgSibTrans2D1">
+    <dgm:fillClrLst meth="repeat">
+      <a:schemeClr val="accent1">
+        <a:tint val="60000"/>
+      </a:schemeClr>
+    </dgm:fillClrLst>
+    <dgm:linClrLst meth="repeat">
+      <a:schemeClr val="accent1">
+        <a:tint val="60000"/>
+      </a:schemeClr>
+    </dgm:linClrLst>
+    <dgm:effectClrLst/>
+    <dgm:txLinClrLst/>
+    <dgm:txFillClrLst/>
+    <dgm:txEffectClrLst/>
+  </dgm:styleLbl>
+  <dgm:styleLbl name="sibTrans1D1">
+    <dgm:fillClrLst meth="repeat">
+      <a:schemeClr val="accent1"/>
+    </dgm:fillClrLst>
+    <dgm:linClrLst meth="repeat">
+      <a:schemeClr val="accent1"/>
+    </dgm:linClrLst>
+    <dgm:effectClrLst/>
+    <dgm:txLinClrLst/>
+    <dgm:txFillClrLst meth="repeat">
+      <a:schemeClr val="tx1"/>
+    </dgm:txFillClrLst>
+    <dgm:txEffectClrLst/>
+  </dgm:styleLbl>
+  <dgm:styleLbl name="callout">
+    <dgm:fillClrLst meth="repeat">
+      <a:schemeClr val="accent1"/>
+    </dgm:fillClrLst>
+    <dgm:linClrLst meth="repeat">
+      <a:schemeClr val="accent1">
+        <a:tint val="50000"/>
+      </a:schemeClr>
+    </dgm:linClrLst>
+    <dgm:effectClrLst/>
+    <dgm:txLinClrLst/>
+    <dgm:txFillClrLst meth="repeat">
+      <a:schemeClr val="tx1"/>
+    </dgm:txFillClrLst>
+    <dgm:txEffectClrLst/>
+  </dgm:styleLbl>
+  <dgm:styleLbl name="asst0">
+    <dgm:fillClrLst meth="repeat">
+      <a:schemeClr val="accent1"/>
+    </dgm:fillClrLst>
+    <dgm:linClrLst meth="repeat">
+      <a:schemeClr val="lt1"/>
+    </dgm:linClrLst>
+    <dgm:effectClrLst/>
+    <dgm:txLinClrLst/>
+    <dgm:txFillClrLst/>
+    <dgm:txEffectClrLst/>
+  </dgm:styleLbl>
+  <dgm:styleLbl name="asst1">
+    <dgm:fillClrLst meth="repeat">
+      <a:schemeClr val="accent1"/>
+    </dgm:fillClrLst>
+    <dgm:linClrLst meth="repeat">
+      <a:schemeClr val="lt1"/>
+    </dgm:linClrLst>
+    <dgm:effectClrLst/>
+    <dgm:txLinClrLst/>
+    <dgm:txFillClrLst/>
+    <dgm:txEffectClrLst/>
+  </dgm:styleLbl>
+  <dgm:styleLbl name="asst2">
+    <dgm:fillClrLst meth="repeat">
+      <a:schemeClr val="accent1"/>
+    </dgm:fillClrLst>
+    <dgm:linClrLst meth="repeat">
+      <a:schemeClr val="lt1"/>
+    </dgm:linClrLst>
+    <dgm:effectClrLst/>
+    <dgm:txLinClrLst/>
+    <dgm:txFillClrLst/>
+    <dgm:txEffectClrLst/>
+  </dgm:styleLbl>
+  <dgm:styleLbl name="asst3">
+    <dgm:fillClrLst meth="repeat">
+      <a:schemeClr val="accent1"/>
+    </dgm:fillClrLst>
+    <dgm:linClrLst meth="repeat">
+      <a:schemeClr val="lt1"/>
+    </dgm:linClrLst>
+    <dgm:effectClrLst/>
+    <dgm:txLinClrLst/>
+    <dgm:txFillClrLst/>
+    <dgm:txEffectClrLst/>
+  </dgm:styleLbl>
+  <dgm:styleLbl name="asst4">
+    <dgm:fillClrLst meth="repeat">
+      <a:schemeClr val="accent1"/>
+    </dgm:fillClrLst>
+    <dgm:linClrLst meth="repeat">
+      <a:schemeClr val="lt1"/>
+    </dgm:linClrLst>
+    <dgm:effectClrLst/>
+    <dgm:txLinClrLst/>
+    <dgm:txFillClrLst/>
+    <dgm:txEffectClrLst/>
+  </dgm:styleLbl>
+  <dgm:styleLbl name="parChTrans2D1">
+    <dgm:fillClrLst meth="repeat">
+      <a:schemeClr val="accent1">
+        <a:tint val="60000"/>
+      </a:schemeClr>
+    </dgm:fillClrLst>
+    <dgm:linClrLst meth="repeat">
+      <a:schemeClr val="accent1">
+        <a:tint val="60000"/>
+      </a:schemeClr>
+    </dgm:linClrLst>
+    <dgm:effectClrLst/>
+    <dgm:txLinClrLst/>
+    <dgm:txFillClrLst meth="repeat">
+      <a:schemeClr val="lt1"/>
+    </dgm:txFillClrLst>
+    <dgm:txEffectClrLst/>
+  </dgm:styleLbl>
+  <dgm:styleLbl name="parChTrans2D2">
+    <dgm:fillClrLst meth="repeat">
+      <a:schemeClr val="accent1"/>
+    </dgm:fillClrLst>
+    <dgm:linClrLst meth="repeat">
+      <a:schemeClr val="accent1"/>
+    </dgm:linClrLst>
+    <dgm:effectClrLst/>
+    <dgm:txLinClrLst/>
+    <dgm:txFillClrLst meth="repeat">
+      <a:schemeClr val="lt1"/>
+    </dgm:txFillClrLst>
+    <dgm:txEffectClrLst/>
+  </dgm:styleLbl>
+  <dgm:styleLbl name="parChTrans2D3">
+    <dgm:fillClrLst meth="repeat">
+      <a:schemeClr val="accent1"/>
+    </dgm:fillClrLst>
+    <dgm:linClrLst meth="repeat">
+      <a:schemeClr val="accent1"/>
+    </dgm:linClrLst>
+    <dgm:effectClrLst/>
+    <dgm:txLinClrLst/>
+    <dgm:txFillClrLst meth="repeat">
+      <a:schemeClr val="lt1"/>
+    </dgm:txFillClrLst>
+    <dgm:txEffectClrLst/>
+  </dgm:styleLbl>
+  <dgm:styleLbl name="parChTrans2D4">
+    <dgm:fillClrLst meth="repeat">
+      <a:schemeClr val="accent1"/>
+    </dgm:fillClrLst>
+    <dgm:linClrLst meth="repeat">
+      <a:schemeClr val="accent1"/>
+    </dgm:linClrLst>
+    <dgm:effectClrLst/>
+    <dgm:txLinClrLst/>
+    <dgm:txFillClrLst meth="repeat">
+      <a:schemeClr val="lt1"/>
+    </dgm:txFillClrLst>
+    <dgm:txEffectClrLst/>
+  </dgm:styleLbl>
+  <dgm:styleLbl name="parChTrans1D1">
+    <dgm:fillClrLst meth="repeat">
+      <a:schemeClr val="accent1"/>
+    </dgm:fillClrLst>
+    <dgm:linClrLst meth="repeat">
+      <a:schemeClr val="accent1">
+        <a:shade val="60000"/>
+      </a:schemeClr>
+    </dgm:linClrLst>
+    <dgm:effectClrLst/>
+    <dgm:txLinClrLst/>
+    <dgm:txFillClrLst meth="repeat">
+      <a:schemeClr val="tx1"/>
+    </dgm:txFillClrLst>
+    <dgm:txEffectClrLst/>
+  </dgm:styleLbl>
+  <dgm:styleLbl name="parChTrans1D2">
+    <dgm:fillClrLst meth="repeat">
+      <a:schemeClr val="accent1"/>
+    </dgm:fillClrLst>
+    <dgm:linClrLst meth="repeat">
+      <a:schemeClr val="accent1">
+        <a:shade val="60000"/>
+      </a:schemeClr>
+    </dgm:linClrLst>
+    <dgm:effectClrLst/>
+    <dgm:txLinClrLst/>
+    <dgm:txFillClrLst meth="repeat">
+      <a:schemeClr val="tx1"/>
+    </dgm:txFillClrLst>
+    <dgm:txEffectClrLst/>
+  </dgm:styleLbl>
+  <dgm:styleLbl name="parChTrans1D3">
+    <dgm:fillClrLst meth="repeat">
+      <a:schemeClr val="accent1"/>
+    </dgm:fillClrLst>
+    <dgm:linClrLst meth="repeat">
+      <a:schemeClr val="accent1">
+        <a:shade val="80000"/>
+      </a:schemeClr>
+    </dgm:linClrLst>
+    <dgm:effectClrLst/>
+    <dgm:txLinClrLst/>
+    <dgm:txFillClrLst meth="repeat">
+      <a:schemeClr val="tx1"/>
+    </dgm:txFillClrLst>
+    <dgm:txEffectClrLst/>
+  </dgm:styleLbl>
+  <dgm:styleLbl name="parChTrans1D4">
+    <dgm:fillClrLst meth="repeat">
+      <a:schemeClr val="accent1"/>
+    </dgm:fillClrLst>
+    <dgm:linClrLst meth="repeat">
+      <a:schemeClr val="accent1">
+        <a:shade val="80000"/>
+      </a:schemeClr>
+    </dgm:linClrLst>
+    <dgm:effectClrLst/>
+    <dgm:txLinClrLst/>
+    <dgm:txFillClrLst meth="repeat">
+      <a:schemeClr val="tx1"/>
+    </dgm:txFillClrLst>
+    <dgm:txEffectClrLst/>
+  </dgm:styleLbl>
+  <dgm:styleLbl name="fgAcc1">
+    <dgm:fillClrLst meth="repeat">
+      <a:schemeClr val="lt1">
+        <a:alpha val="90000"/>
+      </a:schemeClr>
+    </dgm:fillClrLst>
+    <dgm:linClrLst meth="repeat">
+      <a:schemeClr val="accent1"/>
+    </dgm:linClrLst>
+    <dgm:effectClrLst/>
+    <dgm:txLinClrLst/>
+    <dgm:txFillClrLst meth="repeat">
+      <a:schemeClr val="dk1"/>
+    </dgm:txFillClrLst>
+    <dgm:txEffectClrLst/>
+  </dgm:styleLbl>
+  <dgm:styleLbl name="conFgAcc1">
+    <dgm:fillClrLst meth="repeat">
+      <a:schemeClr val="lt1">
+        <a:alpha val="90000"/>
+      </a:schemeClr>
+    </dgm:fillClrLst>
+    <dgm:linClrLst meth="repeat">
+      <a:schemeClr val="accent1"/>
+    </dgm:linClrLst>
+    <dgm:effectClrLst/>
+    <dgm:txLinClrLst/>
+    <dgm:txFillClrLst meth="repeat">
+      <a:schemeClr val="dk1"/>
+    </dgm:txFillClrLst>
+    <dgm:txEffectClrLst/>
+  </dgm:styleLbl>
+  <dgm:styleLbl name="alignAcc1">
+    <dgm:fillClrLst meth="repeat">
+      <a:schemeClr val="lt1">
+        <a:alpha val="90000"/>
+      </a:schemeClr>
+    </dgm:fillClrLst>
+    <dgm:linClrLst meth="repeat">
+      <a:schemeClr val="accent1"/>
+    </dgm:linClrLst>
+    <dgm:effectClrLst/>
+    <dgm:txLinClrLst/>
+    <dgm:txFillClrLst meth="repeat">
+      <a:schemeClr val="dk1"/>
+    </dgm:txFillClrLst>
+    <dgm:txEffectClrLst/>
+  </dgm:styleLbl>
+  <dgm:styleLbl name="trAlignAcc1">
+    <dgm:fillClrLst meth="repeat">
+      <a:schemeClr val="lt1">
+        <a:alpha val="40000"/>
+      </a:schemeClr>
+    </dgm:fillClrLst>
+    <dgm:linClrLst meth="repeat">
+      <a:schemeClr val="accent1"/>
+    </dgm:linClrLst>
+    <dgm:effectClrLst/>
+    <dgm:txLinClrLst/>
+    <dgm:txFillClrLst meth="repeat">
+      <a:schemeClr val="dk1"/>
+    </dgm:txFillClrLst>
+    <dgm:txEffectClrLst/>
+  </dgm:styleLbl>
+  <dgm:styleLbl name="bgAcc1">
+    <dgm:fillClrLst meth="repeat">
+      <a:schemeClr val="lt1">
+        <a:alpha val="90000"/>
+      </a:schemeClr>
+    </dgm:fillClrLst>
+    <dgm:linClrLst meth="repeat">
+      <a:schemeClr val="accent1"/>
+    </dgm:linClrLst>
+    <dgm:effectClrLst/>
+    <dgm:txLinClrLst/>
+    <dgm:txFillClrLst meth="repeat">
+      <a:schemeClr val="dk1"/>
+    </dgm:txFillClrLst>
+    <dgm:txEffectClrLst/>
+  </dgm:styleLbl>
+  <dgm:styleLbl name="solidFgAcc1">
+    <dgm:fillClrLst meth="repeat">
+      <a:schemeClr val="lt1"/>
+    </dgm:fillClrLst>
+    <dgm:linClrLst meth="repeat">
+      <a:schemeClr val="accent1"/>
+    </dgm:linClrLst>
+    <dgm:effectClrLst/>
+    <dgm:txLinClrLst/>
+    <dgm:txFillClrLst meth="repeat">
+      <a:schemeClr val="dk1"/>
+    </dgm:txFillClrLst>
+    <dgm:txEffectClrLst/>
+  </dgm:styleLbl>
+  <dgm:styleLbl name="solidAlignAcc1">
+    <dgm:fillClrLst meth="repeat">
+      <a:schemeClr val="lt1"/>
+    </dgm:fillClrLst>
+    <dgm:linClrLst meth="repeat">
+      <a:schemeClr val="accent1"/>
+    </dgm:linClrLst>
+    <dgm:effectClrLst/>
+    <dgm:txLinClrLst/>
+    <dgm:txFillClrLst meth="repeat">
+      <a:schemeClr val="dk1"/>
+    </dgm:txFillClrLst>
+    <dgm:txEffectClrLst/>
+  </dgm:styleLbl>
+  <dgm:styleLbl name="solidBgAcc1">
+    <dgm:fillClrLst meth="repeat">
+      <a:schemeClr val="lt1"/>
+    </dgm:fillClrLst>
+    <dgm:linClrLst meth="repeat">
+      <a:schemeClr val="accent1"/>
+    </dgm:linClrLst>
+    <dgm:effectClrLst/>
+    <dgm:txLinClrLst/>
+    <dgm:txFillClrLst meth="repeat">
+      <a:schemeClr val="dk1"/>
+    </dgm:txFillClrLst>
+    <dgm:txEffectClrLst/>
+  </dgm:styleLbl>
+  <dgm:styleLbl name="fgAccFollowNode1">
+    <dgm:fillClrLst meth="repeat">
+      <a:schemeClr val="accent1">
+        <a:alpha val="90000"/>
+        <a:tint val="40000"/>
+      </a:schemeClr>
+    </dgm:fillClrLst>
+    <dgm:linClrLst meth="repeat">
+      <a:schemeClr val="accent1">
+        <a:alpha val="90000"/>
+        <a:tint val="40000"/>
+      </a:schemeClr>
+    </dgm:linClrLst>
+    <dgm:effectClrLst/>
+    <dgm:txLinClrLst/>
+    <dgm:txFillClrLst meth="repeat">
+      <a:schemeClr val="dk1"/>
+    </dgm:txFillClrLst>
+    <dgm:txEffectClrLst/>
+  </dgm:styleLbl>
+  <dgm:styleLbl name="alignAccFollowNode1">
+    <dgm:fillClrLst meth="repeat">
+      <a:schemeClr val="accent1">
+        <a:alpha val="90000"/>
+        <a:tint val="40000"/>
+      </a:schemeClr>
+    </dgm:fillClrLst>
+    <dgm:linClrLst meth="repeat">
+      <a:schemeClr val="accent1">
+        <a:alpha val="90000"/>
+        <a:tint val="40000"/>
+      </a:schemeClr>
+    </dgm:linClrLst>
+    <dgm:effectClrLst/>
+    <dgm:txLinClrLst/>
+    <dgm:txFillClrLst meth="repeat">
+      <a:schemeClr val="dk1"/>
+    </dgm:txFillClrLst>
+    <dgm:txEffectClrLst/>
+  </dgm:styleLbl>
+  <dgm:styleLbl name="bgAccFollowNode1">
+    <dgm:fillClrLst meth="repeat">
+      <a:schemeClr val="accent1">
+        <a:alpha val="90000"/>
+        <a:tint val="40000"/>
+      </a:schemeClr>
+    </dgm:fillClrLst>
+    <dgm:linClrLst meth="repeat">
+      <a:schemeClr val="accent1">
+        <a:alpha val="90000"/>
+        <a:tint val="40000"/>
+      </a:schemeClr>
+    </dgm:linClrLst>
+    <dgm:effectClrLst/>
+    <dgm:txLinClrLst/>
+    <dgm:txFillClrLst meth="repeat">
+      <a:schemeClr val="dk1"/>
+    </dgm:txFillClrLst>
+    <dgm:txEffectClrLst/>
+  </dgm:styleLbl>
+  <dgm:styleLbl name="fgAcc0">
+    <dgm:fillClrLst meth="repeat">
+      <a:schemeClr val="lt1">
+        <a:alpha val="90000"/>
+      </a:schemeClr>
+    </dgm:fillClrLst>
+    <dgm:linClrLst meth="repeat">
+      <a:schemeClr val="accent1"/>
+    </dgm:linClrLst>
+    <dgm:effectClrLst/>
+    <dgm:txLinClrLst/>
+    <dgm:txFillClrLst meth="repeat">
+      <a:schemeClr val="dk1"/>
+    </dgm:txFillClrLst>
+    <dgm:txEffectClrLst/>
+  </dgm:styleLbl>
+  <dgm:styleLbl name="fgAcc2">
+    <dgm:fillClrLst meth="repeat">
+      <a:schemeClr val="lt1">
+        <a:alpha val="90000"/>
+      </a:schemeClr>
+    </dgm:fillClrLst>
+    <dgm:linClrLst meth="repeat">
+      <a:schemeClr val="accent1"/>
+    </dgm:linClrLst>
+    <dgm:effectClrLst/>
+    <dgm:txLinClrLst/>
+    <dgm:txFillClrLst meth="repeat">
+      <a:schemeClr val="dk1"/>
+    </dgm:txFillClrLst>
+    <dgm:txEffectClrLst/>
+  </dgm:styleLbl>
+  <dgm:styleLbl name="fgAcc3">
+    <dgm:fillClrLst meth="repeat">
+      <a:schemeClr val="lt1">
+        <a:alpha val="90000"/>
+      </a:schemeClr>
+    </dgm:fillClrLst>
+    <dgm:linClrLst meth="repeat">
+      <a:schemeClr val="accent1"/>
+    </dgm:linClrLst>
+    <dgm:effectClrLst/>
+    <dgm:txLinClrLst/>
+    <dgm:txFillClrLst meth="repeat">
+      <a:schemeClr val="dk1"/>
+    </dgm:txFillClrLst>
+    <dgm:txEffectClrLst/>
+  </dgm:styleLbl>
+  <dgm:styleLbl name="fgAcc4">
+    <dgm:fillClrLst meth="repeat">
+      <a:schemeClr val="lt1">
+        <a:alpha val="90000"/>
+      </a:schemeClr>
+    </dgm:fillClrLst>
+    <dgm:linClrLst meth="repeat">
+      <a:schemeClr val="accent1"/>
+    </dgm:linClrLst>
+    <dgm:effectClrLst/>
+    <dgm:txLinClrLst/>
+    <dgm:txFillClrLst meth="repeat">
+      <a:schemeClr val="dk1"/>
+    </dgm:txFillClrLst>
+    <dgm:txEffectClrLst/>
+  </dgm:styleLbl>
+  <dgm:styleLbl name="bgShp">
+    <dgm:fillClrLst meth="repeat">
+      <a:schemeClr val="accent1">
+        <a:tint val="40000"/>
+      </a:schemeClr>
+    </dgm:fillClrLst>
+    <dgm:linClrLst meth="repeat">
+      <a:schemeClr val="accent1"/>
+    </dgm:linClrLst>
+    <dgm:effectClrLst/>
+    <dgm:txLinClrLst/>
+    <dgm:txFillClrLst meth="repeat">
+      <a:schemeClr val="dk1"/>
+    </dgm:txFillClrLst>
+    <dgm:txEffectClrLst/>
+  </dgm:styleLbl>
+  <dgm:styleLbl name="dkBgShp">
+    <dgm:fillClrLst meth="repeat">
+      <a:schemeClr val="accent1">
+        <a:shade val="80000"/>
+      </a:schemeClr>
+    </dgm:fillClrLst>
+    <dgm:linClrLst meth="repeat">
+      <a:schemeClr val="accent1"/>
+    </dgm:linClrLst>
+    <dgm:effectClrLst/>
+    <dgm:txLinClrLst/>
+    <dgm:txFillClrLst meth="repeat">
+      <a:schemeClr val="lt1"/>
+    </dgm:txFillClrLst>
+    <dgm:txEffectClrLst/>
+  </dgm:styleLbl>
+  <dgm:styleLbl name="trBgShp">
+    <dgm:fillClrLst meth="repeat">
+      <a:schemeClr val="accent1">
+        <a:tint val="50000"/>
+        <a:alpha val="40000"/>
+      </a:schemeClr>
+    </dgm:fillClrLst>
+    <dgm:linClrLst meth="repeat">
+      <a:schemeClr val="accent1"/>
+    </dgm:linClrLst>
+    <dgm:effectClrLst/>
+    <dgm:txLinClrLst/>
+    <dgm:txFillClrLst meth="repeat">
+      <a:schemeClr val="lt1"/>
+    </dgm:txFillClrLst>
+    <dgm:txEffectClrLst/>
+  </dgm:styleLbl>
+  <dgm:styleLbl name="fgShp">
+    <dgm:fillClrLst meth="repeat">
+      <a:schemeClr val="accent1">
+        <a:tint val="60000"/>
+      </a:schemeClr>
+    </dgm:fillClrLst>
+    <dgm:linClrLst meth="repeat">
+      <a:schemeClr val="lt1"/>
+    </dgm:linClrLst>
+    <dgm:effectClrLst/>
+    <dgm:txLinClrLst/>
+    <dgm:txFillClrLst meth="repeat">
+      <a:schemeClr val="dk1"/>
+    </dgm:txFillClrLst>
+    <dgm:txEffectClrLst/>
+  </dgm:styleLbl>
+  <dgm:styleLbl name="revTx">
+    <dgm:fillClrLst meth="repeat">
+      <a:schemeClr val="lt1">
+        <a:alpha val="0"/>
+      </a:schemeClr>
+    </dgm:fillClrLst>
+    <dgm:linClrLst meth="repeat">
+      <a:schemeClr val="dk1">
+        <a:alpha val="0"/>
+      </a:schemeClr>
+    </dgm:linClrLst>
+    <dgm:effectClrLst/>
+    <dgm:txLinClrLst/>
+    <dgm:txFillClrLst meth="repeat">
+      <a:schemeClr val="tx1"/>
+    </dgm:txFillClrLst>
+    <dgm:txEffectClrLst/>
+  </dgm:styleLbl>
+</dgm:colorsDef>
+</file>
+
+<file path=ppt/diagrams/colors5.xml><?xml version="1.0" encoding="utf-8"?>
 <dgm:colorsDef xmlns:dgm="http://schemas.openxmlformats.org/drawingml/2006/diagram" xmlns:a="http://schemas.openxmlformats.org/drawingml/2006/main" uniqueId="urn:microsoft.com/office/officeart/2005/8/colors/accent1_2">
   <dgm:title val=""/>
   <dgm:desc val=""/>
@@ -2668,6 +4163,212 @@
 </dgm:dataModel>
 </file>
 
+<file path=ppt/diagrams/data4.xml><?xml version="1.0" encoding="utf-8"?>
+<dgm:dataModel xmlns:dgm="http://schemas.openxmlformats.org/drawingml/2006/diagram" xmlns:a="http://schemas.openxmlformats.org/drawingml/2006/main">
+  <dgm:ptLst>
+    <dgm:pt modelId="{56941AC6-EA2C-431D-94F6-9353FA1450CA}" type="doc">
+      <dgm:prSet loTypeId="urn:microsoft.com/office/officeart/2005/8/layout/lProcess3" loCatId="process" qsTypeId="urn:microsoft.com/office/officeart/2005/8/quickstyle/simple1" qsCatId="simple" csTypeId="urn:microsoft.com/office/officeart/2005/8/colors/accent1_2" csCatId="accent1" phldr="1"/>
+      <dgm:spPr/>
+      <dgm:t>
+        <a:bodyPr/>
+        <a:lstStyle/>
+        <a:p>
+          <a:endParaRPr lang="en-US"/>
+        </a:p>
+      </dgm:t>
+    </dgm:pt>
+    <dgm:pt modelId="{6FDEEA62-FE71-4E77-82AA-2698082C4932}">
+      <dgm:prSet custT="1"/>
+      <dgm:spPr/>
+      <dgm:t>
+        <a:bodyPr/>
+        <a:lstStyle/>
+        <a:p>
+          <a:pPr rtl="0"/>
+          <a:r>
+            <a:rPr lang="en-US" sz="4000" dirty="0" smtClean="0"/>
+            <a:t>LAB</a:t>
+          </a:r>
+          <a:endParaRPr lang="en-US" sz="4000" dirty="0" smtClean="0"/>
+        </a:p>
+      </dgm:t>
+    </dgm:pt>
+    <dgm:pt modelId="{721A4CF8-4A18-4DDD-8B80-07A8E685605A}" type="parTrans" cxnId="{B1A7F716-AC3A-4D91-9660-99AB71395A3F}">
+      <dgm:prSet/>
+      <dgm:spPr/>
+      <dgm:t>
+        <a:bodyPr/>
+        <a:lstStyle/>
+        <a:p>
+          <a:endParaRPr lang="en-US"/>
+        </a:p>
+      </dgm:t>
+    </dgm:pt>
+    <dgm:pt modelId="{0289EBA4-424F-4E89-A0AF-FDAFA76755A6}" type="sibTrans" cxnId="{B1A7F716-AC3A-4D91-9660-99AB71395A3F}">
+      <dgm:prSet/>
+      <dgm:spPr/>
+      <dgm:t>
+        <a:bodyPr/>
+        <a:lstStyle/>
+        <a:p>
+          <a:endParaRPr lang="en-US"/>
+        </a:p>
+      </dgm:t>
+    </dgm:pt>
+    <dgm:pt modelId="{44B310B3-17C9-47DA-9BD2-71FD118882DE}" type="pres">
+      <dgm:prSet presAssocID="{56941AC6-EA2C-431D-94F6-9353FA1450CA}" presName="Name0" presStyleCnt="0">
+        <dgm:presLayoutVars>
+          <dgm:chPref val="3"/>
+          <dgm:dir/>
+          <dgm:animLvl val="lvl"/>
+          <dgm:resizeHandles/>
+        </dgm:presLayoutVars>
+      </dgm:prSet>
+      <dgm:spPr/>
+      <dgm:t>
+        <a:bodyPr/>
+        <a:lstStyle/>
+        <a:p>
+          <a:endParaRPr lang="en-US"/>
+        </a:p>
+      </dgm:t>
+    </dgm:pt>
+    <dgm:pt modelId="{CCA927FF-53C7-4AE1-8A4E-0EB2036FED28}" type="pres">
+      <dgm:prSet presAssocID="{6FDEEA62-FE71-4E77-82AA-2698082C4932}" presName="horFlow" presStyleCnt="0"/>
+      <dgm:spPr/>
+    </dgm:pt>
+    <dgm:pt modelId="{49D8894D-0D36-4692-B021-117D1E73DE50}" type="pres">
+      <dgm:prSet presAssocID="{6FDEEA62-FE71-4E77-82AA-2698082C4932}" presName="bigChev" presStyleLbl="node1" presStyleIdx="0" presStyleCnt="1" custScaleX="342430"/>
+      <dgm:spPr/>
+      <dgm:t>
+        <a:bodyPr/>
+        <a:lstStyle/>
+        <a:p>
+          <a:endParaRPr lang="en-US"/>
+        </a:p>
+      </dgm:t>
+    </dgm:pt>
+  </dgm:ptLst>
+  <dgm:cxnLst>
+    <dgm:cxn modelId="{B1A7F716-AC3A-4D91-9660-99AB71395A3F}" srcId="{56941AC6-EA2C-431D-94F6-9353FA1450CA}" destId="{6FDEEA62-FE71-4E77-82AA-2698082C4932}" srcOrd="0" destOrd="0" parTransId="{721A4CF8-4A18-4DDD-8B80-07A8E685605A}" sibTransId="{0289EBA4-424F-4E89-A0AF-FDAFA76755A6}"/>
+    <dgm:cxn modelId="{DC15EDFB-69A8-4FF1-8AC3-C2F4E6E26741}" type="presOf" srcId="{56941AC6-EA2C-431D-94F6-9353FA1450CA}" destId="{44B310B3-17C9-47DA-9BD2-71FD118882DE}" srcOrd="0" destOrd="0" presId="urn:microsoft.com/office/officeart/2005/8/layout/lProcess3"/>
+    <dgm:cxn modelId="{0E61094D-A154-49E3-934A-06188CC7D1C3}" type="presOf" srcId="{6FDEEA62-FE71-4E77-82AA-2698082C4932}" destId="{49D8894D-0D36-4692-B021-117D1E73DE50}" srcOrd="0" destOrd="0" presId="urn:microsoft.com/office/officeart/2005/8/layout/lProcess3"/>
+    <dgm:cxn modelId="{F5228F29-D88D-4BC1-B872-33F8D3283057}" type="presParOf" srcId="{44B310B3-17C9-47DA-9BD2-71FD118882DE}" destId="{CCA927FF-53C7-4AE1-8A4E-0EB2036FED28}" srcOrd="0" destOrd="0" presId="urn:microsoft.com/office/officeart/2005/8/layout/lProcess3"/>
+    <dgm:cxn modelId="{35C700A7-4E82-4506-80F8-69C5B907B75B}" type="presParOf" srcId="{CCA927FF-53C7-4AE1-8A4E-0EB2036FED28}" destId="{49D8894D-0D36-4692-B021-117D1E73DE50}" srcOrd="0" destOrd="0" presId="urn:microsoft.com/office/officeart/2005/8/layout/lProcess3"/>
+  </dgm:cxnLst>
+  <dgm:bg/>
+  <dgm:whole/>
+  <dgm:extLst>
+    <a:ext uri="http://schemas.microsoft.com/office/drawing/2008/diagram">
+      <dsp:dataModelExt xmlns:dsp="http://schemas.microsoft.com/office/drawing/2008/diagram" relId="rId9" minVer="http://schemas.openxmlformats.org/drawingml/2006/diagram"/>
+    </a:ext>
+  </dgm:extLst>
+</dgm:dataModel>
+</file>
+
+<file path=ppt/diagrams/data5.xml><?xml version="1.0" encoding="utf-8"?>
+<dgm:dataModel xmlns:dgm="http://schemas.openxmlformats.org/drawingml/2006/diagram" xmlns:a="http://schemas.openxmlformats.org/drawingml/2006/main">
+  <dgm:ptLst>
+    <dgm:pt modelId="{56941AC6-EA2C-431D-94F6-9353FA1450CA}" type="doc">
+      <dgm:prSet loTypeId="urn:microsoft.com/office/officeart/2005/8/layout/lProcess3" loCatId="process" qsTypeId="urn:microsoft.com/office/officeart/2005/8/quickstyle/simple1" qsCatId="simple" csTypeId="urn:microsoft.com/office/officeart/2005/8/colors/accent1_2" csCatId="accent1" phldr="1"/>
+      <dgm:spPr/>
+      <dgm:t>
+        <a:bodyPr/>
+        <a:lstStyle/>
+        <a:p>
+          <a:endParaRPr lang="en-US"/>
+        </a:p>
+      </dgm:t>
+    </dgm:pt>
+    <dgm:pt modelId="{6FDEEA62-FE71-4E77-82AA-2698082C4932}">
+      <dgm:prSet custT="1"/>
+      <dgm:spPr/>
+      <dgm:t>
+        <a:bodyPr/>
+        <a:lstStyle/>
+        <a:p>
+          <a:pPr rtl="0"/>
+          <a:r>
+            <a:rPr lang="en-US" sz="4000" dirty="0" smtClean="0"/>
+            <a:t>JSX</a:t>
+          </a:r>
+          <a:endParaRPr lang="en-US" sz="4000" dirty="0" smtClean="0"/>
+        </a:p>
+      </dgm:t>
+    </dgm:pt>
+    <dgm:pt modelId="{721A4CF8-4A18-4DDD-8B80-07A8E685605A}" type="parTrans" cxnId="{B1A7F716-AC3A-4D91-9660-99AB71395A3F}">
+      <dgm:prSet/>
+      <dgm:spPr/>
+      <dgm:t>
+        <a:bodyPr/>
+        <a:lstStyle/>
+        <a:p>
+          <a:endParaRPr lang="en-US"/>
+        </a:p>
+      </dgm:t>
+    </dgm:pt>
+    <dgm:pt modelId="{0289EBA4-424F-4E89-A0AF-FDAFA76755A6}" type="sibTrans" cxnId="{B1A7F716-AC3A-4D91-9660-99AB71395A3F}">
+      <dgm:prSet/>
+      <dgm:spPr/>
+      <dgm:t>
+        <a:bodyPr/>
+        <a:lstStyle/>
+        <a:p>
+          <a:endParaRPr lang="en-US"/>
+        </a:p>
+      </dgm:t>
+    </dgm:pt>
+    <dgm:pt modelId="{44B310B3-17C9-47DA-9BD2-71FD118882DE}" type="pres">
+      <dgm:prSet presAssocID="{56941AC6-EA2C-431D-94F6-9353FA1450CA}" presName="Name0" presStyleCnt="0">
+        <dgm:presLayoutVars>
+          <dgm:chPref val="3"/>
+          <dgm:dir/>
+          <dgm:animLvl val="lvl"/>
+          <dgm:resizeHandles/>
+        </dgm:presLayoutVars>
+      </dgm:prSet>
+      <dgm:spPr/>
+      <dgm:t>
+        <a:bodyPr/>
+        <a:lstStyle/>
+        <a:p>
+          <a:endParaRPr lang="en-US"/>
+        </a:p>
+      </dgm:t>
+    </dgm:pt>
+    <dgm:pt modelId="{CCA927FF-53C7-4AE1-8A4E-0EB2036FED28}" type="pres">
+      <dgm:prSet presAssocID="{6FDEEA62-FE71-4E77-82AA-2698082C4932}" presName="horFlow" presStyleCnt="0"/>
+      <dgm:spPr/>
+    </dgm:pt>
+    <dgm:pt modelId="{49D8894D-0D36-4692-B021-117D1E73DE50}" type="pres">
+      <dgm:prSet presAssocID="{6FDEEA62-FE71-4E77-82AA-2698082C4932}" presName="bigChev" presStyleLbl="node1" presStyleIdx="0" presStyleCnt="1" custScaleX="342430"/>
+      <dgm:spPr/>
+      <dgm:t>
+        <a:bodyPr/>
+        <a:lstStyle/>
+        <a:p>
+          <a:endParaRPr lang="en-US"/>
+        </a:p>
+      </dgm:t>
+    </dgm:pt>
+  </dgm:ptLst>
+  <dgm:cxnLst>
+    <dgm:cxn modelId="{1ACB079C-9F13-4F8E-B4C2-B98D5A599824}" type="presOf" srcId="{56941AC6-EA2C-431D-94F6-9353FA1450CA}" destId="{44B310B3-17C9-47DA-9BD2-71FD118882DE}" srcOrd="0" destOrd="0" presId="urn:microsoft.com/office/officeart/2005/8/layout/lProcess3"/>
+    <dgm:cxn modelId="{B1A7F716-AC3A-4D91-9660-99AB71395A3F}" srcId="{56941AC6-EA2C-431D-94F6-9353FA1450CA}" destId="{6FDEEA62-FE71-4E77-82AA-2698082C4932}" srcOrd="0" destOrd="0" parTransId="{721A4CF8-4A18-4DDD-8B80-07A8E685605A}" sibTransId="{0289EBA4-424F-4E89-A0AF-FDAFA76755A6}"/>
+    <dgm:cxn modelId="{BEF7B9F1-2BE3-4748-AFF5-7F57CEA68844}" type="presOf" srcId="{6FDEEA62-FE71-4E77-82AA-2698082C4932}" destId="{49D8894D-0D36-4692-B021-117D1E73DE50}" srcOrd="0" destOrd="0" presId="urn:microsoft.com/office/officeart/2005/8/layout/lProcess3"/>
+    <dgm:cxn modelId="{304F404A-F4A8-4985-8BCA-3E13709687D9}" type="presParOf" srcId="{44B310B3-17C9-47DA-9BD2-71FD118882DE}" destId="{CCA927FF-53C7-4AE1-8A4E-0EB2036FED28}" srcOrd="0" destOrd="0" presId="urn:microsoft.com/office/officeart/2005/8/layout/lProcess3"/>
+    <dgm:cxn modelId="{FA675CAB-BFCF-4F55-A061-148B473BBEC7}" type="presParOf" srcId="{CCA927FF-53C7-4AE1-8A4E-0EB2036FED28}" destId="{49D8894D-0D36-4692-B021-117D1E73DE50}" srcOrd="0" destOrd="0" presId="urn:microsoft.com/office/officeart/2005/8/layout/lProcess3"/>
+  </dgm:cxnLst>
+  <dgm:bg/>
+  <dgm:whole/>
+  <dgm:extLst>
+    <a:ext uri="http://schemas.microsoft.com/office/drawing/2008/diagram">
+      <dsp:dataModelExt xmlns:dsp="http://schemas.microsoft.com/office/drawing/2008/diagram" relId="rId9" minVer="http://schemas.openxmlformats.org/drawingml/2006/diagram"/>
+    </a:ext>
+  </dgm:extLst>
+</dgm:dataModel>
+</file>
+
 <file path=ppt/diagrams/drawing1.xml><?xml version="1.0" encoding="utf-8"?>
 <dsp:drawing xmlns:dgm="http://schemas.openxmlformats.org/drawingml/2006/diagram" xmlns:dsp="http://schemas.microsoft.com/office/drawing/2008/diagram" xmlns:a="http://schemas.openxmlformats.org/drawingml/2006/main">
   <dsp:spTree>
@@ -2929,6 +4630,186 @@
       <dsp:txXfrm>
         <a:off x="592247" y="89734"/>
         <a:ext cx="8945624" cy="1183166"/>
+      </dsp:txXfrm>
+    </dsp:sp>
+  </dsp:spTree>
+</dsp:drawing>
+</file>
+
+<file path=ppt/diagrams/drawing4.xml><?xml version="1.0" encoding="utf-8"?>
+<dsp:drawing xmlns:dgm="http://schemas.openxmlformats.org/drawingml/2006/diagram" xmlns:dsp="http://schemas.microsoft.com/office/drawing/2008/diagram" xmlns:a="http://schemas.openxmlformats.org/drawingml/2006/main">
+  <dsp:spTree>
+    <dsp:nvGrpSpPr>
+      <dsp:cNvPr id="0" name=""/>
+      <dsp:cNvGrpSpPr/>
+    </dsp:nvGrpSpPr>
+    <dsp:grpSpPr/>
+    <dsp:sp modelId="{49D8894D-0D36-4692-B021-117D1E73DE50}">
+      <dsp:nvSpPr>
+        <dsp:cNvPr id="0" name=""/>
+        <dsp:cNvSpPr/>
+      </dsp:nvSpPr>
+      <dsp:spPr>
+        <a:xfrm>
+          <a:off x="300" y="88999"/>
+          <a:ext cx="4589327" cy="536089"/>
+        </a:xfrm>
+        <a:prstGeom prst="chevron">
+          <a:avLst/>
+        </a:prstGeom>
+        <a:solidFill>
+          <a:schemeClr val="accent1">
+            <a:hueOff val="0"/>
+            <a:satOff val="0"/>
+            <a:lumOff val="0"/>
+            <a:alphaOff val="0"/>
+          </a:schemeClr>
+        </a:solidFill>
+        <a:ln w="12700" cap="flat" cmpd="sng" algn="ctr">
+          <a:solidFill>
+            <a:schemeClr val="lt1">
+              <a:hueOff val="0"/>
+              <a:satOff val="0"/>
+              <a:lumOff val="0"/>
+              <a:alphaOff val="0"/>
+            </a:schemeClr>
+          </a:solidFill>
+          <a:prstDash val="solid"/>
+          <a:miter lim="800000"/>
+        </a:ln>
+        <a:effectLst/>
+      </dsp:spPr>
+      <dsp:style>
+        <a:lnRef idx="2">
+          <a:scrgbClr r="0" g="0" b="0"/>
+        </a:lnRef>
+        <a:fillRef idx="1">
+          <a:scrgbClr r="0" g="0" b="0"/>
+        </a:fillRef>
+        <a:effectRef idx="0">
+          <a:scrgbClr r="0" g="0" b="0"/>
+        </a:effectRef>
+        <a:fontRef idx="minor">
+          <a:schemeClr val="lt1"/>
+        </a:fontRef>
+      </dsp:style>
+      <dsp:txBody>
+        <a:bodyPr spcFirstLastPara="0" vert="horz" wrap="square" lIns="50800" tIns="25400" rIns="0" bIns="25400" numCol="1" spcCol="1270" anchor="ctr" anchorCtr="0">
+          <a:noAutofit/>
+        </a:bodyPr>
+        <a:lstStyle/>
+        <a:p>
+          <a:pPr lvl="0" algn="ctr" defTabSz="1778000" rtl="0">
+            <a:lnSpc>
+              <a:spcPct val="90000"/>
+            </a:lnSpc>
+            <a:spcBef>
+              <a:spcPct val="0"/>
+            </a:spcBef>
+            <a:spcAft>
+              <a:spcPct val="35000"/>
+            </a:spcAft>
+          </a:pPr>
+          <a:r>
+            <a:rPr lang="en-US" sz="4000" kern="1200" dirty="0" smtClean="0"/>
+            <a:t>LAB</a:t>
+          </a:r>
+          <a:endParaRPr lang="en-US" sz="4000" kern="1200" dirty="0" smtClean="0"/>
+        </a:p>
+      </dsp:txBody>
+      <dsp:txXfrm>
+        <a:off x="268345" y="88999"/>
+        <a:ext cx="4053238" cy="536089"/>
+      </dsp:txXfrm>
+    </dsp:sp>
+  </dsp:spTree>
+</dsp:drawing>
+</file>
+
+<file path=ppt/diagrams/drawing5.xml><?xml version="1.0" encoding="utf-8"?>
+<dsp:drawing xmlns:dgm="http://schemas.openxmlformats.org/drawingml/2006/diagram" xmlns:dsp="http://schemas.microsoft.com/office/drawing/2008/diagram" xmlns:a="http://schemas.openxmlformats.org/drawingml/2006/main">
+  <dsp:spTree>
+    <dsp:nvGrpSpPr>
+      <dsp:cNvPr id="0" name=""/>
+      <dsp:cNvGrpSpPr/>
+    </dsp:nvGrpSpPr>
+    <dsp:grpSpPr/>
+    <dsp:sp modelId="{49D8894D-0D36-4692-B021-117D1E73DE50}">
+      <dsp:nvSpPr>
+        <dsp:cNvPr id="0" name=""/>
+        <dsp:cNvSpPr/>
+      </dsp:nvSpPr>
+      <dsp:spPr>
+        <a:xfrm>
+          <a:off x="580" y="164598"/>
+          <a:ext cx="8847003" cy="1033437"/>
+        </a:xfrm>
+        <a:prstGeom prst="chevron">
+          <a:avLst/>
+        </a:prstGeom>
+        <a:solidFill>
+          <a:schemeClr val="accent1">
+            <a:hueOff val="0"/>
+            <a:satOff val="0"/>
+            <a:lumOff val="0"/>
+            <a:alphaOff val="0"/>
+          </a:schemeClr>
+        </a:solidFill>
+        <a:ln w="12700" cap="flat" cmpd="sng" algn="ctr">
+          <a:solidFill>
+            <a:schemeClr val="lt1">
+              <a:hueOff val="0"/>
+              <a:satOff val="0"/>
+              <a:lumOff val="0"/>
+              <a:alphaOff val="0"/>
+            </a:schemeClr>
+          </a:solidFill>
+          <a:prstDash val="solid"/>
+          <a:miter lim="800000"/>
+        </a:ln>
+        <a:effectLst/>
+      </dsp:spPr>
+      <dsp:style>
+        <a:lnRef idx="2">
+          <a:scrgbClr r="0" g="0" b="0"/>
+        </a:lnRef>
+        <a:fillRef idx="1">
+          <a:scrgbClr r="0" g="0" b="0"/>
+        </a:fillRef>
+        <a:effectRef idx="0">
+          <a:scrgbClr r="0" g="0" b="0"/>
+        </a:effectRef>
+        <a:fontRef idx="minor">
+          <a:schemeClr val="lt1"/>
+        </a:fontRef>
+      </dsp:style>
+      <dsp:txBody>
+        <a:bodyPr spcFirstLastPara="0" vert="horz" wrap="square" lIns="50800" tIns="25400" rIns="0" bIns="25400" numCol="1" spcCol="1270" anchor="ctr" anchorCtr="0">
+          <a:noAutofit/>
+        </a:bodyPr>
+        <a:lstStyle/>
+        <a:p>
+          <a:pPr lvl="0" algn="ctr" defTabSz="1778000" rtl="0">
+            <a:lnSpc>
+              <a:spcPct val="90000"/>
+            </a:lnSpc>
+            <a:spcBef>
+              <a:spcPct val="0"/>
+            </a:spcBef>
+            <a:spcAft>
+              <a:spcPct val="35000"/>
+            </a:spcAft>
+          </a:pPr>
+          <a:r>
+            <a:rPr lang="en-US" sz="4000" kern="1200" dirty="0" smtClean="0"/>
+            <a:t>JSX</a:t>
+          </a:r>
+          <a:endParaRPr lang="en-US" sz="4000" kern="1200" dirty="0" smtClean="0"/>
+        </a:p>
+      </dsp:txBody>
+      <dsp:txXfrm>
+        <a:off x="517299" y="164598"/>
+        <a:ext cx="7813566" cy="1033437"/>
       </dsp:txXfrm>
     </dsp:sp>
   </dsp:spTree>
@@ -3778,6 +5659,568 @@
 </dgm:layoutDef>
 </file>
 
+<file path=ppt/diagrams/layout4.xml><?xml version="1.0" encoding="utf-8"?>
+<dgm:layoutDef xmlns:dgm="http://schemas.openxmlformats.org/drawingml/2006/diagram" xmlns:a="http://schemas.openxmlformats.org/drawingml/2006/main" uniqueId="urn:microsoft.com/office/officeart/2005/8/layout/lProcess3">
+  <dgm:title val=""/>
+  <dgm:desc val=""/>
+  <dgm:catLst>
+    <dgm:cat type="process" pri="11000"/>
+    <dgm:cat type="convert" pri="12000"/>
+  </dgm:catLst>
+  <dgm:sampData>
+    <dgm:dataModel>
+      <dgm:ptLst>
+        <dgm:pt modelId="0" type="doc"/>
+        <dgm:pt modelId="1">
+          <dgm:prSet phldr="1"/>
+        </dgm:pt>
+        <dgm:pt modelId="11">
+          <dgm:prSet phldr="1"/>
+        </dgm:pt>
+        <dgm:pt modelId="12">
+          <dgm:prSet phldr="1"/>
+        </dgm:pt>
+        <dgm:pt modelId="2">
+          <dgm:prSet phldr="1"/>
+        </dgm:pt>
+        <dgm:pt modelId="21">
+          <dgm:prSet phldr="1"/>
+        </dgm:pt>
+        <dgm:pt modelId="22">
+          <dgm:prSet phldr="1"/>
+        </dgm:pt>
+        <dgm:pt modelId="3">
+          <dgm:prSet phldr="1"/>
+        </dgm:pt>
+        <dgm:pt modelId="31">
+          <dgm:prSet phldr="1"/>
+        </dgm:pt>
+        <dgm:pt modelId="32">
+          <dgm:prSet phldr="1"/>
+        </dgm:pt>
+      </dgm:ptLst>
+      <dgm:cxnLst>
+        <dgm:cxn modelId="4" srcId="0" destId="1" srcOrd="0" destOrd="0"/>
+        <dgm:cxn modelId="5" srcId="0" destId="2" srcOrd="1" destOrd="0"/>
+        <dgm:cxn modelId="6" srcId="0" destId="3" srcOrd="2" destOrd="0"/>
+        <dgm:cxn modelId="41" srcId="1" destId="11" srcOrd="0" destOrd="0"/>
+        <dgm:cxn modelId="42" srcId="1" destId="12" srcOrd="1" destOrd="0"/>
+        <dgm:cxn modelId="51" srcId="2" destId="21" srcOrd="0" destOrd="0"/>
+        <dgm:cxn modelId="52" srcId="2" destId="22" srcOrd="1" destOrd="0"/>
+        <dgm:cxn modelId="61" srcId="3" destId="31" srcOrd="0" destOrd="0"/>
+        <dgm:cxn modelId="62" srcId="3" destId="32" srcOrd="1" destOrd="0"/>
+      </dgm:cxnLst>
+      <dgm:bg/>
+      <dgm:whole/>
+    </dgm:dataModel>
+  </dgm:sampData>
+  <dgm:styleData>
+    <dgm:dataModel>
+      <dgm:ptLst>
+        <dgm:pt modelId="0" type="doc"/>
+        <dgm:pt modelId="1"/>
+        <dgm:pt modelId="2"/>
+      </dgm:ptLst>
+      <dgm:cxnLst>
+        <dgm:cxn modelId="4" srcId="0" destId="1" srcOrd="0" destOrd="0"/>
+        <dgm:cxn modelId="5" srcId="1" destId="2" srcOrd="0" destOrd="0"/>
+      </dgm:cxnLst>
+      <dgm:bg/>
+      <dgm:whole/>
+    </dgm:dataModel>
+  </dgm:styleData>
+  <dgm:clrData>
+    <dgm:dataModel>
+      <dgm:ptLst>
+        <dgm:pt modelId="0" type="doc"/>
+        <dgm:pt modelId="1"/>
+        <dgm:pt modelId="11"/>
+        <dgm:pt modelId="2"/>
+        <dgm:pt modelId="21"/>
+        <dgm:pt modelId="3"/>
+        <dgm:pt modelId="31"/>
+        <dgm:pt modelId="4"/>
+        <dgm:pt modelId="41"/>
+      </dgm:ptLst>
+      <dgm:cxnLst>
+        <dgm:cxn modelId="5" srcId="0" destId="1" srcOrd="0" destOrd="0"/>
+        <dgm:cxn modelId="6" srcId="0" destId="2" srcOrd="1" destOrd="0"/>
+        <dgm:cxn modelId="7" srcId="0" destId="3" srcOrd="2" destOrd="0"/>
+        <dgm:cxn modelId="8" srcId="0" destId="4" srcOrd="3" destOrd="0"/>
+        <dgm:cxn modelId="51" srcId="1" destId="11" srcOrd="0" destOrd="0"/>
+        <dgm:cxn modelId="61" srcId="2" destId="21" srcOrd="0" destOrd="0"/>
+        <dgm:cxn modelId="71" srcId="3" destId="31" srcOrd="0" destOrd="0"/>
+        <dgm:cxn modelId="81" srcId="4" destId="41" srcOrd="0" destOrd="0"/>
+      </dgm:cxnLst>
+      <dgm:bg/>
+      <dgm:whole/>
+    </dgm:dataModel>
+  </dgm:clrData>
+  <dgm:layoutNode name="Name0">
+    <dgm:varLst>
+      <dgm:chPref val="3"/>
+      <dgm:dir/>
+      <dgm:animLvl val="lvl"/>
+      <dgm:resizeHandles/>
+    </dgm:varLst>
+    <dgm:choose name="Name1">
+      <dgm:if name="Name2" func="var" arg="dir" op="equ" val="norm">
+        <dgm:alg type="lin">
+          <dgm:param type="linDir" val="fromT"/>
+          <dgm:param type="vertAlign" val="mid"/>
+          <dgm:param type="nodeHorzAlign" val="l"/>
+          <dgm:param type="nodeVertAlign" val="t"/>
+          <dgm:param type="fallback" val="2D"/>
+        </dgm:alg>
+      </dgm:if>
+      <dgm:else name="Name3">
+        <dgm:alg type="lin">
+          <dgm:param type="linDir" val="fromT"/>
+          <dgm:param type="vertAlign" val="mid"/>
+          <dgm:param type="nodeHorzAlign" val="r"/>
+          <dgm:param type="nodeVertAlign" val="t"/>
+          <dgm:param type="fallback" val="2D"/>
+        </dgm:alg>
+      </dgm:else>
+    </dgm:choose>
+    <dgm:shape xmlns:r="http://schemas.openxmlformats.org/officeDocument/2006/relationships" r:blip="">
+      <dgm:adjLst/>
+    </dgm:shape>
+    <dgm:presOf/>
+    <dgm:constrLst>
+      <dgm:constr type="w" for="des" forName="bigChev" refType="w"/>
+      <dgm:constr type="h" for="des" forName="bigChev" refType="w" refFor="des" refForName="bigChev" op="equ" fact="0.4"/>
+      <dgm:constr type="w" for="des" forName="node" refType="w" refFor="des" refForName="bigChev" fact="0.83"/>
+      <dgm:constr type="h" for="des" forName="node" refType="w" refFor="des" refForName="node" op="equ" fact="0.4"/>
+      <dgm:constr type="w" for="des" forName="parTrans" refType="w" refFor="des" refForName="bigChev" op="equ" fact="-0.13"/>
+      <dgm:constr type="w" for="des" forName="sibTrans" refType="w" refFor="des" refForName="node" op="equ" fact="-0.14"/>
+      <dgm:constr type="h" for="ch" forName="vSp" refType="h" refFor="des" refForName="bigChev" op="equ" fact="0.14"/>
+      <dgm:constr type="primFontSz" for="des" forName="node" op="equ"/>
+      <dgm:constr type="primFontSz" for="des" forName="bigChev" op="equ"/>
+    </dgm:constrLst>
+    <dgm:ruleLst/>
+    <dgm:forEach name="Name4" axis="ch" ptType="node">
+      <dgm:layoutNode name="horFlow">
+        <dgm:choose name="Name5">
+          <dgm:if name="Name6" func="var" arg="dir" op="equ" val="norm">
+            <dgm:alg type="lin">
+              <dgm:param type="linDir" val="fromL"/>
+              <dgm:param type="nodeHorzAlign" val="l"/>
+              <dgm:param type="nodeVertAlign" val="mid"/>
+              <dgm:param type="fallback" val="2D"/>
+            </dgm:alg>
+          </dgm:if>
+          <dgm:else name="Name7">
+            <dgm:alg type="lin">
+              <dgm:param type="linDir" val="fromR"/>
+              <dgm:param type="nodeHorzAlign" val="r"/>
+              <dgm:param type="nodeVertAlign" val="mid"/>
+              <dgm:param type="fallback" val="2D"/>
+            </dgm:alg>
+          </dgm:else>
+        </dgm:choose>
+        <dgm:shape xmlns:r="http://schemas.openxmlformats.org/officeDocument/2006/relationships" r:blip="">
+          <dgm:adjLst/>
+        </dgm:shape>
+        <dgm:presOf/>
+        <dgm:constrLst/>
+        <dgm:ruleLst/>
+        <dgm:layoutNode name="bigChev" styleLbl="node1">
+          <dgm:alg type="tx"/>
+          <dgm:choose name="Name8">
+            <dgm:if name="Name9" func="var" arg="dir" op="equ" val="norm">
+              <dgm:shape xmlns:r="http://schemas.openxmlformats.org/officeDocument/2006/relationships" type="chevron" r:blip="">
+                <dgm:adjLst/>
+              </dgm:shape>
+              <dgm:presOf axis="self"/>
+              <dgm:constrLst>
+                <dgm:constr type="primFontSz" val="65"/>
+                <dgm:constr type="rMarg"/>
+                <dgm:constr type="lMarg" refType="primFontSz" fact="0.1"/>
+                <dgm:constr type="tMarg" refType="primFontSz" fact="0.05"/>
+                <dgm:constr type="bMarg" refType="primFontSz" fact="0.05"/>
+              </dgm:constrLst>
+            </dgm:if>
+            <dgm:else name="Name10">
+              <dgm:shape xmlns:r="http://schemas.openxmlformats.org/officeDocument/2006/relationships" rot="180" type="chevron" r:blip="">
+                <dgm:adjLst/>
+              </dgm:shape>
+              <dgm:presOf axis="self"/>
+              <dgm:constrLst>
+                <dgm:constr type="primFontSz" val="65"/>
+                <dgm:constr type="lMarg"/>
+                <dgm:constr type="rMarg" refType="primFontSz" fact="0.1"/>
+                <dgm:constr type="tMarg" refType="primFontSz" fact="0.05"/>
+                <dgm:constr type="bMarg" refType="primFontSz" fact="0.05"/>
+              </dgm:constrLst>
+            </dgm:else>
+          </dgm:choose>
+          <dgm:ruleLst>
+            <dgm:rule type="primFontSz" val="5" fact="NaN" max="NaN"/>
+          </dgm:ruleLst>
+        </dgm:layoutNode>
+        <dgm:forEach name="parTransForEach" axis="ch" ptType="parTrans" cnt="1">
+          <dgm:layoutNode name="parTrans">
+            <dgm:alg type="sp"/>
+            <dgm:shape xmlns:r="http://schemas.openxmlformats.org/officeDocument/2006/relationships" r:blip="">
+              <dgm:adjLst/>
+            </dgm:shape>
+            <dgm:presOf/>
+            <dgm:constrLst/>
+            <dgm:ruleLst/>
+          </dgm:layoutNode>
+        </dgm:forEach>
+        <dgm:forEach name="Name11" axis="ch" ptType="node">
+          <dgm:layoutNode name="node" styleLbl="alignAccFollowNode1">
+            <dgm:varLst>
+              <dgm:bulletEnabled val="1"/>
+            </dgm:varLst>
+            <dgm:alg type="tx"/>
+            <dgm:choose name="Name12">
+              <dgm:if name="Name13" func="var" arg="dir" op="equ" val="norm">
+                <dgm:shape xmlns:r="http://schemas.openxmlformats.org/officeDocument/2006/relationships" type="chevron" r:blip="">
+                  <dgm:adjLst/>
+                </dgm:shape>
+                <dgm:presOf axis="desOrSelf" ptType="node"/>
+                <dgm:constrLst>
+                  <dgm:constr type="primFontSz" val="65"/>
+                  <dgm:constr type="rMarg"/>
+                  <dgm:constr type="lMarg" refType="primFontSz" fact="0.1"/>
+                  <dgm:constr type="tMarg" refType="primFontSz" fact="0.05"/>
+                  <dgm:constr type="bMarg" refType="primFontSz" fact="0.05"/>
+                </dgm:constrLst>
+              </dgm:if>
+              <dgm:else name="Name14">
+                <dgm:shape xmlns:r="http://schemas.openxmlformats.org/officeDocument/2006/relationships" rot="180" type="chevron" r:blip="">
+                  <dgm:adjLst/>
+                </dgm:shape>
+                <dgm:presOf axis="desOrSelf" ptType="node"/>
+                <dgm:constrLst>
+                  <dgm:constr type="primFontSz" val="65"/>
+                  <dgm:constr type="lMarg"/>
+                  <dgm:constr type="rMarg" refType="primFontSz" fact="0.1"/>
+                  <dgm:constr type="tMarg" refType="primFontSz" fact="0.05"/>
+                  <dgm:constr type="bMarg" refType="primFontSz" fact="0.05"/>
+                </dgm:constrLst>
+              </dgm:else>
+            </dgm:choose>
+            <dgm:ruleLst>
+              <dgm:rule type="primFontSz" val="5" fact="NaN" max="NaN"/>
+            </dgm:ruleLst>
+          </dgm:layoutNode>
+          <dgm:forEach name="sibTransForEach" axis="followSib" ptType="sibTrans" cnt="1">
+            <dgm:layoutNode name="sibTrans">
+              <dgm:alg type="sp"/>
+              <dgm:shape xmlns:r="http://schemas.openxmlformats.org/officeDocument/2006/relationships" r:blip="">
+                <dgm:adjLst/>
+              </dgm:shape>
+              <dgm:presOf/>
+              <dgm:constrLst/>
+              <dgm:ruleLst/>
+            </dgm:layoutNode>
+          </dgm:forEach>
+        </dgm:forEach>
+      </dgm:layoutNode>
+      <dgm:choose name="Name15">
+        <dgm:if name="Name16" axis="self" ptType="node" func="revPos" op="gte" val="2">
+          <dgm:layoutNode name="vSp">
+            <dgm:alg type="sp"/>
+            <dgm:shape xmlns:r="http://schemas.openxmlformats.org/officeDocument/2006/relationships" r:blip="">
+              <dgm:adjLst/>
+            </dgm:shape>
+            <dgm:presOf/>
+            <dgm:constrLst/>
+            <dgm:ruleLst/>
+          </dgm:layoutNode>
+        </dgm:if>
+        <dgm:else name="Name17"/>
+      </dgm:choose>
+    </dgm:forEach>
+  </dgm:layoutNode>
+</dgm:layoutDef>
+</file>
+
+<file path=ppt/diagrams/layout5.xml><?xml version="1.0" encoding="utf-8"?>
+<dgm:layoutDef xmlns:dgm="http://schemas.openxmlformats.org/drawingml/2006/diagram" xmlns:a="http://schemas.openxmlformats.org/drawingml/2006/main" uniqueId="urn:microsoft.com/office/officeart/2005/8/layout/lProcess3">
+  <dgm:title val=""/>
+  <dgm:desc val=""/>
+  <dgm:catLst>
+    <dgm:cat type="process" pri="11000"/>
+    <dgm:cat type="convert" pri="12000"/>
+  </dgm:catLst>
+  <dgm:sampData>
+    <dgm:dataModel>
+      <dgm:ptLst>
+        <dgm:pt modelId="0" type="doc"/>
+        <dgm:pt modelId="1">
+          <dgm:prSet phldr="1"/>
+        </dgm:pt>
+        <dgm:pt modelId="11">
+          <dgm:prSet phldr="1"/>
+        </dgm:pt>
+        <dgm:pt modelId="12">
+          <dgm:prSet phldr="1"/>
+        </dgm:pt>
+        <dgm:pt modelId="2">
+          <dgm:prSet phldr="1"/>
+        </dgm:pt>
+        <dgm:pt modelId="21">
+          <dgm:prSet phldr="1"/>
+        </dgm:pt>
+        <dgm:pt modelId="22">
+          <dgm:prSet phldr="1"/>
+        </dgm:pt>
+        <dgm:pt modelId="3">
+          <dgm:prSet phldr="1"/>
+        </dgm:pt>
+        <dgm:pt modelId="31">
+          <dgm:prSet phldr="1"/>
+        </dgm:pt>
+        <dgm:pt modelId="32">
+          <dgm:prSet phldr="1"/>
+        </dgm:pt>
+      </dgm:ptLst>
+      <dgm:cxnLst>
+        <dgm:cxn modelId="4" srcId="0" destId="1" srcOrd="0" destOrd="0"/>
+        <dgm:cxn modelId="5" srcId="0" destId="2" srcOrd="1" destOrd="0"/>
+        <dgm:cxn modelId="6" srcId="0" destId="3" srcOrd="2" destOrd="0"/>
+        <dgm:cxn modelId="41" srcId="1" destId="11" srcOrd="0" destOrd="0"/>
+        <dgm:cxn modelId="42" srcId="1" destId="12" srcOrd="1" destOrd="0"/>
+        <dgm:cxn modelId="51" srcId="2" destId="21" srcOrd="0" destOrd="0"/>
+        <dgm:cxn modelId="52" srcId="2" destId="22" srcOrd="1" destOrd="0"/>
+        <dgm:cxn modelId="61" srcId="3" destId="31" srcOrd="0" destOrd="0"/>
+        <dgm:cxn modelId="62" srcId="3" destId="32" srcOrd="1" destOrd="0"/>
+      </dgm:cxnLst>
+      <dgm:bg/>
+      <dgm:whole/>
+    </dgm:dataModel>
+  </dgm:sampData>
+  <dgm:styleData>
+    <dgm:dataModel>
+      <dgm:ptLst>
+        <dgm:pt modelId="0" type="doc"/>
+        <dgm:pt modelId="1"/>
+        <dgm:pt modelId="2"/>
+      </dgm:ptLst>
+      <dgm:cxnLst>
+        <dgm:cxn modelId="4" srcId="0" destId="1" srcOrd="0" destOrd="0"/>
+        <dgm:cxn modelId="5" srcId="1" destId="2" srcOrd="0" destOrd="0"/>
+      </dgm:cxnLst>
+      <dgm:bg/>
+      <dgm:whole/>
+    </dgm:dataModel>
+  </dgm:styleData>
+  <dgm:clrData>
+    <dgm:dataModel>
+      <dgm:ptLst>
+        <dgm:pt modelId="0" type="doc"/>
+        <dgm:pt modelId="1"/>
+        <dgm:pt modelId="11"/>
+        <dgm:pt modelId="2"/>
+        <dgm:pt modelId="21"/>
+        <dgm:pt modelId="3"/>
+        <dgm:pt modelId="31"/>
+        <dgm:pt modelId="4"/>
+        <dgm:pt modelId="41"/>
+      </dgm:ptLst>
+      <dgm:cxnLst>
+        <dgm:cxn modelId="5" srcId="0" destId="1" srcOrd="0" destOrd="0"/>
+        <dgm:cxn modelId="6" srcId="0" destId="2" srcOrd="1" destOrd="0"/>
+        <dgm:cxn modelId="7" srcId="0" destId="3" srcOrd="2" destOrd="0"/>
+        <dgm:cxn modelId="8" srcId="0" destId="4" srcOrd="3" destOrd="0"/>
+        <dgm:cxn modelId="51" srcId="1" destId="11" srcOrd="0" destOrd="0"/>
+        <dgm:cxn modelId="61" srcId="2" destId="21" srcOrd="0" destOrd="0"/>
+        <dgm:cxn modelId="71" srcId="3" destId="31" srcOrd="0" destOrd="0"/>
+        <dgm:cxn modelId="81" srcId="4" destId="41" srcOrd="0" destOrd="0"/>
+      </dgm:cxnLst>
+      <dgm:bg/>
+      <dgm:whole/>
+    </dgm:dataModel>
+  </dgm:clrData>
+  <dgm:layoutNode name="Name0">
+    <dgm:varLst>
+      <dgm:chPref val="3"/>
+      <dgm:dir/>
+      <dgm:animLvl val="lvl"/>
+      <dgm:resizeHandles/>
+    </dgm:varLst>
+    <dgm:choose name="Name1">
+      <dgm:if name="Name2" func="var" arg="dir" op="equ" val="norm">
+        <dgm:alg type="lin">
+          <dgm:param type="linDir" val="fromT"/>
+          <dgm:param type="vertAlign" val="mid"/>
+          <dgm:param type="nodeHorzAlign" val="l"/>
+          <dgm:param type="nodeVertAlign" val="t"/>
+          <dgm:param type="fallback" val="2D"/>
+        </dgm:alg>
+      </dgm:if>
+      <dgm:else name="Name3">
+        <dgm:alg type="lin">
+          <dgm:param type="linDir" val="fromT"/>
+          <dgm:param type="vertAlign" val="mid"/>
+          <dgm:param type="nodeHorzAlign" val="r"/>
+          <dgm:param type="nodeVertAlign" val="t"/>
+          <dgm:param type="fallback" val="2D"/>
+        </dgm:alg>
+      </dgm:else>
+    </dgm:choose>
+    <dgm:shape xmlns:r="http://schemas.openxmlformats.org/officeDocument/2006/relationships" r:blip="">
+      <dgm:adjLst/>
+    </dgm:shape>
+    <dgm:presOf/>
+    <dgm:constrLst>
+      <dgm:constr type="w" for="des" forName="bigChev" refType="w"/>
+      <dgm:constr type="h" for="des" forName="bigChev" refType="w" refFor="des" refForName="bigChev" op="equ" fact="0.4"/>
+      <dgm:constr type="w" for="des" forName="node" refType="w" refFor="des" refForName="bigChev" fact="0.83"/>
+      <dgm:constr type="h" for="des" forName="node" refType="w" refFor="des" refForName="node" op="equ" fact="0.4"/>
+      <dgm:constr type="w" for="des" forName="parTrans" refType="w" refFor="des" refForName="bigChev" op="equ" fact="-0.13"/>
+      <dgm:constr type="w" for="des" forName="sibTrans" refType="w" refFor="des" refForName="node" op="equ" fact="-0.14"/>
+      <dgm:constr type="h" for="ch" forName="vSp" refType="h" refFor="des" refForName="bigChev" op="equ" fact="0.14"/>
+      <dgm:constr type="primFontSz" for="des" forName="node" op="equ"/>
+      <dgm:constr type="primFontSz" for="des" forName="bigChev" op="equ"/>
+    </dgm:constrLst>
+    <dgm:ruleLst/>
+    <dgm:forEach name="Name4" axis="ch" ptType="node">
+      <dgm:layoutNode name="horFlow">
+        <dgm:choose name="Name5">
+          <dgm:if name="Name6" func="var" arg="dir" op="equ" val="norm">
+            <dgm:alg type="lin">
+              <dgm:param type="linDir" val="fromL"/>
+              <dgm:param type="nodeHorzAlign" val="l"/>
+              <dgm:param type="nodeVertAlign" val="mid"/>
+              <dgm:param type="fallback" val="2D"/>
+            </dgm:alg>
+          </dgm:if>
+          <dgm:else name="Name7">
+            <dgm:alg type="lin">
+              <dgm:param type="linDir" val="fromR"/>
+              <dgm:param type="nodeHorzAlign" val="r"/>
+              <dgm:param type="nodeVertAlign" val="mid"/>
+              <dgm:param type="fallback" val="2D"/>
+            </dgm:alg>
+          </dgm:else>
+        </dgm:choose>
+        <dgm:shape xmlns:r="http://schemas.openxmlformats.org/officeDocument/2006/relationships" r:blip="">
+          <dgm:adjLst/>
+        </dgm:shape>
+        <dgm:presOf/>
+        <dgm:constrLst/>
+        <dgm:ruleLst/>
+        <dgm:layoutNode name="bigChev" styleLbl="node1">
+          <dgm:alg type="tx"/>
+          <dgm:choose name="Name8">
+            <dgm:if name="Name9" func="var" arg="dir" op="equ" val="norm">
+              <dgm:shape xmlns:r="http://schemas.openxmlformats.org/officeDocument/2006/relationships" type="chevron" r:blip="">
+                <dgm:adjLst/>
+              </dgm:shape>
+              <dgm:presOf axis="self"/>
+              <dgm:constrLst>
+                <dgm:constr type="primFontSz" val="65"/>
+                <dgm:constr type="rMarg"/>
+                <dgm:constr type="lMarg" refType="primFontSz" fact="0.1"/>
+                <dgm:constr type="tMarg" refType="primFontSz" fact="0.05"/>
+                <dgm:constr type="bMarg" refType="primFontSz" fact="0.05"/>
+              </dgm:constrLst>
+            </dgm:if>
+            <dgm:else name="Name10">
+              <dgm:shape xmlns:r="http://schemas.openxmlformats.org/officeDocument/2006/relationships" rot="180" type="chevron" r:blip="">
+                <dgm:adjLst/>
+              </dgm:shape>
+              <dgm:presOf axis="self"/>
+              <dgm:constrLst>
+                <dgm:constr type="primFontSz" val="65"/>
+                <dgm:constr type="lMarg"/>
+                <dgm:constr type="rMarg" refType="primFontSz" fact="0.1"/>
+                <dgm:constr type="tMarg" refType="primFontSz" fact="0.05"/>
+                <dgm:constr type="bMarg" refType="primFontSz" fact="0.05"/>
+              </dgm:constrLst>
+            </dgm:else>
+          </dgm:choose>
+          <dgm:ruleLst>
+            <dgm:rule type="primFontSz" val="5" fact="NaN" max="NaN"/>
+          </dgm:ruleLst>
+        </dgm:layoutNode>
+        <dgm:forEach name="parTransForEach" axis="ch" ptType="parTrans" cnt="1">
+          <dgm:layoutNode name="parTrans">
+            <dgm:alg type="sp"/>
+            <dgm:shape xmlns:r="http://schemas.openxmlformats.org/officeDocument/2006/relationships" r:blip="">
+              <dgm:adjLst/>
+            </dgm:shape>
+            <dgm:presOf/>
+            <dgm:constrLst/>
+            <dgm:ruleLst/>
+          </dgm:layoutNode>
+        </dgm:forEach>
+        <dgm:forEach name="Name11" axis="ch" ptType="node">
+          <dgm:layoutNode name="node" styleLbl="alignAccFollowNode1">
+            <dgm:varLst>
+              <dgm:bulletEnabled val="1"/>
+            </dgm:varLst>
+            <dgm:alg type="tx"/>
+            <dgm:choose name="Name12">
+              <dgm:if name="Name13" func="var" arg="dir" op="equ" val="norm">
+                <dgm:shape xmlns:r="http://schemas.openxmlformats.org/officeDocument/2006/relationships" type="chevron" r:blip="">
+                  <dgm:adjLst/>
+                </dgm:shape>
+                <dgm:presOf axis="desOrSelf" ptType="node"/>
+                <dgm:constrLst>
+                  <dgm:constr type="primFontSz" val="65"/>
+                  <dgm:constr type="rMarg"/>
+                  <dgm:constr type="lMarg" refType="primFontSz" fact="0.1"/>
+                  <dgm:constr type="tMarg" refType="primFontSz" fact="0.05"/>
+                  <dgm:constr type="bMarg" refType="primFontSz" fact="0.05"/>
+                </dgm:constrLst>
+              </dgm:if>
+              <dgm:else name="Name14">
+                <dgm:shape xmlns:r="http://schemas.openxmlformats.org/officeDocument/2006/relationships" rot="180" type="chevron" r:blip="">
+                  <dgm:adjLst/>
+                </dgm:shape>
+                <dgm:presOf axis="desOrSelf" ptType="node"/>
+                <dgm:constrLst>
+                  <dgm:constr type="primFontSz" val="65"/>
+                  <dgm:constr type="lMarg"/>
+                  <dgm:constr type="rMarg" refType="primFontSz" fact="0.1"/>
+                  <dgm:constr type="tMarg" refType="primFontSz" fact="0.05"/>
+                  <dgm:constr type="bMarg" refType="primFontSz" fact="0.05"/>
+                </dgm:constrLst>
+              </dgm:else>
+            </dgm:choose>
+            <dgm:ruleLst>
+              <dgm:rule type="primFontSz" val="5" fact="NaN" max="NaN"/>
+            </dgm:ruleLst>
+          </dgm:layoutNode>
+          <dgm:forEach name="sibTransForEach" axis="followSib" ptType="sibTrans" cnt="1">
+            <dgm:layoutNode name="sibTrans">
+              <dgm:alg type="sp"/>
+              <dgm:shape xmlns:r="http://schemas.openxmlformats.org/officeDocument/2006/relationships" r:blip="">
+                <dgm:adjLst/>
+              </dgm:shape>
+              <dgm:presOf/>
+              <dgm:constrLst/>
+              <dgm:ruleLst/>
+            </dgm:layoutNode>
+          </dgm:forEach>
+        </dgm:forEach>
+      </dgm:layoutNode>
+      <dgm:choose name="Name15">
+        <dgm:if name="Name16" axis="self" ptType="node" func="revPos" op="gte" val="2">
+          <dgm:layoutNode name="vSp">
+            <dgm:alg type="sp"/>
+            <dgm:shape xmlns:r="http://schemas.openxmlformats.org/officeDocument/2006/relationships" r:blip="">
+              <dgm:adjLst/>
+            </dgm:shape>
+            <dgm:presOf/>
+            <dgm:constrLst/>
+            <dgm:ruleLst/>
+          </dgm:layoutNode>
+        </dgm:if>
+        <dgm:else name="Name17"/>
+      </dgm:choose>
+    </dgm:forEach>
+  </dgm:layoutNode>
+</dgm:layoutDef>
+</file>
+
 <file path=ppt/diagrams/quickStyle1.xml><?xml version="1.0" encoding="utf-8"?>
 <dgm:styleDef xmlns:dgm="http://schemas.openxmlformats.org/drawingml/2006/diagram" xmlns:a="http://schemas.openxmlformats.org/drawingml/2006/main" uniqueId="urn:microsoft.com/office/officeart/2005/8/quickstyle/simple1">
   <dgm:title val=""/>
@@ -5847,6 +8290,2074 @@
 </file>
 
 <file path=ppt/diagrams/quickStyle3.xml><?xml version="1.0" encoding="utf-8"?>
+<dgm:styleDef xmlns:dgm="http://schemas.openxmlformats.org/drawingml/2006/diagram" xmlns:a="http://schemas.openxmlformats.org/drawingml/2006/main" uniqueId="urn:microsoft.com/office/officeart/2005/8/quickstyle/simple1">
+  <dgm:title val=""/>
+  <dgm:desc val=""/>
+  <dgm:catLst>
+    <dgm:cat type="simple" pri="10100"/>
+  </dgm:catLst>
+  <dgm:scene3d>
+    <a:camera prst="orthographicFront"/>
+    <a:lightRig rig="threePt" dir="t"/>
+  </dgm:scene3d>
+  <dgm:styleLbl name="node0">
+    <dgm:scene3d>
+      <a:camera prst="orthographicFront"/>
+      <a:lightRig rig="threePt" dir="t"/>
+    </dgm:scene3d>
+    <dgm:sp3d/>
+    <dgm:txPr/>
+    <dgm:style>
+      <a:lnRef idx="2">
+        <a:scrgbClr r="0" g="0" b="0"/>
+      </a:lnRef>
+      <a:fillRef idx="1">
+        <a:scrgbClr r="0" g="0" b="0"/>
+      </a:fillRef>
+      <a:effectRef idx="0">
+        <a:scrgbClr r="0" g="0" b="0"/>
+      </a:effectRef>
+      <a:fontRef idx="minor">
+        <a:schemeClr val="lt1"/>
+      </a:fontRef>
+    </dgm:style>
+  </dgm:styleLbl>
+  <dgm:styleLbl name="lnNode1">
+    <dgm:scene3d>
+      <a:camera prst="orthographicFront"/>
+      <a:lightRig rig="threePt" dir="t"/>
+    </dgm:scene3d>
+    <dgm:sp3d/>
+    <dgm:txPr/>
+    <dgm:style>
+      <a:lnRef idx="2">
+        <a:scrgbClr r="0" g="0" b="0"/>
+      </a:lnRef>
+      <a:fillRef idx="1">
+        <a:scrgbClr r="0" g="0" b="0"/>
+      </a:fillRef>
+      <a:effectRef idx="0">
+        <a:scrgbClr r="0" g="0" b="0"/>
+      </a:effectRef>
+      <a:fontRef idx="minor">
+        <a:schemeClr val="lt1"/>
+      </a:fontRef>
+    </dgm:style>
+  </dgm:styleLbl>
+  <dgm:styleLbl name="vennNode1">
+    <dgm:scene3d>
+      <a:camera prst="orthographicFront"/>
+      <a:lightRig rig="threePt" dir="t"/>
+    </dgm:scene3d>
+    <dgm:sp3d/>
+    <dgm:txPr/>
+    <dgm:style>
+      <a:lnRef idx="2">
+        <a:scrgbClr r="0" g="0" b="0"/>
+      </a:lnRef>
+      <a:fillRef idx="1">
+        <a:scrgbClr r="0" g="0" b="0"/>
+      </a:fillRef>
+      <a:effectRef idx="0">
+        <a:scrgbClr r="0" g="0" b="0"/>
+      </a:effectRef>
+      <a:fontRef idx="minor">
+        <a:schemeClr val="tx1"/>
+      </a:fontRef>
+    </dgm:style>
+  </dgm:styleLbl>
+  <dgm:styleLbl name="alignNode1">
+    <dgm:scene3d>
+      <a:camera prst="orthographicFront"/>
+      <a:lightRig rig="threePt" dir="t"/>
+    </dgm:scene3d>
+    <dgm:sp3d/>
+    <dgm:txPr/>
+    <dgm:style>
+      <a:lnRef idx="2">
+        <a:scrgbClr r="0" g="0" b="0"/>
+      </a:lnRef>
+      <a:fillRef idx="1">
+        <a:scrgbClr r="0" g="0" b="0"/>
+      </a:fillRef>
+      <a:effectRef idx="0">
+        <a:scrgbClr r="0" g="0" b="0"/>
+      </a:effectRef>
+      <a:fontRef idx="minor">
+        <a:schemeClr val="lt1"/>
+      </a:fontRef>
+    </dgm:style>
+  </dgm:styleLbl>
+  <dgm:styleLbl name="node1">
+    <dgm:scene3d>
+      <a:camera prst="orthographicFront"/>
+      <a:lightRig rig="threePt" dir="t"/>
+    </dgm:scene3d>
+    <dgm:sp3d/>
+    <dgm:txPr/>
+    <dgm:style>
+      <a:lnRef idx="2">
+        <a:scrgbClr r="0" g="0" b="0"/>
+      </a:lnRef>
+      <a:fillRef idx="1">
+        <a:scrgbClr r="0" g="0" b="0"/>
+      </a:fillRef>
+      <a:effectRef idx="0">
+        <a:scrgbClr r="0" g="0" b="0"/>
+      </a:effectRef>
+      <a:fontRef idx="minor">
+        <a:schemeClr val="lt1"/>
+      </a:fontRef>
+    </dgm:style>
+  </dgm:styleLbl>
+  <dgm:styleLbl name="node2">
+    <dgm:scene3d>
+      <a:camera prst="orthographicFront"/>
+      <a:lightRig rig="threePt" dir="t"/>
+    </dgm:scene3d>
+    <dgm:sp3d/>
+    <dgm:txPr/>
+    <dgm:style>
+      <a:lnRef idx="2">
+        <a:scrgbClr r="0" g="0" b="0"/>
+      </a:lnRef>
+      <a:fillRef idx="1">
+        <a:scrgbClr r="0" g="0" b="0"/>
+      </a:fillRef>
+      <a:effectRef idx="0">
+        <a:scrgbClr r="0" g="0" b="0"/>
+      </a:effectRef>
+      <a:fontRef idx="minor">
+        <a:schemeClr val="lt1"/>
+      </a:fontRef>
+    </dgm:style>
+  </dgm:styleLbl>
+  <dgm:styleLbl name="node3">
+    <dgm:scene3d>
+      <a:camera prst="orthographicFront"/>
+      <a:lightRig rig="threePt" dir="t"/>
+    </dgm:scene3d>
+    <dgm:sp3d/>
+    <dgm:txPr/>
+    <dgm:style>
+      <a:lnRef idx="2">
+        <a:scrgbClr r="0" g="0" b="0"/>
+      </a:lnRef>
+      <a:fillRef idx="1">
+        <a:scrgbClr r="0" g="0" b="0"/>
+      </a:fillRef>
+      <a:effectRef idx="0">
+        <a:scrgbClr r="0" g="0" b="0"/>
+      </a:effectRef>
+      <a:fontRef idx="minor">
+        <a:schemeClr val="lt1"/>
+      </a:fontRef>
+    </dgm:style>
+  </dgm:styleLbl>
+  <dgm:styleLbl name="node4">
+    <dgm:scene3d>
+      <a:camera prst="orthographicFront"/>
+      <a:lightRig rig="threePt" dir="t"/>
+    </dgm:scene3d>
+    <dgm:sp3d/>
+    <dgm:txPr/>
+    <dgm:style>
+      <a:lnRef idx="2">
+        <a:scrgbClr r="0" g="0" b="0"/>
+      </a:lnRef>
+      <a:fillRef idx="1">
+        <a:scrgbClr r="0" g="0" b="0"/>
+      </a:fillRef>
+      <a:effectRef idx="0">
+        <a:scrgbClr r="0" g="0" b="0"/>
+      </a:effectRef>
+      <a:fontRef idx="minor">
+        <a:schemeClr val="lt1"/>
+      </a:fontRef>
+    </dgm:style>
+  </dgm:styleLbl>
+  <dgm:styleLbl name="fgImgPlace1">
+    <dgm:scene3d>
+      <a:camera prst="orthographicFront"/>
+      <a:lightRig rig="threePt" dir="t"/>
+    </dgm:scene3d>
+    <dgm:sp3d/>
+    <dgm:txPr/>
+    <dgm:style>
+      <a:lnRef idx="2">
+        <a:scrgbClr r="0" g="0" b="0"/>
+      </a:lnRef>
+      <a:fillRef idx="1">
+        <a:scrgbClr r="0" g="0" b="0"/>
+      </a:fillRef>
+      <a:effectRef idx="0">
+        <a:scrgbClr r="0" g="0" b="0"/>
+      </a:effectRef>
+      <a:fontRef idx="minor"/>
+    </dgm:style>
+  </dgm:styleLbl>
+  <dgm:styleLbl name="alignImgPlace1">
+    <dgm:scene3d>
+      <a:camera prst="orthographicFront"/>
+      <a:lightRig rig="threePt" dir="t"/>
+    </dgm:scene3d>
+    <dgm:sp3d/>
+    <dgm:txPr/>
+    <dgm:style>
+      <a:lnRef idx="2">
+        <a:scrgbClr r="0" g="0" b="0"/>
+      </a:lnRef>
+      <a:fillRef idx="1">
+        <a:scrgbClr r="0" g="0" b="0"/>
+      </a:fillRef>
+      <a:effectRef idx="0">
+        <a:scrgbClr r="0" g="0" b="0"/>
+      </a:effectRef>
+      <a:fontRef idx="minor"/>
+    </dgm:style>
+  </dgm:styleLbl>
+  <dgm:styleLbl name="bgImgPlace1">
+    <dgm:scene3d>
+      <a:camera prst="orthographicFront"/>
+      <a:lightRig rig="threePt" dir="t"/>
+    </dgm:scene3d>
+    <dgm:sp3d/>
+    <dgm:txPr/>
+    <dgm:style>
+      <a:lnRef idx="2">
+        <a:scrgbClr r="0" g="0" b="0"/>
+      </a:lnRef>
+      <a:fillRef idx="1">
+        <a:scrgbClr r="0" g="0" b="0"/>
+      </a:fillRef>
+      <a:effectRef idx="0">
+        <a:scrgbClr r="0" g="0" b="0"/>
+      </a:effectRef>
+      <a:fontRef idx="minor"/>
+    </dgm:style>
+  </dgm:styleLbl>
+  <dgm:styleLbl name="sibTrans2D1">
+    <dgm:scene3d>
+      <a:camera prst="orthographicFront"/>
+      <a:lightRig rig="threePt" dir="t"/>
+    </dgm:scene3d>
+    <dgm:sp3d/>
+    <dgm:txPr/>
+    <dgm:style>
+      <a:lnRef idx="0">
+        <a:scrgbClr r="0" g="0" b="0"/>
+      </a:lnRef>
+      <a:fillRef idx="1">
+        <a:scrgbClr r="0" g="0" b="0"/>
+      </a:fillRef>
+      <a:effectRef idx="0">
+        <a:scrgbClr r="0" g="0" b="0"/>
+      </a:effectRef>
+      <a:fontRef idx="minor">
+        <a:schemeClr val="lt1"/>
+      </a:fontRef>
+    </dgm:style>
+  </dgm:styleLbl>
+  <dgm:styleLbl name="fgSibTrans2D1">
+    <dgm:scene3d>
+      <a:camera prst="orthographicFront"/>
+      <a:lightRig rig="threePt" dir="t"/>
+    </dgm:scene3d>
+    <dgm:sp3d/>
+    <dgm:txPr/>
+    <dgm:style>
+      <a:lnRef idx="0">
+        <a:scrgbClr r="0" g="0" b="0"/>
+      </a:lnRef>
+      <a:fillRef idx="1">
+        <a:scrgbClr r="0" g="0" b="0"/>
+      </a:fillRef>
+      <a:effectRef idx="0">
+        <a:scrgbClr r="0" g="0" b="0"/>
+      </a:effectRef>
+      <a:fontRef idx="minor">
+        <a:schemeClr val="lt1"/>
+      </a:fontRef>
+    </dgm:style>
+  </dgm:styleLbl>
+  <dgm:styleLbl name="bgSibTrans2D1">
+    <dgm:scene3d>
+      <a:camera prst="orthographicFront"/>
+      <a:lightRig rig="threePt" dir="t"/>
+    </dgm:scene3d>
+    <dgm:sp3d/>
+    <dgm:txPr/>
+    <dgm:style>
+      <a:lnRef idx="0">
+        <a:scrgbClr r="0" g="0" b="0"/>
+      </a:lnRef>
+      <a:fillRef idx="1">
+        <a:scrgbClr r="0" g="0" b="0"/>
+      </a:fillRef>
+      <a:effectRef idx="0">
+        <a:scrgbClr r="0" g="0" b="0"/>
+      </a:effectRef>
+      <a:fontRef idx="minor">
+        <a:schemeClr val="lt1"/>
+      </a:fontRef>
+    </dgm:style>
+  </dgm:styleLbl>
+  <dgm:styleLbl name="sibTrans1D1">
+    <dgm:scene3d>
+      <a:camera prst="orthographicFront"/>
+      <a:lightRig rig="threePt" dir="t"/>
+    </dgm:scene3d>
+    <dgm:sp3d/>
+    <dgm:txPr/>
+    <dgm:style>
+      <a:lnRef idx="1">
+        <a:scrgbClr r="0" g="0" b="0"/>
+      </a:lnRef>
+      <a:fillRef idx="0">
+        <a:scrgbClr r="0" g="0" b="0"/>
+      </a:fillRef>
+      <a:effectRef idx="0">
+        <a:scrgbClr r="0" g="0" b="0"/>
+      </a:effectRef>
+      <a:fontRef idx="minor"/>
+    </dgm:style>
+  </dgm:styleLbl>
+  <dgm:styleLbl name="callout">
+    <dgm:scene3d>
+      <a:camera prst="orthographicFront"/>
+      <a:lightRig rig="threePt" dir="t"/>
+    </dgm:scene3d>
+    <dgm:sp3d/>
+    <dgm:txPr/>
+    <dgm:style>
+      <a:lnRef idx="2">
+        <a:scrgbClr r="0" g="0" b="0"/>
+      </a:lnRef>
+      <a:fillRef idx="1">
+        <a:scrgbClr r="0" g="0" b="0"/>
+      </a:fillRef>
+      <a:effectRef idx="0">
+        <a:scrgbClr r="0" g="0" b="0"/>
+      </a:effectRef>
+      <a:fontRef idx="minor"/>
+    </dgm:style>
+  </dgm:styleLbl>
+  <dgm:styleLbl name="asst0">
+    <dgm:scene3d>
+      <a:camera prst="orthographicFront"/>
+      <a:lightRig rig="threePt" dir="t"/>
+    </dgm:scene3d>
+    <dgm:sp3d/>
+    <dgm:txPr/>
+    <dgm:style>
+      <a:lnRef idx="2">
+        <a:scrgbClr r="0" g="0" b="0"/>
+      </a:lnRef>
+      <a:fillRef idx="1">
+        <a:scrgbClr r="0" g="0" b="0"/>
+      </a:fillRef>
+      <a:effectRef idx="0">
+        <a:scrgbClr r="0" g="0" b="0"/>
+      </a:effectRef>
+      <a:fontRef idx="minor">
+        <a:schemeClr val="lt1"/>
+      </a:fontRef>
+    </dgm:style>
+  </dgm:styleLbl>
+  <dgm:styleLbl name="asst1">
+    <dgm:scene3d>
+      <a:camera prst="orthographicFront"/>
+      <a:lightRig rig="threePt" dir="t"/>
+    </dgm:scene3d>
+    <dgm:sp3d/>
+    <dgm:txPr/>
+    <dgm:style>
+      <a:lnRef idx="2">
+        <a:scrgbClr r="0" g="0" b="0"/>
+      </a:lnRef>
+      <a:fillRef idx="1">
+        <a:scrgbClr r="0" g="0" b="0"/>
+      </a:fillRef>
+      <a:effectRef idx="0">
+        <a:scrgbClr r="0" g="0" b="0"/>
+      </a:effectRef>
+      <a:fontRef idx="minor">
+        <a:schemeClr val="lt1"/>
+      </a:fontRef>
+    </dgm:style>
+  </dgm:styleLbl>
+  <dgm:styleLbl name="asst2">
+    <dgm:scene3d>
+      <a:camera prst="orthographicFront"/>
+      <a:lightRig rig="threePt" dir="t"/>
+    </dgm:scene3d>
+    <dgm:sp3d/>
+    <dgm:txPr/>
+    <dgm:style>
+      <a:lnRef idx="2">
+        <a:scrgbClr r="0" g="0" b="0"/>
+      </a:lnRef>
+      <a:fillRef idx="1">
+        <a:scrgbClr r="0" g="0" b="0"/>
+      </a:fillRef>
+      <a:effectRef idx="0">
+        <a:scrgbClr r="0" g="0" b="0"/>
+      </a:effectRef>
+      <a:fontRef idx="minor">
+        <a:schemeClr val="lt1"/>
+      </a:fontRef>
+    </dgm:style>
+  </dgm:styleLbl>
+  <dgm:styleLbl name="asst3">
+    <dgm:scene3d>
+      <a:camera prst="orthographicFront"/>
+      <a:lightRig rig="threePt" dir="t"/>
+    </dgm:scene3d>
+    <dgm:sp3d/>
+    <dgm:txPr/>
+    <dgm:style>
+      <a:lnRef idx="2">
+        <a:scrgbClr r="0" g="0" b="0"/>
+      </a:lnRef>
+      <a:fillRef idx="1">
+        <a:scrgbClr r="0" g="0" b="0"/>
+      </a:fillRef>
+      <a:effectRef idx="0">
+        <a:scrgbClr r="0" g="0" b="0"/>
+      </a:effectRef>
+      <a:fontRef idx="minor">
+        <a:schemeClr val="lt1"/>
+      </a:fontRef>
+    </dgm:style>
+  </dgm:styleLbl>
+  <dgm:styleLbl name="asst4">
+    <dgm:scene3d>
+      <a:camera prst="orthographicFront"/>
+      <a:lightRig rig="threePt" dir="t"/>
+    </dgm:scene3d>
+    <dgm:sp3d/>
+    <dgm:txPr/>
+    <dgm:style>
+      <a:lnRef idx="2">
+        <a:scrgbClr r="0" g="0" b="0"/>
+      </a:lnRef>
+      <a:fillRef idx="1">
+        <a:scrgbClr r="0" g="0" b="0"/>
+      </a:fillRef>
+      <a:effectRef idx="0">
+        <a:scrgbClr r="0" g="0" b="0"/>
+      </a:effectRef>
+      <a:fontRef idx="minor">
+        <a:schemeClr val="lt1"/>
+      </a:fontRef>
+    </dgm:style>
+  </dgm:styleLbl>
+  <dgm:styleLbl name="parChTrans2D1">
+    <dgm:scene3d>
+      <a:camera prst="orthographicFront"/>
+      <a:lightRig rig="threePt" dir="t"/>
+    </dgm:scene3d>
+    <dgm:sp3d/>
+    <dgm:txPr/>
+    <dgm:style>
+      <a:lnRef idx="2">
+        <a:scrgbClr r="0" g="0" b="0"/>
+      </a:lnRef>
+      <a:fillRef idx="1">
+        <a:scrgbClr r="0" g="0" b="0"/>
+      </a:fillRef>
+      <a:effectRef idx="0">
+        <a:scrgbClr r="0" g="0" b="0"/>
+      </a:effectRef>
+      <a:fontRef idx="minor">
+        <a:schemeClr val="lt1"/>
+      </a:fontRef>
+    </dgm:style>
+  </dgm:styleLbl>
+  <dgm:styleLbl name="parChTrans2D2">
+    <dgm:scene3d>
+      <a:camera prst="orthographicFront"/>
+      <a:lightRig rig="threePt" dir="t"/>
+    </dgm:scene3d>
+    <dgm:sp3d/>
+    <dgm:txPr/>
+    <dgm:style>
+      <a:lnRef idx="2">
+        <a:scrgbClr r="0" g="0" b="0"/>
+      </a:lnRef>
+      <a:fillRef idx="1">
+        <a:scrgbClr r="0" g="0" b="0"/>
+      </a:fillRef>
+      <a:effectRef idx="0">
+        <a:scrgbClr r="0" g="0" b="0"/>
+      </a:effectRef>
+      <a:fontRef idx="minor">
+        <a:schemeClr val="lt1"/>
+      </a:fontRef>
+    </dgm:style>
+  </dgm:styleLbl>
+  <dgm:styleLbl name="parChTrans2D3">
+    <dgm:scene3d>
+      <a:camera prst="orthographicFront"/>
+      <a:lightRig rig="threePt" dir="t"/>
+    </dgm:scene3d>
+    <dgm:sp3d/>
+    <dgm:txPr/>
+    <dgm:style>
+      <a:lnRef idx="2">
+        <a:scrgbClr r="0" g="0" b="0"/>
+      </a:lnRef>
+      <a:fillRef idx="1">
+        <a:scrgbClr r="0" g="0" b="0"/>
+      </a:fillRef>
+      <a:effectRef idx="0">
+        <a:scrgbClr r="0" g="0" b="0"/>
+      </a:effectRef>
+      <a:fontRef idx="minor">
+        <a:schemeClr val="lt1"/>
+      </a:fontRef>
+    </dgm:style>
+  </dgm:styleLbl>
+  <dgm:styleLbl name="parChTrans2D4">
+    <dgm:scene3d>
+      <a:camera prst="orthographicFront"/>
+      <a:lightRig rig="threePt" dir="t"/>
+    </dgm:scene3d>
+    <dgm:sp3d/>
+    <dgm:txPr/>
+    <dgm:style>
+      <a:lnRef idx="2">
+        <a:scrgbClr r="0" g="0" b="0"/>
+      </a:lnRef>
+      <a:fillRef idx="1">
+        <a:scrgbClr r="0" g="0" b="0"/>
+      </a:fillRef>
+      <a:effectRef idx="0">
+        <a:scrgbClr r="0" g="0" b="0"/>
+      </a:effectRef>
+      <a:fontRef idx="minor">
+        <a:schemeClr val="lt1"/>
+      </a:fontRef>
+    </dgm:style>
+  </dgm:styleLbl>
+  <dgm:styleLbl name="parChTrans1D1">
+    <dgm:scene3d>
+      <a:camera prst="orthographicFront"/>
+      <a:lightRig rig="threePt" dir="t"/>
+    </dgm:scene3d>
+    <dgm:sp3d/>
+    <dgm:txPr/>
+    <dgm:style>
+      <a:lnRef idx="2">
+        <a:scrgbClr r="0" g="0" b="0"/>
+      </a:lnRef>
+      <a:fillRef idx="0">
+        <a:scrgbClr r="0" g="0" b="0"/>
+      </a:fillRef>
+      <a:effectRef idx="0">
+        <a:scrgbClr r="0" g="0" b="0"/>
+      </a:effectRef>
+      <a:fontRef idx="minor"/>
+    </dgm:style>
+  </dgm:styleLbl>
+  <dgm:styleLbl name="parChTrans1D2">
+    <dgm:scene3d>
+      <a:camera prst="orthographicFront"/>
+      <a:lightRig rig="threePt" dir="t"/>
+    </dgm:scene3d>
+    <dgm:sp3d/>
+    <dgm:txPr/>
+    <dgm:style>
+      <a:lnRef idx="2">
+        <a:scrgbClr r="0" g="0" b="0"/>
+      </a:lnRef>
+      <a:fillRef idx="0">
+        <a:scrgbClr r="0" g="0" b="0"/>
+      </a:fillRef>
+      <a:effectRef idx="0">
+        <a:scrgbClr r="0" g="0" b="0"/>
+      </a:effectRef>
+      <a:fontRef idx="minor"/>
+    </dgm:style>
+  </dgm:styleLbl>
+  <dgm:styleLbl name="parChTrans1D3">
+    <dgm:scene3d>
+      <a:camera prst="orthographicFront"/>
+      <a:lightRig rig="threePt" dir="t"/>
+    </dgm:scene3d>
+    <dgm:sp3d/>
+    <dgm:txPr/>
+    <dgm:style>
+      <a:lnRef idx="2">
+        <a:scrgbClr r="0" g="0" b="0"/>
+      </a:lnRef>
+      <a:fillRef idx="0">
+        <a:scrgbClr r="0" g="0" b="0"/>
+      </a:fillRef>
+      <a:effectRef idx="0">
+        <a:scrgbClr r="0" g="0" b="0"/>
+      </a:effectRef>
+      <a:fontRef idx="minor"/>
+    </dgm:style>
+  </dgm:styleLbl>
+  <dgm:styleLbl name="parChTrans1D4">
+    <dgm:scene3d>
+      <a:camera prst="orthographicFront"/>
+      <a:lightRig rig="threePt" dir="t"/>
+    </dgm:scene3d>
+    <dgm:sp3d/>
+    <dgm:txPr/>
+    <dgm:style>
+      <a:lnRef idx="2">
+        <a:scrgbClr r="0" g="0" b="0"/>
+      </a:lnRef>
+      <a:fillRef idx="0">
+        <a:scrgbClr r="0" g="0" b="0"/>
+      </a:fillRef>
+      <a:effectRef idx="0">
+        <a:scrgbClr r="0" g="0" b="0"/>
+      </a:effectRef>
+      <a:fontRef idx="minor"/>
+    </dgm:style>
+  </dgm:styleLbl>
+  <dgm:styleLbl name="fgAcc1">
+    <dgm:scene3d>
+      <a:camera prst="orthographicFront"/>
+      <a:lightRig rig="threePt" dir="t"/>
+    </dgm:scene3d>
+    <dgm:sp3d/>
+    <dgm:txPr/>
+    <dgm:style>
+      <a:lnRef idx="2">
+        <a:scrgbClr r="0" g="0" b="0"/>
+      </a:lnRef>
+      <a:fillRef idx="1">
+        <a:scrgbClr r="0" g="0" b="0"/>
+      </a:fillRef>
+      <a:effectRef idx="0">
+        <a:scrgbClr r="0" g="0" b="0"/>
+      </a:effectRef>
+      <a:fontRef idx="minor"/>
+    </dgm:style>
+  </dgm:styleLbl>
+  <dgm:styleLbl name="conFgAcc1">
+    <dgm:scene3d>
+      <a:camera prst="orthographicFront"/>
+      <a:lightRig rig="threePt" dir="t"/>
+    </dgm:scene3d>
+    <dgm:sp3d/>
+    <dgm:txPr/>
+    <dgm:style>
+      <a:lnRef idx="2">
+        <a:scrgbClr r="0" g="0" b="0"/>
+      </a:lnRef>
+      <a:fillRef idx="1">
+        <a:scrgbClr r="0" g="0" b="0"/>
+      </a:fillRef>
+      <a:effectRef idx="0">
+        <a:scrgbClr r="0" g="0" b="0"/>
+      </a:effectRef>
+      <a:fontRef idx="minor"/>
+    </dgm:style>
+  </dgm:styleLbl>
+  <dgm:styleLbl name="alignAcc1">
+    <dgm:scene3d>
+      <a:camera prst="orthographicFront"/>
+      <a:lightRig rig="threePt" dir="t"/>
+    </dgm:scene3d>
+    <dgm:sp3d/>
+    <dgm:txPr/>
+    <dgm:style>
+      <a:lnRef idx="2">
+        <a:scrgbClr r="0" g="0" b="0"/>
+      </a:lnRef>
+      <a:fillRef idx="1">
+        <a:scrgbClr r="0" g="0" b="0"/>
+      </a:fillRef>
+      <a:effectRef idx="0">
+        <a:scrgbClr r="0" g="0" b="0"/>
+      </a:effectRef>
+      <a:fontRef idx="minor"/>
+    </dgm:style>
+  </dgm:styleLbl>
+  <dgm:styleLbl name="trAlignAcc1">
+    <dgm:scene3d>
+      <a:camera prst="orthographicFront"/>
+      <a:lightRig rig="threePt" dir="t"/>
+    </dgm:scene3d>
+    <dgm:sp3d/>
+    <dgm:txPr/>
+    <dgm:style>
+      <a:lnRef idx="1">
+        <a:scrgbClr r="0" g="0" b="0"/>
+      </a:lnRef>
+      <a:fillRef idx="1">
+        <a:scrgbClr r="0" g="0" b="0"/>
+      </a:fillRef>
+      <a:effectRef idx="0">
+        <a:scrgbClr r="0" g="0" b="0"/>
+      </a:effectRef>
+      <a:fontRef idx="minor"/>
+    </dgm:style>
+  </dgm:styleLbl>
+  <dgm:styleLbl name="bgAcc1">
+    <dgm:scene3d>
+      <a:camera prst="orthographicFront"/>
+      <a:lightRig rig="threePt" dir="t"/>
+    </dgm:scene3d>
+    <dgm:sp3d/>
+    <dgm:txPr/>
+    <dgm:style>
+      <a:lnRef idx="2">
+        <a:scrgbClr r="0" g="0" b="0"/>
+      </a:lnRef>
+      <a:fillRef idx="1">
+        <a:scrgbClr r="0" g="0" b="0"/>
+      </a:fillRef>
+      <a:effectRef idx="0">
+        <a:scrgbClr r="0" g="0" b="0"/>
+      </a:effectRef>
+      <a:fontRef idx="minor"/>
+    </dgm:style>
+  </dgm:styleLbl>
+  <dgm:styleLbl name="solidFgAcc1">
+    <dgm:scene3d>
+      <a:camera prst="orthographicFront"/>
+      <a:lightRig rig="threePt" dir="t"/>
+    </dgm:scene3d>
+    <dgm:sp3d/>
+    <dgm:txPr/>
+    <dgm:style>
+      <a:lnRef idx="2">
+        <a:scrgbClr r="0" g="0" b="0"/>
+      </a:lnRef>
+      <a:fillRef idx="1">
+        <a:scrgbClr r="0" g="0" b="0"/>
+      </a:fillRef>
+      <a:effectRef idx="0">
+        <a:scrgbClr r="0" g="0" b="0"/>
+      </a:effectRef>
+      <a:fontRef idx="minor"/>
+    </dgm:style>
+  </dgm:styleLbl>
+  <dgm:styleLbl name="solidAlignAcc1">
+    <dgm:scene3d>
+      <a:camera prst="orthographicFront"/>
+      <a:lightRig rig="threePt" dir="t"/>
+    </dgm:scene3d>
+    <dgm:sp3d/>
+    <dgm:txPr/>
+    <dgm:style>
+      <a:lnRef idx="2">
+        <a:scrgbClr r="0" g="0" b="0"/>
+      </a:lnRef>
+      <a:fillRef idx="1">
+        <a:scrgbClr r="0" g="0" b="0"/>
+      </a:fillRef>
+      <a:effectRef idx="0">
+        <a:scrgbClr r="0" g="0" b="0"/>
+      </a:effectRef>
+      <a:fontRef idx="minor"/>
+    </dgm:style>
+  </dgm:styleLbl>
+  <dgm:styleLbl name="solidBgAcc1">
+    <dgm:scene3d>
+      <a:camera prst="orthographicFront"/>
+      <a:lightRig rig="threePt" dir="t"/>
+    </dgm:scene3d>
+    <dgm:sp3d/>
+    <dgm:txPr/>
+    <dgm:style>
+      <a:lnRef idx="2">
+        <a:scrgbClr r="0" g="0" b="0"/>
+      </a:lnRef>
+      <a:fillRef idx="1">
+        <a:scrgbClr r="0" g="0" b="0"/>
+      </a:fillRef>
+      <a:effectRef idx="0">
+        <a:scrgbClr r="0" g="0" b="0"/>
+      </a:effectRef>
+      <a:fontRef idx="minor"/>
+    </dgm:style>
+  </dgm:styleLbl>
+  <dgm:styleLbl name="fgAccFollowNode1">
+    <dgm:scene3d>
+      <a:camera prst="orthographicFront"/>
+      <a:lightRig rig="threePt" dir="t"/>
+    </dgm:scene3d>
+    <dgm:sp3d/>
+    <dgm:txPr/>
+    <dgm:style>
+      <a:lnRef idx="2">
+        <a:scrgbClr r="0" g="0" b="0"/>
+      </a:lnRef>
+      <a:fillRef idx="1">
+        <a:scrgbClr r="0" g="0" b="0"/>
+      </a:fillRef>
+      <a:effectRef idx="0">
+        <a:scrgbClr r="0" g="0" b="0"/>
+      </a:effectRef>
+      <a:fontRef idx="minor"/>
+    </dgm:style>
+  </dgm:styleLbl>
+  <dgm:styleLbl name="alignAccFollowNode1">
+    <dgm:scene3d>
+      <a:camera prst="orthographicFront"/>
+      <a:lightRig rig="threePt" dir="t"/>
+    </dgm:scene3d>
+    <dgm:sp3d/>
+    <dgm:txPr/>
+    <dgm:style>
+      <a:lnRef idx="2">
+        <a:scrgbClr r="0" g="0" b="0"/>
+      </a:lnRef>
+      <a:fillRef idx="1">
+        <a:scrgbClr r="0" g="0" b="0"/>
+      </a:fillRef>
+      <a:effectRef idx="0">
+        <a:scrgbClr r="0" g="0" b="0"/>
+      </a:effectRef>
+      <a:fontRef idx="minor"/>
+    </dgm:style>
+  </dgm:styleLbl>
+  <dgm:styleLbl name="bgAccFollowNode1">
+    <dgm:scene3d>
+      <a:camera prst="orthographicFront"/>
+      <a:lightRig rig="threePt" dir="t"/>
+    </dgm:scene3d>
+    <dgm:sp3d/>
+    <dgm:txPr/>
+    <dgm:style>
+      <a:lnRef idx="2">
+        <a:scrgbClr r="0" g="0" b="0"/>
+      </a:lnRef>
+      <a:fillRef idx="1">
+        <a:scrgbClr r="0" g="0" b="0"/>
+      </a:fillRef>
+      <a:effectRef idx="0">
+        <a:scrgbClr r="0" g="0" b="0"/>
+      </a:effectRef>
+      <a:fontRef idx="minor"/>
+    </dgm:style>
+  </dgm:styleLbl>
+  <dgm:styleLbl name="fgAcc0">
+    <dgm:scene3d>
+      <a:camera prst="orthographicFront"/>
+      <a:lightRig rig="threePt" dir="t"/>
+    </dgm:scene3d>
+    <dgm:sp3d/>
+    <dgm:txPr/>
+    <dgm:style>
+      <a:lnRef idx="2">
+        <a:scrgbClr r="0" g="0" b="0"/>
+      </a:lnRef>
+      <a:fillRef idx="1">
+        <a:scrgbClr r="0" g="0" b="0"/>
+      </a:fillRef>
+      <a:effectRef idx="0">
+        <a:scrgbClr r="0" g="0" b="0"/>
+      </a:effectRef>
+      <a:fontRef idx="minor"/>
+    </dgm:style>
+  </dgm:styleLbl>
+  <dgm:styleLbl name="fgAcc2">
+    <dgm:scene3d>
+      <a:camera prst="orthographicFront"/>
+      <a:lightRig rig="threePt" dir="t"/>
+    </dgm:scene3d>
+    <dgm:sp3d/>
+    <dgm:txPr/>
+    <dgm:style>
+      <a:lnRef idx="2">
+        <a:scrgbClr r="0" g="0" b="0"/>
+      </a:lnRef>
+      <a:fillRef idx="1">
+        <a:scrgbClr r="0" g="0" b="0"/>
+      </a:fillRef>
+      <a:effectRef idx="0">
+        <a:scrgbClr r="0" g="0" b="0"/>
+      </a:effectRef>
+      <a:fontRef idx="minor"/>
+    </dgm:style>
+  </dgm:styleLbl>
+  <dgm:styleLbl name="fgAcc3">
+    <dgm:scene3d>
+      <a:camera prst="orthographicFront"/>
+      <a:lightRig rig="threePt" dir="t"/>
+    </dgm:scene3d>
+    <dgm:sp3d/>
+    <dgm:txPr/>
+    <dgm:style>
+      <a:lnRef idx="2">
+        <a:scrgbClr r="0" g="0" b="0"/>
+      </a:lnRef>
+      <a:fillRef idx="1">
+        <a:scrgbClr r="0" g="0" b="0"/>
+      </a:fillRef>
+      <a:effectRef idx="0">
+        <a:scrgbClr r="0" g="0" b="0"/>
+      </a:effectRef>
+      <a:fontRef idx="minor"/>
+    </dgm:style>
+  </dgm:styleLbl>
+  <dgm:styleLbl name="fgAcc4">
+    <dgm:scene3d>
+      <a:camera prst="orthographicFront"/>
+      <a:lightRig rig="threePt" dir="t"/>
+    </dgm:scene3d>
+    <dgm:sp3d/>
+    <dgm:txPr/>
+    <dgm:style>
+      <a:lnRef idx="2">
+        <a:scrgbClr r="0" g="0" b="0"/>
+      </a:lnRef>
+      <a:fillRef idx="1">
+        <a:scrgbClr r="0" g="0" b="0"/>
+      </a:fillRef>
+      <a:effectRef idx="0">
+        <a:scrgbClr r="0" g="0" b="0"/>
+      </a:effectRef>
+      <a:fontRef idx="minor"/>
+    </dgm:style>
+  </dgm:styleLbl>
+  <dgm:styleLbl name="bgShp">
+    <dgm:scene3d>
+      <a:camera prst="orthographicFront"/>
+      <a:lightRig rig="threePt" dir="t"/>
+    </dgm:scene3d>
+    <dgm:sp3d/>
+    <dgm:txPr/>
+    <dgm:style>
+      <a:lnRef idx="0">
+        <a:scrgbClr r="0" g="0" b="0"/>
+      </a:lnRef>
+      <a:fillRef idx="1">
+        <a:scrgbClr r="0" g="0" b="0"/>
+      </a:fillRef>
+      <a:effectRef idx="0">
+        <a:scrgbClr r="0" g="0" b="0"/>
+      </a:effectRef>
+      <a:fontRef idx="minor"/>
+    </dgm:style>
+  </dgm:styleLbl>
+  <dgm:styleLbl name="dkBgShp">
+    <dgm:scene3d>
+      <a:camera prst="orthographicFront"/>
+      <a:lightRig rig="threePt" dir="t"/>
+    </dgm:scene3d>
+    <dgm:sp3d/>
+    <dgm:txPr/>
+    <dgm:style>
+      <a:lnRef idx="0">
+        <a:scrgbClr r="0" g="0" b="0"/>
+      </a:lnRef>
+      <a:fillRef idx="1">
+        <a:scrgbClr r="0" g="0" b="0"/>
+      </a:fillRef>
+      <a:effectRef idx="0">
+        <a:scrgbClr r="0" g="0" b="0"/>
+      </a:effectRef>
+      <a:fontRef idx="minor"/>
+    </dgm:style>
+  </dgm:styleLbl>
+  <dgm:styleLbl name="trBgShp">
+    <dgm:scene3d>
+      <a:camera prst="orthographicFront"/>
+      <a:lightRig rig="threePt" dir="t"/>
+    </dgm:scene3d>
+    <dgm:sp3d/>
+    <dgm:txPr/>
+    <dgm:style>
+      <a:lnRef idx="0">
+        <a:scrgbClr r="0" g="0" b="0"/>
+      </a:lnRef>
+      <a:fillRef idx="1">
+        <a:scrgbClr r="0" g="0" b="0"/>
+      </a:fillRef>
+      <a:effectRef idx="0">
+        <a:scrgbClr r="0" g="0" b="0"/>
+      </a:effectRef>
+      <a:fontRef idx="minor"/>
+    </dgm:style>
+  </dgm:styleLbl>
+  <dgm:styleLbl name="fgShp">
+    <dgm:scene3d>
+      <a:camera prst="orthographicFront"/>
+      <a:lightRig rig="threePt" dir="t"/>
+    </dgm:scene3d>
+    <dgm:sp3d/>
+    <dgm:txPr/>
+    <dgm:style>
+      <a:lnRef idx="2">
+        <a:scrgbClr r="0" g="0" b="0"/>
+      </a:lnRef>
+      <a:fillRef idx="1">
+        <a:scrgbClr r="0" g="0" b="0"/>
+      </a:fillRef>
+      <a:effectRef idx="0">
+        <a:scrgbClr r="0" g="0" b="0"/>
+      </a:effectRef>
+      <a:fontRef idx="minor"/>
+    </dgm:style>
+  </dgm:styleLbl>
+  <dgm:styleLbl name="revTx">
+    <dgm:scene3d>
+      <a:camera prst="orthographicFront"/>
+      <a:lightRig rig="threePt" dir="t"/>
+    </dgm:scene3d>
+    <dgm:sp3d/>
+    <dgm:txPr/>
+    <dgm:style>
+      <a:lnRef idx="0">
+        <a:scrgbClr r="0" g="0" b="0"/>
+      </a:lnRef>
+      <a:fillRef idx="0">
+        <a:scrgbClr r="0" g="0" b="0"/>
+      </a:fillRef>
+      <a:effectRef idx="0">
+        <a:scrgbClr r="0" g="0" b="0"/>
+      </a:effectRef>
+      <a:fontRef idx="minor"/>
+    </dgm:style>
+  </dgm:styleLbl>
+</dgm:styleDef>
+</file>
+
+<file path=ppt/diagrams/quickStyle4.xml><?xml version="1.0" encoding="utf-8"?>
+<dgm:styleDef xmlns:dgm="http://schemas.openxmlformats.org/drawingml/2006/diagram" xmlns:a="http://schemas.openxmlformats.org/drawingml/2006/main" uniqueId="urn:microsoft.com/office/officeart/2005/8/quickstyle/simple1">
+  <dgm:title val=""/>
+  <dgm:desc val=""/>
+  <dgm:catLst>
+    <dgm:cat type="simple" pri="10100"/>
+  </dgm:catLst>
+  <dgm:scene3d>
+    <a:camera prst="orthographicFront"/>
+    <a:lightRig rig="threePt" dir="t"/>
+  </dgm:scene3d>
+  <dgm:styleLbl name="node0">
+    <dgm:scene3d>
+      <a:camera prst="orthographicFront"/>
+      <a:lightRig rig="threePt" dir="t"/>
+    </dgm:scene3d>
+    <dgm:sp3d/>
+    <dgm:txPr/>
+    <dgm:style>
+      <a:lnRef idx="2">
+        <a:scrgbClr r="0" g="0" b="0"/>
+      </a:lnRef>
+      <a:fillRef idx="1">
+        <a:scrgbClr r="0" g="0" b="0"/>
+      </a:fillRef>
+      <a:effectRef idx="0">
+        <a:scrgbClr r="0" g="0" b="0"/>
+      </a:effectRef>
+      <a:fontRef idx="minor">
+        <a:schemeClr val="lt1"/>
+      </a:fontRef>
+    </dgm:style>
+  </dgm:styleLbl>
+  <dgm:styleLbl name="lnNode1">
+    <dgm:scene3d>
+      <a:camera prst="orthographicFront"/>
+      <a:lightRig rig="threePt" dir="t"/>
+    </dgm:scene3d>
+    <dgm:sp3d/>
+    <dgm:txPr/>
+    <dgm:style>
+      <a:lnRef idx="2">
+        <a:scrgbClr r="0" g="0" b="0"/>
+      </a:lnRef>
+      <a:fillRef idx="1">
+        <a:scrgbClr r="0" g="0" b="0"/>
+      </a:fillRef>
+      <a:effectRef idx="0">
+        <a:scrgbClr r="0" g="0" b="0"/>
+      </a:effectRef>
+      <a:fontRef idx="minor">
+        <a:schemeClr val="lt1"/>
+      </a:fontRef>
+    </dgm:style>
+  </dgm:styleLbl>
+  <dgm:styleLbl name="vennNode1">
+    <dgm:scene3d>
+      <a:camera prst="orthographicFront"/>
+      <a:lightRig rig="threePt" dir="t"/>
+    </dgm:scene3d>
+    <dgm:sp3d/>
+    <dgm:txPr/>
+    <dgm:style>
+      <a:lnRef idx="2">
+        <a:scrgbClr r="0" g="0" b="0"/>
+      </a:lnRef>
+      <a:fillRef idx="1">
+        <a:scrgbClr r="0" g="0" b="0"/>
+      </a:fillRef>
+      <a:effectRef idx="0">
+        <a:scrgbClr r="0" g="0" b="0"/>
+      </a:effectRef>
+      <a:fontRef idx="minor">
+        <a:schemeClr val="tx1"/>
+      </a:fontRef>
+    </dgm:style>
+  </dgm:styleLbl>
+  <dgm:styleLbl name="alignNode1">
+    <dgm:scene3d>
+      <a:camera prst="orthographicFront"/>
+      <a:lightRig rig="threePt" dir="t"/>
+    </dgm:scene3d>
+    <dgm:sp3d/>
+    <dgm:txPr/>
+    <dgm:style>
+      <a:lnRef idx="2">
+        <a:scrgbClr r="0" g="0" b="0"/>
+      </a:lnRef>
+      <a:fillRef idx="1">
+        <a:scrgbClr r="0" g="0" b="0"/>
+      </a:fillRef>
+      <a:effectRef idx="0">
+        <a:scrgbClr r="0" g="0" b="0"/>
+      </a:effectRef>
+      <a:fontRef idx="minor">
+        <a:schemeClr val="lt1"/>
+      </a:fontRef>
+    </dgm:style>
+  </dgm:styleLbl>
+  <dgm:styleLbl name="node1">
+    <dgm:scene3d>
+      <a:camera prst="orthographicFront"/>
+      <a:lightRig rig="threePt" dir="t"/>
+    </dgm:scene3d>
+    <dgm:sp3d/>
+    <dgm:txPr/>
+    <dgm:style>
+      <a:lnRef idx="2">
+        <a:scrgbClr r="0" g="0" b="0"/>
+      </a:lnRef>
+      <a:fillRef idx="1">
+        <a:scrgbClr r="0" g="0" b="0"/>
+      </a:fillRef>
+      <a:effectRef idx="0">
+        <a:scrgbClr r="0" g="0" b="0"/>
+      </a:effectRef>
+      <a:fontRef idx="minor">
+        <a:schemeClr val="lt1"/>
+      </a:fontRef>
+    </dgm:style>
+  </dgm:styleLbl>
+  <dgm:styleLbl name="node2">
+    <dgm:scene3d>
+      <a:camera prst="orthographicFront"/>
+      <a:lightRig rig="threePt" dir="t"/>
+    </dgm:scene3d>
+    <dgm:sp3d/>
+    <dgm:txPr/>
+    <dgm:style>
+      <a:lnRef idx="2">
+        <a:scrgbClr r="0" g="0" b="0"/>
+      </a:lnRef>
+      <a:fillRef idx="1">
+        <a:scrgbClr r="0" g="0" b="0"/>
+      </a:fillRef>
+      <a:effectRef idx="0">
+        <a:scrgbClr r="0" g="0" b="0"/>
+      </a:effectRef>
+      <a:fontRef idx="minor">
+        <a:schemeClr val="lt1"/>
+      </a:fontRef>
+    </dgm:style>
+  </dgm:styleLbl>
+  <dgm:styleLbl name="node3">
+    <dgm:scene3d>
+      <a:camera prst="orthographicFront"/>
+      <a:lightRig rig="threePt" dir="t"/>
+    </dgm:scene3d>
+    <dgm:sp3d/>
+    <dgm:txPr/>
+    <dgm:style>
+      <a:lnRef idx="2">
+        <a:scrgbClr r="0" g="0" b="0"/>
+      </a:lnRef>
+      <a:fillRef idx="1">
+        <a:scrgbClr r="0" g="0" b="0"/>
+      </a:fillRef>
+      <a:effectRef idx="0">
+        <a:scrgbClr r="0" g="0" b="0"/>
+      </a:effectRef>
+      <a:fontRef idx="minor">
+        <a:schemeClr val="lt1"/>
+      </a:fontRef>
+    </dgm:style>
+  </dgm:styleLbl>
+  <dgm:styleLbl name="node4">
+    <dgm:scene3d>
+      <a:camera prst="orthographicFront"/>
+      <a:lightRig rig="threePt" dir="t"/>
+    </dgm:scene3d>
+    <dgm:sp3d/>
+    <dgm:txPr/>
+    <dgm:style>
+      <a:lnRef idx="2">
+        <a:scrgbClr r="0" g="0" b="0"/>
+      </a:lnRef>
+      <a:fillRef idx="1">
+        <a:scrgbClr r="0" g="0" b="0"/>
+      </a:fillRef>
+      <a:effectRef idx="0">
+        <a:scrgbClr r="0" g="0" b="0"/>
+      </a:effectRef>
+      <a:fontRef idx="minor">
+        <a:schemeClr val="lt1"/>
+      </a:fontRef>
+    </dgm:style>
+  </dgm:styleLbl>
+  <dgm:styleLbl name="fgImgPlace1">
+    <dgm:scene3d>
+      <a:camera prst="orthographicFront"/>
+      <a:lightRig rig="threePt" dir="t"/>
+    </dgm:scene3d>
+    <dgm:sp3d/>
+    <dgm:txPr/>
+    <dgm:style>
+      <a:lnRef idx="2">
+        <a:scrgbClr r="0" g="0" b="0"/>
+      </a:lnRef>
+      <a:fillRef idx="1">
+        <a:scrgbClr r="0" g="0" b="0"/>
+      </a:fillRef>
+      <a:effectRef idx="0">
+        <a:scrgbClr r="0" g="0" b="0"/>
+      </a:effectRef>
+      <a:fontRef idx="minor"/>
+    </dgm:style>
+  </dgm:styleLbl>
+  <dgm:styleLbl name="alignImgPlace1">
+    <dgm:scene3d>
+      <a:camera prst="orthographicFront"/>
+      <a:lightRig rig="threePt" dir="t"/>
+    </dgm:scene3d>
+    <dgm:sp3d/>
+    <dgm:txPr/>
+    <dgm:style>
+      <a:lnRef idx="2">
+        <a:scrgbClr r="0" g="0" b="0"/>
+      </a:lnRef>
+      <a:fillRef idx="1">
+        <a:scrgbClr r="0" g="0" b="0"/>
+      </a:fillRef>
+      <a:effectRef idx="0">
+        <a:scrgbClr r="0" g="0" b="0"/>
+      </a:effectRef>
+      <a:fontRef idx="minor"/>
+    </dgm:style>
+  </dgm:styleLbl>
+  <dgm:styleLbl name="bgImgPlace1">
+    <dgm:scene3d>
+      <a:camera prst="orthographicFront"/>
+      <a:lightRig rig="threePt" dir="t"/>
+    </dgm:scene3d>
+    <dgm:sp3d/>
+    <dgm:txPr/>
+    <dgm:style>
+      <a:lnRef idx="2">
+        <a:scrgbClr r="0" g="0" b="0"/>
+      </a:lnRef>
+      <a:fillRef idx="1">
+        <a:scrgbClr r="0" g="0" b="0"/>
+      </a:fillRef>
+      <a:effectRef idx="0">
+        <a:scrgbClr r="0" g="0" b="0"/>
+      </a:effectRef>
+      <a:fontRef idx="minor"/>
+    </dgm:style>
+  </dgm:styleLbl>
+  <dgm:styleLbl name="sibTrans2D1">
+    <dgm:scene3d>
+      <a:camera prst="orthographicFront"/>
+      <a:lightRig rig="threePt" dir="t"/>
+    </dgm:scene3d>
+    <dgm:sp3d/>
+    <dgm:txPr/>
+    <dgm:style>
+      <a:lnRef idx="0">
+        <a:scrgbClr r="0" g="0" b="0"/>
+      </a:lnRef>
+      <a:fillRef idx="1">
+        <a:scrgbClr r="0" g="0" b="0"/>
+      </a:fillRef>
+      <a:effectRef idx="0">
+        <a:scrgbClr r="0" g="0" b="0"/>
+      </a:effectRef>
+      <a:fontRef idx="minor">
+        <a:schemeClr val="lt1"/>
+      </a:fontRef>
+    </dgm:style>
+  </dgm:styleLbl>
+  <dgm:styleLbl name="fgSibTrans2D1">
+    <dgm:scene3d>
+      <a:camera prst="orthographicFront"/>
+      <a:lightRig rig="threePt" dir="t"/>
+    </dgm:scene3d>
+    <dgm:sp3d/>
+    <dgm:txPr/>
+    <dgm:style>
+      <a:lnRef idx="0">
+        <a:scrgbClr r="0" g="0" b="0"/>
+      </a:lnRef>
+      <a:fillRef idx="1">
+        <a:scrgbClr r="0" g="0" b="0"/>
+      </a:fillRef>
+      <a:effectRef idx="0">
+        <a:scrgbClr r="0" g="0" b="0"/>
+      </a:effectRef>
+      <a:fontRef idx="minor">
+        <a:schemeClr val="lt1"/>
+      </a:fontRef>
+    </dgm:style>
+  </dgm:styleLbl>
+  <dgm:styleLbl name="bgSibTrans2D1">
+    <dgm:scene3d>
+      <a:camera prst="orthographicFront"/>
+      <a:lightRig rig="threePt" dir="t"/>
+    </dgm:scene3d>
+    <dgm:sp3d/>
+    <dgm:txPr/>
+    <dgm:style>
+      <a:lnRef idx="0">
+        <a:scrgbClr r="0" g="0" b="0"/>
+      </a:lnRef>
+      <a:fillRef idx="1">
+        <a:scrgbClr r="0" g="0" b="0"/>
+      </a:fillRef>
+      <a:effectRef idx="0">
+        <a:scrgbClr r="0" g="0" b="0"/>
+      </a:effectRef>
+      <a:fontRef idx="minor">
+        <a:schemeClr val="lt1"/>
+      </a:fontRef>
+    </dgm:style>
+  </dgm:styleLbl>
+  <dgm:styleLbl name="sibTrans1D1">
+    <dgm:scene3d>
+      <a:camera prst="orthographicFront"/>
+      <a:lightRig rig="threePt" dir="t"/>
+    </dgm:scene3d>
+    <dgm:sp3d/>
+    <dgm:txPr/>
+    <dgm:style>
+      <a:lnRef idx="1">
+        <a:scrgbClr r="0" g="0" b="0"/>
+      </a:lnRef>
+      <a:fillRef idx="0">
+        <a:scrgbClr r="0" g="0" b="0"/>
+      </a:fillRef>
+      <a:effectRef idx="0">
+        <a:scrgbClr r="0" g="0" b="0"/>
+      </a:effectRef>
+      <a:fontRef idx="minor"/>
+    </dgm:style>
+  </dgm:styleLbl>
+  <dgm:styleLbl name="callout">
+    <dgm:scene3d>
+      <a:camera prst="orthographicFront"/>
+      <a:lightRig rig="threePt" dir="t"/>
+    </dgm:scene3d>
+    <dgm:sp3d/>
+    <dgm:txPr/>
+    <dgm:style>
+      <a:lnRef idx="2">
+        <a:scrgbClr r="0" g="0" b="0"/>
+      </a:lnRef>
+      <a:fillRef idx="1">
+        <a:scrgbClr r="0" g="0" b="0"/>
+      </a:fillRef>
+      <a:effectRef idx="0">
+        <a:scrgbClr r="0" g="0" b="0"/>
+      </a:effectRef>
+      <a:fontRef idx="minor"/>
+    </dgm:style>
+  </dgm:styleLbl>
+  <dgm:styleLbl name="asst0">
+    <dgm:scene3d>
+      <a:camera prst="orthographicFront"/>
+      <a:lightRig rig="threePt" dir="t"/>
+    </dgm:scene3d>
+    <dgm:sp3d/>
+    <dgm:txPr/>
+    <dgm:style>
+      <a:lnRef idx="2">
+        <a:scrgbClr r="0" g="0" b="0"/>
+      </a:lnRef>
+      <a:fillRef idx="1">
+        <a:scrgbClr r="0" g="0" b="0"/>
+      </a:fillRef>
+      <a:effectRef idx="0">
+        <a:scrgbClr r="0" g="0" b="0"/>
+      </a:effectRef>
+      <a:fontRef idx="minor">
+        <a:schemeClr val="lt1"/>
+      </a:fontRef>
+    </dgm:style>
+  </dgm:styleLbl>
+  <dgm:styleLbl name="asst1">
+    <dgm:scene3d>
+      <a:camera prst="orthographicFront"/>
+      <a:lightRig rig="threePt" dir="t"/>
+    </dgm:scene3d>
+    <dgm:sp3d/>
+    <dgm:txPr/>
+    <dgm:style>
+      <a:lnRef idx="2">
+        <a:scrgbClr r="0" g="0" b="0"/>
+      </a:lnRef>
+      <a:fillRef idx="1">
+        <a:scrgbClr r="0" g="0" b="0"/>
+      </a:fillRef>
+      <a:effectRef idx="0">
+        <a:scrgbClr r="0" g="0" b="0"/>
+      </a:effectRef>
+      <a:fontRef idx="minor">
+        <a:schemeClr val="lt1"/>
+      </a:fontRef>
+    </dgm:style>
+  </dgm:styleLbl>
+  <dgm:styleLbl name="asst2">
+    <dgm:scene3d>
+      <a:camera prst="orthographicFront"/>
+      <a:lightRig rig="threePt" dir="t"/>
+    </dgm:scene3d>
+    <dgm:sp3d/>
+    <dgm:txPr/>
+    <dgm:style>
+      <a:lnRef idx="2">
+        <a:scrgbClr r="0" g="0" b="0"/>
+      </a:lnRef>
+      <a:fillRef idx="1">
+        <a:scrgbClr r="0" g="0" b="0"/>
+      </a:fillRef>
+      <a:effectRef idx="0">
+        <a:scrgbClr r="0" g="0" b="0"/>
+      </a:effectRef>
+      <a:fontRef idx="minor">
+        <a:schemeClr val="lt1"/>
+      </a:fontRef>
+    </dgm:style>
+  </dgm:styleLbl>
+  <dgm:styleLbl name="asst3">
+    <dgm:scene3d>
+      <a:camera prst="orthographicFront"/>
+      <a:lightRig rig="threePt" dir="t"/>
+    </dgm:scene3d>
+    <dgm:sp3d/>
+    <dgm:txPr/>
+    <dgm:style>
+      <a:lnRef idx="2">
+        <a:scrgbClr r="0" g="0" b="0"/>
+      </a:lnRef>
+      <a:fillRef idx="1">
+        <a:scrgbClr r="0" g="0" b="0"/>
+      </a:fillRef>
+      <a:effectRef idx="0">
+        <a:scrgbClr r="0" g="0" b="0"/>
+      </a:effectRef>
+      <a:fontRef idx="minor">
+        <a:schemeClr val="lt1"/>
+      </a:fontRef>
+    </dgm:style>
+  </dgm:styleLbl>
+  <dgm:styleLbl name="asst4">
+    <dgm:scene3d>
+      <a:camera prst="orthographicFront"/>
+      <a:lightRig rig="threePt" dir="t"/>
+    </dgm:scene3d>
+    <dgm:sp3d/>
+    <dgm:txPr/>
+    <dgm:style>
+      <a:lnRef idx="2">
+        <a:scrgbClr r="0" g="0" b="0"/>
+      </a:lnRef>
+      <a:fillRef idx="1">
+        <a:scrgbClr r="0" g="0" b="0"/>
+      </a:fillRef>
+      <a:effectRef idx="0">
+        <a:scrgbClr r="0" g="0" b="0"/>
+      </a:effectRef>
+      <a:fontRef idx="minor">
+        <a:schemeClr val="lt1"/>
+      </a:fontRef>
+    </dgm:style>
+  </dgm:styleLbl>
+  <dgm:styleLbl name="parChTrans2D1">
+    <dgm:scene3d>
+      <a:camera prst="orthographicFront"/>
+      <a:lightRig rig="threePt" dir="t"/>
+    </dgm:scene3d>
+    <dgm:sp3d/>
+    <dgm:txPr/>
+    <dgm:style>
+      <a:lnRef idx="2">
+        <a:scrgbClr r="0" g="0" b="0"/>
+      </a:lnRef>
+      <a:fillRef idx="1">
+        <a:scrgbClr r="0" g="0" b="0"/>
+      </a:fillRef>
+      <a:effectRef idx="0">
+        <a:scrgbClr r="0" g="0" b="0"/>
+      </a:effectRef>
+      <a:fontRef idx="minor">
+        <a:schemeClr val="lt1"/>
+      </a:fontRef>
+    </dgm:style>
+  </dgm:styleLbl>
+  <dgm:styleLbl name="parChTrans2D2">
+    <dgm:scene3d>
+      <a:camera prst="orthographicFront"/>
+      <a:lightRig rig="threePt" dir="t"/>
+    </dgm:scene3d>
+    <dgm:sp3d/>
+    <dgm:txPr/>
+    <dgm:style>
+      <a:lnRef idx="2">
+        <a:scrgbClr r="0" g="0" b="0"/>
+      </a:lnRef>
+      <a:fillRef idx="1">
+        <a:scrgbClr r="0" g="0" b="0"/>
+      </a:fillRef>
+      <a:effectRef idx="0">
+        <a:scrgbClr r="0" g="0" b="0"/>
+      </a:effectRef>
+      <a:fontRef idx="minor">
+        <a:schemeClr val="lt1"/>
+      </a:fontRef>
+    </dgm:style>
+  </dgm:styleLbl>
+  <dgm:styleLbl name="parChTrans2D3">
+    <dgm:scene3d>
+      <a:camera prst="orthographicFront"/>
+      <a:lightRig rig="threePt" dir="t"/>
+    </dgm:scene3d>
+    <dgm:sp3d/>
+    <dgm:txPr/>
+    <dgm:style>
+      <a:lnRef idx="2">
+        <a:scrgbClr r="0" g="0" b="0"/>
+      </a:lnRef>
+      <a:fillRef idx="1">
+        <a:scrgbClr r="0" g="0" b="0"/>
+      </a:fillRef>
+      <a:effectRef idx="0">
+        <a:scrgbClr r="0" g="0" b="0"/>
+      </a:effectRef>
+      <a:fontRef idx="minor">
+        <a:schemeClr val="lt1"/>
+      </a:fontRef>
+    </dgm:style>
+  </dgm:styleLbl>
+  <dgm:styleLbl name="parChTrans2D4">
+    <dgm:scene3d>
+      <a:camera prst="orthographicFront"/>
+      <a:lightRig rig="threePt" dir="t"/>
+    </dgm:scene3d>
+    <dgm:sp3d/>
+    <dgm:txPr/>
+    <dgm:style>
+      <a:lnRef idx="2">
+        <a:scrgbClr r="0" g="0" b="0"/>
+      </a:lnRef>
+      <a:fillRef idx="1">
+        <a:scrgbClr r="0" g="0" b="0"/>
+      </a:fillRef>
+      <a:effectRef idx="0">
+        <a:scrgbClr r="0" g="0" b="0"/>
+      </a:effectRef>
+      <a:fontRef idx="minor">
+        <a:schemeClr val="lt1"/>
+      </a:fontRef>
+    </dgm:style>
+  </dgm:styleLbl>
+  <dgm:styleLbl name="parChTrans1D1">
+    <dgm:scene3d>
+      <a:camera prst="orthographicFront"/>
+      <a:lightRig rig="threePt" dir="t"/>
+    </dgm:scene3d>
+    <dgm:sp3d/>
+    <dgm:txPr/>
+    <dgm:style>
+      <a:lnRef idx="2">
+        <a:scrgbClr r="0" g="0" b="0"/>
+      </a:lnRef>
+      <a:fillRef idx="0">
+        <a:scrgbClr r="0" g="0" b="0"/>
+      </a:fillRef>
+      <a:effectRef idx="0">
+        <a:scrgbClr r="0" g="0" b="0"/>
+      </a:effectRef>
+      <a:fontRef idx="minor"/>
+    </dgm:style>
+  </dgm:styleLbl>
+  <dgm:styleLbl name="parChTrans1D2">
+    <dgm:scene3d>
+      <a:camera prst="orthographicFront"/>
+      <a:lightRig rig="threePt" dir="t"/>
+    </dgm:scene3d>
+    <dgm:sp3d/>
+    <dgm:txPr/>
+    <dgm:style>
+      <a:lnRef idx="2">
+        <a:scrgbClr r="0" g="0" b="0"/>
+      </a:lnRef>
+      <a:fillRef idx="0">
+        <a:scrgbClr r="0" g="0" b="0"/>
+      </a:fillRef>
+      <a:effectRef idx="0">
+        <a:scrgbClr r="0" g="0" b="0"/>
+      </a:effectRef>
+      <a:fontRef idx="minor"/>
+    </dgm:style>
+  </dgm:styleLbl>
+  <dgm:styleLbl name="parChTrans1D3">
+    <dgm:scene3d>
+      <a:camera prst="orthographicFront"/>
+      <a:lightRig rig="threePt" dir="t"/>
+    </dgm:scene3d>
+    <dgm:sp3d/>
+    <dgm:txPr/>
+    <dgm:style>
+      <a:lnRef idx="2">
+        <a:scrgbClr r="0" g="0" b="0"/>
+      </a:lnRef>
+      <a:fillRef idx="0">
+        <a:scrgbClr r="0" g="0" b="0"/>
+      </a:fillRef>
+      <a:effectRef idx="0">
+        <a:scrgbClr r="0" g="0" b="0"/>
+      </a:effectRef>
+      <a:fontRef idx="minor"/>
+    </dgm:style>
+  </dgm:styleLbl>
+  <dgm:styleLbl name="parChTrans1D4">
+    <dgm:scene3d>
+      <a:camera prst="orthographicFront"/>
+      <a:lightRig rig="threePt" dir="t"/>
+    </dgm:scene3d>
+    <dgm:sp3d/>
+    <dgm:txPr/>
+    <dgm:style>
+      <a:lnRef idx="2">
+        <a:scrgbClr r="0" g="0" b="0"/>
+      </a:lnRef>
+      <a:fillRef idx="0">
+        <a:scrgbClr r="0" g="0" b="0"/>
+      </a:fillRef>
+      <a:effectRef idx="0">
+        <a:scrgbClr r="0" g="0" b="0"/>
+      </a:effectRef>
+      <a:fontRef idx="minor"/>
+    </dgm:style>
+  </dgm:styleLbl>
+  <dgm:styleLbl name="fgAcc1">
+    <dgm:scene3d>
+      <a:camera prst="orthographicFront"/>
+      <a:lightRig rig="threePt" dir="t"/>
+    </dgm:scene3d>
+    <dgm:sp3d/>
+    <dgm:txPr/>
+    <dgm:style>
+      <a:lnRef idx="2">
+        <a:scrgbClr r="0" g="0" b="0"/>
+      </a:lnRef>
+      <a:fillRef idx="1">
+        <a:scrgbClr r="0" g="0" b="0"/>
+      </a:fillRef>
+      <a:effectRef idx="0">
+        <a:scrgbClr r="0" g="0" b="0"/>
+      </a:effectRef>
+      <a:fontRef idx="minor"/>
+    </dgm:style>
+  </dgm:styleLbl>
+  <dgm:styleLbl name="conFgAcc1">
+    <dgm:scene3d>
+      <a:camera prst="orthographicFront"/>
+      <a:lightRig rig="threePt" dir="t"/>
+    </dgm:scene3d>
+    <dgm:sp3d/>
+    <dgm:txPr/>
+    <dgm:style>
+      <a:lnRef idx="2">
+        <a:scrgbClr r="0" g="0" b="0"/>
+      </a:lnRef>
+      <a:fillRef idx="1">
+        <a:scrgbClr r="0" g="0" b="0"/>
+      </a:fillRef>
+      <a:effectRef idx="0">
+        <a:scrgbClr r="0" g="0" b="0"/>
+      </a:effectRef>
+      <a:fontRef idx="minor"/>
+    </dgm:style>
+  </dgm:styleLbl>
+  <dgm:styleLbl name="alignAcc1">
+    <dgm:scene3d>
+      <a:camera prst="orthographicFront"/>
+      <a:lightRig rig="threePt" dir="t"/>
+    </dgm:scene3d>
+    <dgm:sp3d/>
+    <dgm:txPr/>
+    <dgm:style>
+      <a:lnRef idx="2">
+        <a:scrgbClr r="0" g="0" b="0"/>
+      </a:lnRef>
+      <a:fillRef idx="1">
+        <a:scrgbClr r="0" g="0" b="0"/>
+      </a:fillRef>
+      <a:effectRef idx="0">
+        <a:scrgbClr r="0" g="0" b="0"/>
+      </a:effectRef>
+      <a:fontRef idx="minor"/>
+    </dgm:style>
+  </dgm:styleLbl>
+  <dgm:styleLbl name="trAlignAcc1">
+    <dgm:scene3d>
+      <a:camera prst="orthographicFront"/>
+      <a:lightRig rig="threePt" dir="t"/>
+    </dgm:scene3d>
+    <dgm:sp3d/>
+    <dgm:txPr/>
+    <dgm:style>
+      <a:lnRef idx="1">
+        <a:scrgbClr r="0" g="0" b="0"/>
+      </a:lnRef>
+      <a:fillRef idx="1">
+        <a:scrgbClr r="0" g="0" b="0"/>
+      </a:fillRef>
+      <a:effectRef idx="0">
+        <a:scrgbClr r="0" g="0" b="0"/>
+      </a:effectRef>
+      <a:fontRef idx="minor"/>
+    </dgm:style>
+  </dgm:styleLbl>
+  <dgm:styleLbl name="bgAcc1">
+    <dgm:scene3d>
+      <a:camera prst="orthographicFront"/>
+      <a:lightRig rig="threePt" dir="t"/>
+    </dgm:scene3d>
+    <dgm:sp3d/>
+    <dgm:txPr/>
+    <dgm:style>
+      <a:lnRef idx="2">
+        <a:scrgbClr r="0" g="0" b="0"/>
+      </a:lnRef>
+      <a:fillRef idx="1">
+        <a:scrgbClr r="0" g="0" b="0"/>
+      </a:fillRef>
+      <a:effectRef idx="0">
+        <a:scrgbClr r="0" g="0" b="0"/>
+      </a:effectRef>
+      <a:fontRef idx="minor"/>
+    </dgm:style>
+  </dgm:styleLbl>
+  <dgm:styleLbl name="solidFgAcc1">
+    <dgm:scene3d>
+      <a:camera prst="orthographicFront"/>
+      <a:lightRig rig="threePt" dir="t"/>
+    </dgm:scene3d>
+    <dgm:sp3d/>
+    <dgm:txPr/>
+    <dgm:style>
+      <a:lnRef idx="2">
+        <a:scrgbClr r="0" g="0" b="0"/>
+      </a:lnRef>
+      <a:fillRef idx="1">
+        <a:scrgbClr r="0" g="0" b="0"/>
+      </a:fillRef>
+      <a:effectRef idx="0">
+        <a:scrgbClr r="0" g="0" b="0"/>
+      </a:effectRef>
+      <a:fontRef idx="minor"/>
+    </dgm:style>
+  </dgm:styleLbl>
+  <dgm:styleLbl name="solidAlignAcc1">
+    <dgm:scene3d>
+      <a:camera prst="orthographicFront"/>
+      <a:lightRig rig="threePt" dir="t"/>
+    </dgm:scene3d>
+    <dgm:sp3d/>
+    <dgm:txPr/>
+    <dgm:style>
+      <a:lnRef idx="2">
+        <a:scrgbClr r="0" g="0" b="0"/>
+      </a:lnRef>
+      <a:fillRef idx="1">
+        <a:scrgbClr r="0" g="0" b="0"/>
+      </a:fillRef>
+      <a:effectRef idx="0">
+        <a:scrgbClr r="0" g="0" b="0"/>
+      </a:effectRef>
+      <a:fontRef idx="minor"/>
+    </dgm:style>
+  </dgm:styleLbl>
+  <dgm:styleLbl name="solidBgAcc1">
+    <dgm:scene3d>
+      <a:camera prst="orthographicFront"/>
+      <a:lightRig rig="threePt" dir="t"/>
+    </dgm:scene3d>
+    <dgm:sp3d/>
+    <dgm:txPr/>
+    <dgm:style>
+      <a:lnRef idx="2">
+        <a:scrgbClr r="0" g="0" b="0"/>
+      </a:lnRef>
+      <a:fillRef idx="1">
+        <a:scrgbClr r="0" g="0" b="0"/>
+      </a:fillRef>
+      <a:effectRef idx="0">
+        <a:scrgbClr r="0" g="0" b="0"/>
+      </a:effectRef>
+      <a:fontRef idx="minor"/>
+    </dgm:style>
+  </dgm:styleLbl>
+  <dgm:styleLbl name="fgAccFollowNode1">
+    <dgm:scene3d>
+      <a:camera prst="orthographicFront"/>
+      <a:lightRig rig="threePt" dir="t"/>
+    </dgm:scene3d>
+    <dgm:sp3d/>
+    <dgm:txPr/>
+    <dgm:style>
+      <a:lnRef idx="2">
+        <a:scrgbClr r="0" g="0" b="0"/>
+      </a:lnRef>
+      <a:fillRef idx="1">
+        <a:scrgbClr r="0" g="0" b="0"/>
+      </a:fillRef>
+      <a:effectRef idx="0">
+        <a:scrgbClr r="0" g="0" b="0"/>
+      </a:effectRef>
+      <a:fontRef idx="minor"/>
+    </dgm:style>
+  </dgm:styleLbl>
+  <dgm:styleLbl name="alignAccFollowNode1">
+    <dgm:scene3d>
+      <a:camera prst="orthographicFront"/>
+      <a:lightRig rig="threePt" dir="t"/>
+    </dgm:scene3d>
+    <dgm:sp3d/>
+    <dgm:txPr/>
+    <dgm:style>
+      <a:lnRef idx="2">
+        <a:scrgbClr r="0" g="0" b="0"/>
+      </a:lnRef>
+      <a:fillRef idx="1">
+        <a:scrgbClr r="0" g="0" b="0"/>
+      </a:fillRef>
+      <a:effectRef idx="0">
+        <a:scrgbClr r="0" g="0" b="0"/>
+      </a:effectRef>
+      <a:fontRef idx="minor"/>
+    </dgm:style>
+  </dgm:styleLbl>
+  <dgm:styleLbl name="bgAccFollowNode1">
+    <dgm:scene3d>
+      <a:camera prst="orthographicFront"/>
+      <a:lightRig rig="threePt" dir="t"/>
+    </dgm:scene3d>
+    <dgm:sp3d/>
+    <dgm:txPr/>
+    <dgm:style>
+      <a:lnRef idx="2">
+        <a:scrgbClr r="0" g="0" b="0"/>
+      </a:lnRef>
+      <a:fillRef idx="1">
+        <a:scrgbClr r="0" g="0" b="0"/>
+      </a:fillRef>
+      <a:effectRef idx="0">
+        <a:scrgbClr r="0" g="0" b="0"/>
+      </a:effectRef>
+      <a:fontRef idx="minor"/>
+    </dgm:style>
+  </dgm:styleLbl>
+  <dgm:styleLbl name="fgAcc0">
+    <dgm:scene3d>
+      <a:camera prst="orthographicFront"/>
+      <a:lightRig rig="threePt" dir="t"/>
+    </dgm:scene3d>
+    <dgm:sp3d/>
+    <dgm:txPr/>
+    <dgm:style>
+      <a:lnRef idx="2">
+        <a:scrgbClr r="0" g="0" b="0"/>
+      </a:lnRef>
+      <a:fillRef idx="1">
+        <a:scrgbClr r="0" g="0" b="0"/>
+      </a:fillRef>
+      <a:effectRef idx="0">
+        <a:scrgbClr r="0" g="0" b="0"/>
+      </a:effectRef>
+      <a:fontRef idx="minor"/>
+    </dgm:style>
+  </dgm:styleLbl>
+  <dgm:styleLbl name="fgAcc2">
+    <dgm:scene3d>
+      <a:camera prst="orthographicFront"/>
+      <a:lightRig rig="threePt" dir="t"/>
+    </dgm:scene3d>
+    <dgm:sp3d/>
+    <dgm:txPr/>
+    <dgm:style>
+      <a:lnRef idx="2">
+        <a:scrgbClr r="0" g="0" b="0"/>
+      </a:lnRef>
+      <a:fillRef idx="1">
+        <a:scrgbClr r="0" g="0" b="0"/>
+      </a:fillRef>
+      <a:effectRef idx="0">
+        <a:scrgbClr r="0" g="0" b="0"/>
+      </a:effectRef>
+      <a:fontRef idx="minor"/>
+    </dgm:style>
+  </dgm:styleLbl>
+  <dgm:styleLbl name="fgAcc3">
+    <dgm:scene3d>
+      <a:camera prst="orthographicFront"/>
+      <a:lightRig rig="threePt" dir="t"/>
+    </dgm:scene3d>
+    <dgm:sp3d/>
+    <dgm:txPr/>
+    <dgm:style>
+      <a:lnRef idx="2">
+        <a:scrgbClr r="0" g="0" b="0"/>
+      </a:lnRef>
+      <a:fillRef idx="1">
+        <a:scrgbClr r="0" g="0" b="0"/>
+      </a:fillRef>
+      <a:effectRef idx="0">
+        <a:scrgbClr r="0" g="0" b="0"/>
+      </a:effectRef>
+      <a:fontRef idx="minor"/>
+    </dgm:style>
+  </dgm:styleLbl>
+  <dgm:styleLbl name="fgAcc4">
+    <dgm:scene3d>
+      <a:camera prst="orthographicFront"/>
+      <a:lightRig rig="threePt" dir="t"/>
+    </dgm:scene3d>
+    <dgm:sp3d/>
+    <dgm:txPr/>
+    <dgm:style>
+      <a:lnRef idx="2">
+        <a:scrgbClr r="0" g="0" b="0"/>
+      </a:lnRef>
+      <a:fillRef idx="1">
+        <a:scrgbClr r="0" g="0" b="0"/>
+      </a:fillRef>
+      <a:effectRef idx="0">
+        <a:scrgbClr r="0" g="0" b="0"/>
+      </a:effectRef>
+      <a:fontRef idx="minor"/>
+    </dgm:style>
+  </dgm:styleLbl>
+  <dgm:styleLbl name="bgShp">
+    <dgm:scene3d>
+      <a:camera prst="orthographicFront"/>
+      <a:lightRig rig="threePt" dir="t"/>
+    </dgm:scene3d>
+    <dgm:sp3d/>
+    <dgm:txPr/>
+    <dgm:style>
+      <a:lnRef idx="0">
+        <a:scrgbClr r="0" g="0" b="0"/>
+      </a:lnRef>
+      <a:fillRef idx="1">
+        <a:scrgbClr r="0" g="0" b="0"/>
+      </a:fillRef>
+      <a:effectRef idx="0">
+        <a:scrgbClr r="0" g="0" b="0"/>
+      </a:effectRef>
+      <a:fontRef idx="minor"/>
+    </dgm:style>
+  </dgm:styleLbl>
+  <dgm:styleLbl name="dkBgShp">
+    <dgm:scene3d>
+      <a:camera prst="orthographicFront"/>
+      <a:lightRig rig="threePt" dir="t"/>
+    </dgm:scene3d>
+    <dgm:sp3d/>
+    <dgm:txPr/>
+    <dgm:style>
+      <a:lnRef idx="0">
+        <a:scrgbClr r="0" g="0" b="0"/>
+      </a:lnRef>
+      <a:fillRef idx="1">
+        <a:scrgbClr r="0" g="0" b="0"/>
+      </a:fillRef>
+      <a:effectRef idx="0">
+        <a:scrgbClr r="0" g="0" b="0"/>
+      </a:effectRef>
+      <a:fontRef idx="minor"/>
+    </dgm:style>
+  </dgm:styleLbl>
+  <dgm:styleLbl name="trBgShp">
+    <dgm:scene3d>
+      <a:camera prst="orthographicFront"/>
+      <a:lightRig rig="threePt" dir="t"/>
+    </dgm:scene3d>
+    <dgm:sp3d/>
+    <dgm:txPr/>
+    <dgm:style>
+      <a:lnRef idx="0">
+        <a:scrgbClr r="0" g="0" b="0"/>
+      </a:lnRef>
+      <a:fillRef idx="1">
+        <a:scrgbClr r="0" g="0" b="0"/>
+      </a:fillRef>
+      <a:effectRef idx="0">
+        <a:scrgbClr r="0" g="0" b="0"/>
+      </a:effectRef>
+      <a:fontRef idx="minor"/>
+    </dgm:style>
+  </dgm:styleLbl>
+  <dgm:styleLbl name="fgShp">
+    <dgm:scene3d>
+      <a:camera prst="orthographicFront"/>
+      <a:lightRig rig="threePt" dir="t"/>
+    </dgm:scene3d>
+    <dgm:sp3d/>
+    <dgm:txPr/>
+    <dgm:style>
+      <a:lnRef idx="2">
+        <a:scrgbClr r="0" g="0" b="0"/>
+      </a:lnRef>
+      <a:fillRef idx="1">
+        <a:scrgbClr r="0" g="0" b="0"/>
+      </a:fillRef>
+      <a:effectRef idx="0">
+        <a:scrgbClr r="0" g="0" b="0"/>
+      </a:effectRef>
+      <a:fontRef idx="minor"/>
+    </dgm:style>
+  </dgm:styleLbl>
+  <dgm:styleLbl name="revTx">
+    <dgm:scene3d>
+      <a:camera prst="orthographicFront"/>
+      <a:lightRig rig="threePt" dir="t"/>
+    </dgm:scene3d>
+    <dgm:sp3d/>
+    <dgm:txPr/>
+    <dgm:style>
+      <a:lnRef idx="0">
+        <a:scrgbClr r="0" g="0" b="0"/>
+      </a:lnRef>
+      <a:fillRef idx="0">
+        <a:scrgbClr r="0" g="0" b="0"/>
+      </a:fillRef>
+      <a:effectRef idx="0">
+        <a:scrgbClr r="0" g="0" b="0"/>
+      </a:effectRef>
+      <a:fontRef idx="minor"/>
+    </dgm:style>
+  </dgm:styleLbl>
+</dgm:styleDef>
+</file>
+
+<file path=ppt/diagrams/quickStyle5.xml><?xml version="1.0" encoding="utf-8"?>
 <dgm:styleDef xmlns:dgm="http://schemas.openxmlformats.org/drawingml/2006/diagram" xmlns:a="http://schemas.openxmlformats.org/drawingml/2006/main" uniqueId="urn:microsoft.com/office/officeart/2005/8/quickstyle/simple1">
   <dgm:title val=""/>
   <dgm:desc val=""/>
@@ -10738,16 +15249,7 @@
                 </a:solidFill>
                 <a:latin typeface="Consolas" panose="020B0609020204030204" pitchFamily="49" charset="0"/>
               </a:rPr>
-              <a:t>HTML </a:t>
-            </a:r>
-            <a:r>
-              <a:rPr lang="en-HK" sz="2800" dirty="0">
-                <a:solidFill>
-                  <a:srgbClr val="0000CD"/>
-                </a:solidFill>
-                <a:latin typeface="Consolas" panose="020B0609020204030204" pitchFamily="49" charset="0"/>
-              </a:rPr>
-              <a:t>is the standard markup language for creating Web </a:t>
+              <a:t>HTML is the standard markup language for creating Web </a:t>
             </a:r>
             <a:r>
               <a:rPr lang="en-HK" sz="2800" dirty="0" smtClean="0">
@@ -11040,7 +15542,7 @@
         <p:spPr>
           <a:xfrm>
             <a:off x="345141" y="1496219"/>
-            <a:ext cx="11730317" cy="4524315"/>
+            <a:ext cx="11730317" cy="4770537"/>
           </a:xfrm>
           <a:prstGeom prst="rect">
             <a:avLst/>
@@ -11156,8 +15658,96 @@
                 </a:solidFill>
                 <a:latin typeface="Consolas" panose="020B0609020204030204" pitchFamily="49" charset="0"/>
               </a:rPr>
-              <a:t>  &lt;body&gt;</a:t>
-            </a:r>
+              <a:t>  </a:t>
+            </a:r>
+            <a:r>
+              <a:rPr lang="en-HK" sz="1600" dirty="0" smtClean="0">
+                <a:solidFill>
+                  <a:srgbClr val="0000CD"/>
+                </a:solidFill>
+                <a:latin typeface="Consolas" panose="020B0609020204030204" pitchFamily="49" charset="0"/>
+              </a:rPr>
+              <a:t>&lt;body&gt;</a:t>
+            </a:r>
+            <a:endParaRPr lang="en-HK" sz="1600" dirty="0">
+              <a:solidFill>
+                <a:srgbClr val="0000CD"/>
+              </a:solidFill>
+              <a:latin typeface="Consolas" panose="020B0609020204030204" pitchFamily="49" charset="0"/>
+            </a:endParaRPr>
+          </a:p>
+          <a:p>
+            <a:r>
+              <a:rPr lang="en-HK" sz="1600" dirty="0">
+                <a:solidFill>
+                  <a:srgbClr val="0000CD"/>
+                </a:solidFill>
+                <a:latin typeface="Consolas" panose="020B0609020204030204" pitchFamily="49" charset="0"/>
+              </a:rPr>
+              <a:t>    </a:t>
+            </a:r>
+            <a:r>
+              <a:rPr lang="en-HK" sz="1600" dirty="0" smtClean="0">
+                <a:solidFill>
+                  <a:srgbClr val="0000CD"/>
+                </a:solidFill>
+                <a:latin typeface="Consolas" panose="020B0609020204030204" pitchFamily="49" charset="0"/>
+              </a:rPr>
+              <a:t>&lt;h1&gt;Welcome </a:t>
+            </a:r>
+            <a:r>
+              <a:rPr lang="en-HK" sz="1600" dirty="0" smtClean="0">
+                <a:solidFill>
+                  <a:srgbClr val="0000CD"/>
+                </a:solidFill>
+                <a:latin typeface="Consolas" panose="020B0609020204030204" pitchFamily="49" charset="0"/>
+              </a:rPr>
+              <a:t>to mindsmover.com&lt;/</a:t>
+            </a:r>
+            <a:r>
+              <a:rPr lang="en-HK" sz="1600" dirty="0">
+                <a:solidFill>
+                  <a:srgbClr val="0000CD"/>
+                </a:solidFill>
+                <a:latin typeface="Consolas" panose="020B0609020204030204" pitchFamily="49" charset="0"/>
+              </a:rPr>
+              <a:t>h1</a:t>
+            </a:r>
+            <a:r>
+              <a:rPr lang="en-HK" sz="1600" dirty="0" smtClean="0">
+                <a:solidFill>
+                  <a:srgbClr val="0000CD"/>
+                </a:solidFill>
+                <a:latin typeface="Consolas" panose="020B0609020204030204" pitchFamily="49" charset="0"/>
+              </a:rPr>
+              <a:t>&gt;</a:t>
+            </a:r>
+          </a:p>
+          <a:p>
+            <a:r>
+              <a:rPr lang="en-HK" sz="1600" dirty="0">
+                <a:solidFill>
+                  <a:srgbClr val="0000CD"/>
+                </a:solidFill>
+                <a:latin typeface="Consolas" panose="020B0609020204030204" pitchFamily="49" charset="0"/>
+              </a:rPr>
+              <a:t>	</a:t>
+            </a:r>
+            <a:r>
+              <a:rPr lang="en-HK" sz="1600" dirty="0" smtClean="0">
+                <a:solidFill>
+                  <a:srgbClr val="0000CD"/>
+                </a:solidFill>
+                <a:latin typeface="Consolas" panose="020B0609020204030204" pitchFamily="49" charset="0"/>
+              </a:rPr>
+              <a:t>&lt;h2&gt;sub header&lt;/h2&gt;</a:t>
+            </a:r>
+            <a:endParaRPr lang="en-HK" sz="1600" dirty="0">
+              <a:solidFill>
+                <a:srgbClr val="0000CD"/>
+              </a:solidFill>
+              <a:latin typeface="Consolas" panose="020B0609020204030204" pitchFamily="49" charset="0"/>
+            </a:endParaRPr>
           </a:p>
           <a:p>
             <a:r>
@@ -11176,35 +15766,6 @@
                 </a:solidFill>
                 <a:latin typeface="Consolas" panose="020B0609020204030204" pitchFamily="49" charset="0"/>
               </a:rPr>
-              <a:t>h1/2/3/4/5/6&gt;Welcome to mindsmover.com&lt;/</a:t>
-            </a:r>
-            <a:r>
-              <a:rPr lang="en-HK" sz="1600" dirty="0">
-                <a:solidFill>
-                  <a:srgbClr val="0000CD"/>
-                </a:solidFill>
-                <a:latin typeface="Consolas" panose="020B0609020204030204" pitchFamily="49" charset="0"/>
-              </a:rPr>
-              <a:t>h1&gt;</a:t>
-            </a:r>
-          </a:p>
-          <a:p>
-            <a:r>
-              <a:rPr lang="en-HK" sz="1600" dirty="0">
-                <a:solidFill>
-                  <a:srgbClr val="0000CD"/>
-                </a:solidFill>
-                <a:latin typeface="Consolas" panose="020B0609020204030204" pitchFamily="49" charset="0"/>
-              </a:rPr>
-              <a:t>    &lt;</a:t>
-            </a:r>
-            <a:r>
-              <a:rPr lang="en-HK" sz="1600" dirty="0" smtClean="0">
-                <a:solidFill>
-                  <a:srgbClr val="0000CD"/>
-                </a:solidFill>
-                <a:latin typeface="Consolas" panose="020B0609020204030204" pitchFamily="49" charset="0"/>
-              </a:rPr>
               <a:t>p&gt;You can learn React, it’s easy. Just stay committed till the end of this course&lt;/</a:t>
             </a:r>
             <a:r>
@@ -11234,16 +15795,7 @@
                 </a:solidFill>
                 <a:latin typeface="Consolas" panose="020B0609020204030204" pitchFamily="49" charset="0"/>
               </a:rPr>
-              <a:t>	</a:t>
-            </a:r>
-            <a:r>
-              <a:rPr lang="en-HK" sz="1600" dirty="0">
-                <a:solidFill>
-                  <a:srgbClr val="0000CD"/>
-                </a:solidFill>
-                <a:latin typeface="Consolas" panose="020B0609020204030204" pitchFamily="49" charset="0"/>
-              </a:rPr>
-              <a:t>&lt;a href="http://mindsmover.com/</a:t>
+              <a:t>	&lt;a href="http://mindsmover.com/</a:t>
             </a:r>
             <a:r>
               <a:rPr lang="en-HK" sz="1600" dirty="0" err="1">
@@ -11407,7 +15959,61 @@
                 </a:solidFill>
                 <a:latin typeface="Consolas" panose="020B0609020204030204" pitchFamily="49" charset="0"/>
               </a:rPr>
-              <a:t>"&gt; &lt;br/&gt;</a:t>
+              <a:t>"&gt; </a:t>
+            </a:r>
+            <a:r>
+              <a:rPr lang="en-HK" sz="1600" dirty="0">
+                <a:solidFill>
+                  <a:srgbClr val="0000CD"/>
+                </a:solidFill>
+                <a:latin typeface="Consolas" panose="020B0609020204030204" pitchFamily="49" charset="0"/>
+              </a:rPr>
+              <a:t>&lt;</a:t>
+            </a:r>
+            <a:r>
+              <a:rPr lang="en-HK" sz="1600" dirty="0" err="1">
+                <a:solidFill>
+                  <a:srgbClr val="0000CD"/>
+                </a:solidFill>
+                <a:latin typeface="Consolas" panose="020B0609020204030204" pitchFamily="49" charset="0"/>
+              </a:rPr>
+              <a:t>br</a:t>
+            </a:r>
+            <a:r>
+              <a:rPr lang="en-HK" sz="1600" dirty="0">
+                <a:solidFill>
+                  <a:srgbClr val="0000CD"/>
+                </a:solidFill>
+                <a:latin typeface="Consolas" panose="020B0609020204030204" pitchFamily="49" charset="0"/>
+              </a:rPr>
+              <a:t>/&gt; &lt;</a:t>
+            </a:r>
+            <a:r>
+              <a:rPr lang="en-HK" sz="1600" dirty="0" err="1">
+                <a:solidFill>
+                  <a:srgbClr val="0000CD"/>
+                </a:solidFill>
+                <a:latin typeface="Consolas" panose="020B0609020204030204" pitchFamily="49" charset="0"/>
+              </a:rPr>
+              <a:t>br</a:t>
+            </a:r>
+            <a:r>
+              <a:rPr lang="en-HK" sz="1600">
+                <a:solidFill>
+                  <a:srgbClr val="0000CD"/>
+                </a:solidFill>
+                <a:latin typeface="Consolas" panose="020B0609020204030204" pitchFamily="49" charset="0"/>
+              </a:rPr>
+              <a:t>/&gt; </a:t>
+            </a:r>
+            <a:r>
+              <a:rPr lang="en-US" sz="1600" smtClean="0">
+                <a:solidFill>
+                  <a:srgbClr val="0000CD"/>
+                </a:solidFill>
+                <a:latin typeface="Consolas" panose="020B0609020204030204" pitchFamily="49" charset="0"/>
+              </a:rPr>
+              <a:t>&lt;</a:t>
             </a:r>
             <a:r>
               <a:rPr lang="en-US" sz="1600" dirty="0">
@@ -11416,7 +16022,7 @@
                 </a:solidFill>
                 <a:latin typeface="Consolas" panose="020B0609020204030204" pitchFamily="49" charset="0"/>
               </a:rPr>
-              <a:t>&lt;button&gt;Click me&lt;/button</a:t>
+              <a:t>button&gt;Click me&lt;/button</a:t>
             </a:r>
             <a:r>
               <a:rPr lang="en-US" sz="1600" dirty="0" smtClean="0">
@@ -11733,60 +16339,28 @@
           </a:prstGeom>
         </p:spPr>
       </p:pic>
-      <p:sp>
-        <p:nvSpPr>
-          <p:cNvPr id="2" name="Rectangle 1"/>
-          <p:cNvSpPr/>
-          <p:nvPr/>
-        </p:nvSpPr>
-        <p:spPr>
-          <a:xfrm>
-            <a:off x="5233907" y="2569579"/>
-            <a:ext cx="1133644" cy="830997"/>
-          </a:xfrm>
-          <a:prstGeom prst="rect">
-            <a:avLst/>
-          </a:prstGeom>
-        </p:spPr>
-        <p:txBody>
-          <a:bodyPr wrap="none">
-            <a:spAutoFit/>
-          </a:bodyPr>
-          <a:lstStyle/>
-          <a:p>
-            <a:pPr algn="ctr"/>
-            <a:r>
-              <a:rPr lang="en-US" sz="4800" dirty="0" smtClean="0">
-                <a:ln w="0"/>
-                <a:solidFill>
-                  <a:schemeClr val="accent1"/>
-                </a:solidFill>
-                <a:effectLst>
-                  <a:outerShdw blurRad="38100" dist="25400" dir="5400000" algn="ctr" rotWithShape="0">
-                    <a:srgbClr val="6E747A">
-                      <a:alpha val="43000"/>
-                    </a:srgbClr>
-                  </a:outerShdw>
-                </a:effectLst>
-              </a:rPr>
-              <a:t>LAB</a:t>
-            </a:r>
-            <a:endParaRPr lang="en-US" sz="4800" dirty="0">
-              <a:ln w="0"/>
-              <a:solidFill>
-                <a:schemeClr val="accent1"/>
-              </a:solidFill>
-              <a:effectLst>
-                <a:outerShdw blurRad="38100" dist="25400" dir="5400000" algn="ctr" rotWithShape="0">
-                  <a:srgbClr val="6E747A">
-                    <a:alpha val="43000"/>
-                  </a:srgbClr>
-                </a:outerShdw>
-              </a:effectLst>
-            </a:endParaRPr>
-          </a:p>
-        </p:txBody>
-      </p:sp>
+      <p:graphicFrame>
+        <p:nvGraphicFramePr>
+          <p:cNvPr id="5" name="Diagram 4"/>
+          <p:cNvGraphicFramePr/>
+          <p:nvPr>
+            <p:extLst>
+              <p:ext uri="{D42A27DB-BD31-4B8C-83A1-F6EECF244321}">
+                <p14:modId xmlns:p14="http://schemas.microsoft.com/office/powerpoint/2010/main" val="3149998337"/>
+              </p:ext>
+            </p:extLst>
+          </p:nvPr>
+        </p:nvGraphicFramePr>
+        <p:xfrm>
+          <a:off x="3845859" y="2307019"/>
+          <a:ext cx="4589929" cy="714088"/>
+        </p:xfrm>
+        <a:graphic>
+          <a:graphicData uri="http://schemas.openxmlformats.org/drawingml/2006/diagram">
+            <dgm:relIds xmlns:dgm="http://schemas.openxmlformats.org/drawingml/2006/diagram" xmlns:r="http://schemas.openxmlformats.org/officeDocument/2006/relationships" r:dm="rId5" r:lo="rId6" r:qs="rId7" r:cs="rId8"/>
+          </a:graphicData>
+        </a:graphic>
+      </p:graphicFrame>
     </p:spTree>
     <p:extLst>
       <p:ext uri="{BB962C8B-B14F-4D97-AF65-F5344CB8AC3E}">
@@ -11926,62 +16500,246 @@
       </p:pic>
       <p:sp>
         <p:nvSpPr>
-          <p:cNvPr id="2" name="Rectangle 1"/>
+          <p:cNvPr id="6" name="Rectangle 5"/>
           <p:cNvSpPr/>
           <p:nvPr/>
         </p:nvSpPr>
         <p:spPr>
           <a:xfrm>
-            <a:off x="5267182" y="74806"/>
-            <a:ext cx="977448" cy="830997"/>
+            <a:off x="233082" y="1496510"/>
+            <a:ext cx="11958918" cy="3970318"/>
           </a:xfrm>
           <a:prstGeom prst="rect">
             <a:avLst/>
           </a:prstGeom>
         </p:spPr>
         <p:txBody>
-          <a:bodyPr wrap="none">
+          <a:bodyPr wrap="square">
             <a:spAutoFit/>
           </a:bodyPr>
           <a:lstStyle/>
           <a:p>
-            <a:pPr algn="ctr"/>
-            <a:r>
-              <a:rPr lang="en-US" sz="4800" dirty="0" smtClean="0">
-                <a:ln w="0"/>
+            <a:pPr marL="457200" indent="-457200">
+              <a:buFont typeface="Arial" panose="020B0604020202020204" pitchFamily="34" charset="0"/>
+              <a:buChar char="•"/>
+            </a:pPr>
+            <a:r>
+              <a:rPr lang="en-HK" sz="2800" dirty="0" smtClean="0">
                 <a:solidFill>
-                  <a:schemeClr val="accent1"/>
+                  <a:srgbClr val="0000CD"/>
                 </a:solidFill>
-                <a:effectLst>
-                  <a:outerShdw blurRad="38100" dist="25400" dir="5400000" algn="ctr" rotWithShape="0">
-                    <a:srgbClr val="6E747A">
-                      <a:alpha val="43000"/>
-                    </a:srgbClr>
-                  </a:outerShdw>
-                </a:effectLst>
+                <a:latin typeface="Consolas" panose="020B0609020204030204" pitchFamily="49" charset="0"/>
               </a:rPr>
-              <a:t>JSX</a:t>
-            </a:r>
-            <a:endParaRPr lang="en-US" sz="4800" dirty="0">
-              <a:ln w="0"/>
+              <a:t>JSX </a:t>
+            </a:r>
+            <a:r>
+              <a:rPr lang="en-HK" sz="2800" dirty="0">
+                <a:solidFill>
+                  <a:srgbClr val="0000CD"/>
+                </a:solidFill>
+                <a:latin typeface="Consolas" panose="020B0609020204030204" pitchFamily="49" charset="0"/>
+              </a:rPr>
+              <a:t>just provides syntactic sugar for the React.createElement(component, props, ...children) function. </a:t>
+            </a:r>
+            <a:endParaRPr lang="en-HK" sz="2800" dirty="0" smtClean="0">
               <a:solidFill>
-                <a:schemeClr val="accent1"/>
+                <a:srgbClr val="0000CD"/>
               </a:solidFill>
-              <a:effectLst>
-                <a:outerShdw blurRad="38100" dist="25400" dir="5400000" algn="ctr" rotWithShape="0">
-                  <a:srgbClr val="6E747A">
-                    <a:alpha val="43000"/>
-                  </a:srgbClr>
-                </a:outerShdw>
-              </a:effectLst>
+              <a:latin typeface="Consolas" panose="020B0609020204030204" pitchFamily="49" charset="0"/>
+            </a:endParaRPr>
+          </a:p>
+          <a:p>
+            <a:pPr marL="457200" indent="-457200">
+              <a:buFont typeface="Arial" panose="020B0604020202020204" pitchFamily="34" charset="0"/>
+              <a:buChar char="•"/>
+            </a:pPr>
+            <a:r>
+              <a:rPr lang="en-HK" sz="2800" dirty="0" smtClean="0">
+                <a:solidFill>
+                  <a:srgbClr val="0000CD"/>
+                </a:solidFill>
+                <a:latin typeface="Consolas" panose="020B0609020204030204" pitchFamily="49" charset="0"/>
+              </a:rPr>
+              <a:t>The </a:t>
+            </a:r>
+            <a:r>
+              <a:rPr lang="en-HK" sz="2800" dirty="0">
+                <a:solidFill>
+                  <a:srgbClr val="0000CD"/>
+                </a:solidFill>
+                <a:latin typeface="Consolas" panose="020B0609020204030204" pitchFamily="49" charset="0"/>
+              </a:rPr>
+              <a:t>JSX code:</a:t>
+            </a:r>
+          </a:p>
+          <a:p>
+            <a:r>
+              <a:rPr lang="en-HK" sz="2800" dirty="0" smtClean="0">
+                <a:solidFill>
+                  <a:srgbClr val="0000CD"/>
+                </a:solidFill>
+                <a:latin typeface="Consolas" panose="020B0609020204030204" pitchFamily="49" charset="0"/>
+              </a:rPr>
+              <a:t>	</a:t>
+            </a:r>
+            <a:r>
+              <a:rPr lang="en-HK" sz="2400" b="1" dirty="0" smtClean="0">
+                <a:solidFill>
+                  <a:schemeClr val="accent1">
+                    <a:lumMod val="75000"/>
+                  </a:schemeClr>
+                </a:solidFill>
+                <a:latin typeface="Consolas" panose="020B0609020204030204" pitchFamily="49" charset="0"/>
+              </a:rPr>
+              <a:t>&lt;</a:t>
+            </a:r>
+            <a:r>
+              <a:rPr lang="en-HK" sz="2400" b="1" dirty="0">
+                <a:solidFill>
+                  <a:schemeClr val="accent1">
+                    <a:lumMod val="75000"/>
+                  </a:schemeClr>
+                </a:solidFill>
+                <a:latin typeface="Consolas" panose="020B0609020204030204" pitchFamily="49" charset="0"/>
+              </a:rPr>
+              <a:t>MyButton color="blue" shadowSize={2</a:t>
+            </a:r>
+            <a:r>
+              <a:rPr lang="en-HK" sz="2400" b="1" dirty="0" smtClean="0">
+                <a:solidFill>
+                  <a:schemeClr val="accent1">
+                    <a:lumMod val="75000"/>
+                  </a:schemeClr>
+                </a:solidFill>
+                <a:latin typeface="Consolas" panose="020B0609020204030204" pitchFamily="49" charset="0"/>
+              </a:rPr>
+              <a:t>}&gt;Click Me&lt;/</a:t>
+            </a:r>
+            <a:r>
+              <a:rPr lang="en-HK" sz="2400" b="1" dirty="0">
+                <a:solidFill>
+                  <a:schemeClr val="accent1">
+                    <a:lumMod val="75000"/>
+                  </a:schemeClr>
+                </a:solidFill>
+                <a:latin typeface="Consolas" panose="020B0609020204030204" pitchFamily="49" charset="0"/>
+              </a:rPr>
+              <a:t>MyButton&gt;</a:t>
+            </a:r>
+          </a:p>
+          <a:p>
+            <a:r>
+              <a:rPr lang="en-HK" sz="2800" dirty="0" smtClean="0">
+                <a:solidFill>
+                  <a:srgbClr val="0000CD"/>
+                </a:solidFill>
+                <a:latin typeface="Consolas" panose="020B0609020204030204" pitchFamily="49" charset="0"/>
+              </a:rPr>
+              <a:t>compiles into:</a:t>
+            </a:r>
+          </a:p>
+          <a:p>
+            <a:r>
+              <a:rPr lang="en-HK" sz="2800" dirty="0">
+                <a:solidFill>
+                  <a:srgbClr val="0000CD"/>
+                </a:solidFill>
+                <a:latin typeface="Consolas" panose="020B0609020204030204" pitchFamily="49" charset="0"/>
+              </a:rPr>
+              <a:t>	</a:t>
+            </a:r>
+            <a:r>
+              <a:rPr lang="en-HK" sz="2400" b="1" dirty="0" smtClean="0">
+                <a:solidFill>
+                  <a:schemeClr val="accent1">
+                    <a:lumMod val="75000"/>
+                  </a:schemeClr>
+                </a:solidFill>
+                <a:latin typeface="Consolas" panose="020B0609020204030204" pitchFamily="49" charset="0"/>
+              </a:rPr>
+              <a:t>React.createElement(MyButton, {</a:t>
+            </a:r>
+            <a:r>
+              <a:rPr lang="en-HK" sz="2400" b="1" dirty="0">
+                <a:solidFill>
+                  <a:schemeClr val="accent1">
+                    <a:lumMod val="75000"/>
+                  </a:schemeClr>
+                </a:solidFill>
+                <a:latin typeface="Consolas" panose="020B0609020204030204" pitchFamily="49" charset="0"/>
+              </a:rPr>
+              <a:t>color: 'blue', </a:t>
+            </a:r>
+            <a:r>
+              <a:rPr lang="en-HK" sz="2400" b="1" dirty="0" smtClean="0">
+                <a:solidFill>
+                  <a:schemeClr val="accent1">
+                    <a:lumMod val="75000"/>
+                  </a:schemeClr>
+                </a:solidFill>
+                <a:latin typeface="Consolas" panose="020B0609020204030204" pitchFamily="49" charset="0"/>
+              </a:rPr>
+              <a:t>shadowSize</a:t>
+            </a:r>
+            <a:r>
+              <a:rPr lang="en-HK" sz="2400" b="1" dirty="0">
+                <a:solidFill>
+                  <a:schemeClr val="accent1">
+                    <a:lumMod val="75000"/>
+                  </a:schemeClr>
+                </a:solidFill>
+                <a:latin typeface="Consolas" panose="020B0609020204030204" pitchFamily="49" charset="0"/>
+              </a:rPr>
+              <a:t>: 2</a:t>
+            </a:r>
+            <a:r>
+              <a:rPr lang="en-HK" sz="2400" b="1" dirty="0" smtClean="0">
+                <a:solidFill>
+                  <a:schemeClr val="accent1">
+                    <a:lumMod val="75000"/>
+                  </a:schemeClr>
+                </a:solidFill>
+                <a:latin typeface="Consolas" panose="020B0609020204030204" pitchFamily="49" charset="0"/>
+              </a:rPr>
+              <a:t>}, 'Click Me')</a:t>
+            </a:r>
+          </a:p>
+          <a:p>
+            <a:endParaRPr lang="en-HK" sz="2800" dirty="0">
+              <a:solidFill>
+                <a:srgbClr val="0000CD"/>
+              </a:solidFill>
+              <a:latin typeface="Consolas" panose="020B0609020204030204" pitchFamily="49" charset="0"/>
             </a:endParaRPr>
           </a:p>
         </p:txBody>
       </p:sp>
+      <p:graphicFrame>
+        <p:nvGraphicFramePr>
+          <p:cNvPr id="9" name="Diagram 8"/>
+          <p:cNvGraphicFramePr/>
+          <p:nvPr>
+            <p:extLst>
+              <p:ext uri="{D42A27DB-BD31-4B8C-83A1-F6EECF244321}">
+                <p14:modId xmlns:p14="http://schemas.microsoft.com/office/powerpoint/2010/main" val="4213483740"/>
+              </p:ext>
+            </p:extLst>
+          </p:nvPr>
+        </p:nvGraphicFramePr>
+        <p:xfrm>
+          <a:off x="1739153" y="-125506"/>
+          <a:ext cx="8848164" cy="1362635"/>
+        </p:xfrm>
+        <a:graphic>
+          <a:graphicData uri="http://schemas.openxmlformats.org/drawingml/2006/diagram">
+            <dgm:relIds xmlns:dgm="http://schemas.openxmlformats.org/drawingml/2006/diagram" xmlns:r="http://schemas.openxmlformats.org/officeDocument/2006/relationships" r:dm="rId5" r:lo="rId6" r:qs="rId7" r:cs="rId8"/>
+          </a:graphicData>
+        </a:graphic>
+      </p:graphicFrame>
     </p:spTree>
     <p:extLst>
       <p:ext uri="{BB962C8B-B14F-4D97-AF65-F5344CB8AC3E}">
-        <p14:creationId xmlns:p14="http://schemas.microsoft.com/office/powerpoint/2010/main" val="3027799184"/>
+        <p14:creationId xmlns:p14="http://schemas.microsoft.com/office/powerpoint/2010/main" val="1649084622"/>
       </p:ext>
     </p:extLst>
   </p:cSld>
@@ -12173,6 +16931,256 @@
     <p:extLst>
       <p:ext uri="{BB962C8B-B14F-4D97-AF65-F5344CB8AC3E}">
         <p14:creationId xmlns:p14="http://schemas.microsoft.com/office/powerpoint/2010/main" val="3148184943"/>
+      </p:ext>
+    </p:extLst>
+  </p:cSld>
+  <p:clrMapOvr>
+    <a:masterClrMapping/>
+  </p:clrMapOvr>
+  <p:timing>
+    <p:tnLst>
+      <p:par>
+        <p:cTn id="1" dur="indefinite" restart="never" nodeType="tmRoot"/>
+      </p:par>
+    </p:tnLst>
+  </p:timing>
+</p:sld>
+</file>
+
+<file path=ppt/slides/slide8.xml><?xml version="1.0" encoding="utf-8"?>
+<p:sld xmlns:a="http://schemas.openxmlformats.org/drawingml/2006/main" xmlns:r="http://schemas.openxmlformats.org/officeDocument/2006/relationships" xmlns:p="http://schemas.openxmlformats.org/presentationml/2006/main">
+  <p:cSld>
+    <p:spTree>
+      <p:nvGrpSpPr>
+        <p:cNvPr id="1" name=""/>
+        <p:cNvGrpSpPr/>
+        <p:nvPr/>
+      </p:nvGrpSpPr>
+      <p:grpSpPr>
+        <a:xfrm>
+          <a:off x="0" y="0"/>
+          <a:ext cx="0" cy="0"/>
+          <a:chOff x="0" y="0"/>
+          <a:chExt cx="0" cy="0"/>
+        </a:xfrm>
+      </p:grpSpPr>
+      <p:sp>
+        <p:nvSpPr>
+          <p:cNvPr id="3" name="TextBox 2"/>
+          <p:cNvSpPr txBox="1"/>
+          <p:nvPr/>
+        </p:nvSpPr>
+        <p:spPr>
+          <a:xfrm>
+            <a:off x="0" y="6396335"/>
+            <a:ext cx="12192000" cy="461665"/>
+          </a:xfrm>
+          <a:prstGeom prst="rect">
+            <a:avLst/>
+          </a:prstGeom>
+          <a:solidFill>
+            <a:srgbClr val="FFFF00"/>
+          </a:solidFill>
+        </p:spPr>
+        <p:txBody>
+          <a:bodyPr wrap="square" rtlCol="0">
+            <a:spAutoFit/>
+          </a:bodyPr>
+          <a:lstStyle/>
+          <a:p>
+            <a:pPr algn="ctr"/>
+            <a:r>
+              <a:rPr lang="en-US" sz="2400" dirty="0">
+                <a:solidFill>
+                  <a:srgbClr val="92D050"/>
+                </a:solidFill>
+              </a:rPr>
+              <a:t>Java/React course by </a:t>
+            </a:r>
+            <a:r>
+              <a:rPr lang="en-US" sz="2400" dirty="0">
+                <a:solidFill>
+                  <a:srgbClr val="92D050"/>
+                </a:solidFill>
+                <a:hlinkClick r:id="rId2"/>
+              </a:rPr>
+              <a:t>Anchal </a:t>
+            </a:r>
+            <a:r>
+              <a:rPr lang="en-US" sz="2400" dirty="0" smtClean="0">
+                <a:solidFill>
+                  <a:srgbClr val="92D050"/>
+                </a:solidFill>
+                <a:hlinkClick r:id="rId2"/>
+              </a:rPr>
+              <a:t>Srivastava &amp; Rajesh Kureel </a:t>
+            </a:r>
+            <a:r>
+              <a:rPr lang="en-US" sz="2400" dirty="0">
+                <a:solidFill>
+                  <a:srgbClr val="92D050"/>
+                </a:solidFill>
+              </a:rPr>
+              <a:t>- </a:t>
+            </a:r>
+            <a:r>
+              <a:rPr lang="en-US" sz="2400" dirty="0">
+                <a:solidFill>
+                  <a:srgbClr val="92D050"/>
+                </a:solidFill>
+                <a:hlinkClick r:id="rId3" action="ppaction://hlinkfile"/>
+              </a:rPr>
+              <a:t>mindsmover.com</a:t>
+            </a:r>
+            <a:endParaRPr lang="en-US" sz="2400" dirty="0">
+              <a:solidFill>
+                <a:srgbClr val="92D050"/>
+              </a:solidFill>
+            </a:endParaRPr>
+          </a:p>
+        </p:txBody>
+      </p:sp>
+      <p:pic>
+        <p:nvPicPr>
+          <p:cNvPr id="4" name="Picture 3"/>
+          <p:cNvPicPr>
+            <a:picLocks noChangeAspect="1"/>
+          </p:cNvPicPr>
+          <p:nvPr/>
+        </p:nvPicPr>
+        <p:blipFill>
+          <a:blip r:embed="rId4"/>
+          <a:stretch>
+            <a:fillRect/>
+          </a:stretch>
+        </p:blipFill>
+        <p:spPr>
+          <a:xfrm>
+            <a:off x="103517" y="74806"/>
+            <a:ext cx="1036307" cy="615307"/>
+          </a:xfrm>
+          <a:prstGeom prst="rect">
+            <a:avLst/>
+          </a:prstGeom>
+        </p:spPr>
+      </p:pic>
+      <p:grpSp>
+        <p:nvGrpSpPr>
+          <p:cNvPr id="5" name="Group 4"/>
+          <p:cNvGrpSpPr/>
+          <p:nvPr/>
+        </p:nvGrpSpPr>
+        <p:grpSpPr>
+          <a:xfrm>
+            <a:off x="1587417" y="201793"/>
+            <a:ext cx="10128790" cy="1183166"/>
+            <a:chOff x="664" y="89734"/>
+            <a:chExt cx="10128790" cy="1183166"/>
+          </a:xfrm>
+        </p:grpSpPr>
+        <p:sp>
+          <p:nvSpPr>
+            <p:cNvPr id="6" name="Chevron 5"/>
+            <p:cNvSpPr/>
+            <p:nvPr/>
+          </p:nvSpPr>
+          <p:spPr>
+            <a:xfrm>
+              <a:off x="664" y="89734"/>
+              <a:ext cx="10128790" cy="1183166"/>
+            </a:xfrm>
+            <a:prstGeom prst="chevron">
+              <a:avLst/>
+            </a:prstGeom>
+          </p:spPr>
+          <p:style>
+            <a:lnRef idx="2">
+              <a:schemeClr val="lt1">
+                <a:hueOff val="0"/>
+                <a:satOff val="0"/>
+                <a:lumOff val="0"/>
+                <a:alphaOff val="0"/>
+              </a:schemeClr>
+            </a:lnRef>
+            <a:fillRef idx="1">
+              <a:schemeClr val="accent1">
+                <a:hueOff val="0"/>
+                <a:satOff val="0"/>
+                <a:lumOff val="0"/>
+                <a:alphaOff val="0"/>
+              </a:schemeClr>
+            </a:fillRef>
+            <a:effectRef idx="0">
+              <a:schemeClr val="accent1">
+                <a:hueOff val="0"/>
+                <a:satOff val="0"/>
+                <a:lumOff val="0"/>
+                <a:alphaOff val="0"/>
+              </a:schemeClr>
+            </a:effectRef>
+            <a:fontRef idx="minor">
+              <a:schemeClr val="lt1"/>
+            </a:fontRef>
+          </p:style>
+        </p:sp>
+        <p:sp>
+          <p:nvSpPr>
+            <p:cNvPr id="7" name="Chevron 4"/>
+            <p:cNvSpPr/>
+            <p:nvPr/>
+          </p:nvSpPr>
+          <p:spPr>
+            <a:xfrm>
+              <a:off x="592247" y="89734"/>
+              <a:ext cx="8945624" cy="1183166"/>
+            </a:xfrm>
+            <a:prstGeom prst="rect">
+              <a:avLst/>
+            </a:prstGeom>
+          </p:spPr>
+          <p:style>
+            <a:lnRef idx="0">
+              <a:scrgbClr r="0" g="0" b="0"/>
+            </a:lnRef>
+            <a:fillRef idx="0">
+              <a:scrgbClr r="0" g="0" b="0"/>
+            </a:fillRef>
+            <a:effectRef idx="0">
+              <a:scrgbClr r="0" g="0" b="0"/>
+            </a:effectRef>
+            <a:fontRef idx="minor">
+              <a:schemeClr val="lt1"/>
+            </a:fontRef>
+          </p:style>
+          <p:txBody>
+            <a:bodyPr spcFirstLastPara="0" vert="horz" wrap="square" lIns="50800" tIns="25400" rIns="0" bIns="25400" numCol="1" spcCol="1270" anchor="ctr" anchorCtr="0">
+              <a:noAutofit/>
+            </a:bodyPr>
+            <a:lstStyle/>
+            <a:p>
+              <a:pPr lvl="0" algn="ctr" defTabSz="1778000" rtl="0">
+                <a:lnSpc>
+                  <a:spcPct val="90000"/>
+                </a:lnSpc>
+                <a:spcBef>
+                  <a:spcPct val="0"/>
+                </a:spcBef>
+                <a:spcAft>
+                  <a:spcPct val="35000"/>
+                </a:spcAft>
+              </a:pPr>
+              <a:r>
+                <a:rPr lang="en-US" sz="4000" kern="1200" dirty="0" smtClean="0"/>
+                <a:t>React Components</a:t>
+              </a:r>
+            </a:p>
+          </p:txBody>
+        </p:sp>
+      </p:grpSp>
+    </p:spTree>
+    <p:extLst>
+      <p:ext uri="{BB962C8B-B14F-4D97-AF65-F5344CB8AC3E}">
+        <p14:creationId xmlns:p14="http://schemas.microsoft.com/office/powerpoint/2010/main" val="2421286252"/>
       </p:ext>
     </p:extLst>
   </p:cSld>

--- a/docs/Day 6 - React HTML and JSX.pptx
+++ b/docs/Day 6 - React HTML and JSX.pptx
@@ -4189,7 +4189,6 @@
             <a:rPr lang="en-US" sz="4000" dirty="0" smtClean="0"/>
             <a:t>LAB</a:t>
           </a:r>
-          <a:endParaRPr lang="en-US" sz="4000" dirty="0" smtClean="0"/>
         </a:p>
       </dgm:t>
     </dgm:pt>
@@ -4292,7 +4291,6 @@
             <a:rPr lang="en-US" sz="4000" dirty="0" smtClean="0"/>
             <a:t>JSX</a:t>
           </a:r>
-          <a:endParaRPr lang="en-US" sz="4000" dirty="0" smtClean="0"/>
         </a:p>
       </dgm:t>
     </dgm:pt>
@@ -4714,7 +4712,6 @@
             <a:rPr lang="en-US" sz="4000" kern="1200" dirty="0" smtClean="0"/>
             <a:t>LAB</a:t>
           </a:r>
-          <a:endParaRPr lang="en-US" sz="4000" kern="1200" dirty="0" smtClean="0"/>
         </a:p>
       </dsp:txBody>
       <dsp:txXfrm>
@@ -4804,7 +4801,6 @@
             <a:rPr lang="en-US" sz="4000" kern="1200" dirty="0" smtClean="0"/>
             <a:t>JSX</a:t>
           </a:r>
-          <a:endParaRPr lang="en-US" sz="4000" kern="1200" dirty="0" smtClean="0"/>
         </a:p>
       </dsp:txBody>
       <dsp:txXfrm>
@@ -11473,7 +11469,7 @@
           <a:p>
             <a:fld id="{23E88434-08F3-4832-9606-2C40898E3478}" type="datetimeFigureOut">
               <a:rPr lang="en-US" smtClean="0"/>
-              <a:t>10/6/2019</a:t>
+              <a:t>10/13/2019</a:t>
             </a:fld>
             <a:endParaRPr lang="en-US"/>
           </a:p>
@@ -11956,7 +11952,7 @@
           <a:p>
             <a:fld id="{6D690AEF-DB67-49BD-9E54-F40E8C7582BA}" type="datetime1">
               <a:rPr lang="en-US" smtClean="0"/>
-              <a:t>10/6/2019</a:t>
+              <a:t>10/13/2019</a:t>
             </a:fld>
             <a:endParaRPr lang="en-US"/>
           </a:p>
@@ -12130,7 +12126,7 @@
           <a:p>
             <a:fld id="{A78BE1D8-405D-4B84-A8C8-DBC5BE51F15B}" type="datetime1">
               <a:rPr lang="en-US" smtClean="0"/>
-              <a:t>10/6/2019</a:t>
+              <a:t>10/13/2019</a:t>
             </a:fld>
             <a:endParaRPr lang="en-US"/>
           </a:p>
@@ -12314,7 +12310,7 @@
           <a:p>
             <a:fld id="{3FE1536C-DEC2-44D0-B9D9-3AB4339E093C}" type="datetime1">
               <a:rPr lang="en-US" smtClean="0"/>
-              <a:t>10/6/2019</a:t>
+              <a:t>10/13/2019</a:t>
             </a:fld>
             <a:endParaRPr lang="en-US"/>
           </a:p>
@@ -12488,7 +12484,7 @@
           <a:p>
             <a:fld id="{D91D272B-1C4B-4FA4-AF5A-C12904DD83C9}" type="datetime1">
               <a:rPr lang="en-US" smtClean="0"/>
-              <a:t>10/6/2019</a:t>
+              <a:t>10/13/2019</a:t>
             </a:fld>
             <a:endParaRPr lang="en-US"/>
           </a:p>
@@ -12738,7 +12734,7 @@
           <a:p>
             <a:fld id="{A8008784-DE3C-42A1-BCEA-605E3D211D77}" type="datetime1">
               <a:rPr lang="en-US" smtClean="0"/>
-              <a:t>10/6/2019</a:t>
+              <a:t>10/13/2019</a:t>
             </a:fld>
             <a:endParaRPr lang="en-US"/>
           </a:p>
@@ -12974,7 +12970,7 @@
           <a:p>
             <a:fld id="{137DD620-5B3C-4E43-922F-D84B839E2CA3}" type="datetime1">
               <a:rPr lang="en-US" smtClean="0"/>
-              <a:t>10/6/2019</a:t>
+              <a:t>10/13/2019</a:t>
             </a:fld>
             <a:endParaRPr lang="en-US"/>
           </a:p>
@@ -13345,7 +13341,7 @@
           <a:p>
             <a:fld id="{53765656-739C-40EC-B65A-49E394B724D2}" type="datetime1">
               <a:rPr lang="en-US" smtClean="0"/>
-              <a:t>10/6/2019</a:t>
+              <a:t>10/13/2019</a:t>
             </a:fld>
             <a:endParaRPr lang="en-US"/>
           </a:p>
@@ -13467,7 +13463,7 @@
           <a:p>
             <a:fld id="{DBFEFA4E-AEA9-4A2F-B71D-15B6264E6A09}" type="datetime1">
               <a:rPr lang="en-US" smtClean="0"/>
-              <a:t>10/6/2019</a:t>
+              <a:t>10/13/2019</a:t>
             </a:fld>
             <a:endParaRPr lang="en-US"/>
           </a:p>
@@ -13566,7 +13562,7 @@
           <a:p>
             <a:fld id="{1A0AC173-44A8-423D-8D20-2F8F36CC1054}" type="datetime1">
               <a:rPr lang="en-US" smtClean="0"/>
-              <a:t>10/6/2019</a:t>
+              <a:t>10/13/2019</a:t>
             </a:fld>
             <a:endParaRPr lang="en-US"/>
           </a:p>
@@ -13854,7 +13850,7 @@
           <a:p>
             <a:fld id="{52F0B284-A710-4726-8BA0-160B20228744}" type="datetime1">
               <a:rPr lang="en-US" smtClean="0"/>
-              <a:t>10/6/2019</a:t>
+              <a:t>10/13/2019</a:t>
             </a:fld>
             <a:endParaRPr lang="en-US"/>
           </a:p>
@@ -14111,7 +14107,7 @@
           <a:p>
             <a:fld id="{32DEC8DF-2C3F-46B7-B1F3-83533583D3C6}" type="datetime1">
               <a:rPr lang="en-US" smtClean="0"/>
-              <a:t>10/6/2019</a:t>
+              <a:t>10/13/2019</a:t>
             </a:fld>
             <a:endParaRPr lang="en-US"/>
           </a:p>
@@ -14328,7 +14324,7 @@
           <a:p>
             <a:fld id="{B024E63D-6728-4FD5-B56A-39A568F3BFF8}" type="datetime1">
               <a:rPr lang="en-US" smtClean="0"/>
-              <a:t>10/6/2019</a:t>
+              <a:t>10/13/2019</a:t>
             </a:fld>
             <a:endParaRPr lang="en-US"/>
           </a:p>
@@ -14846,8 +14842,8 @@
         </p:nvSpPr>
         <p:spPr>
           <a:xfrm>
-            <a:off x="3631776" y="2408535"/>
-            <a:ext cx="4352730" cy="923330"/>
+            <a:off x="3362843" y="785923"/>
+            <a:ext cx="4352730" cy="1754326"/>
           </a:xfrm>
           <a:prstGeom prst="rect">
             <a:avLst/>
@@ -14886,8 +14882,38 @@
                   </a:outerShdw>
                 </a:effectLst>
               </a:rPr>
-              <a:t>Questions  ???</a:t>
-            </a:r>
+              <a:t>Questions  </a:t>
+            </a:r>
+            <a:r>
+              <a:rPr lang="en-US" sz="5400" b="1" cap="none" spc="0" dirty="0" smtClean="0">
+                <a:ln w="12700">
+                  <a:solidFill>
+                    <a:schemeClr val="accent1"/>
+                  </a:solidFill>
+                  <a:prstDash val="solid"/>
+                </a:ln>
+                <a:pattFill prst="pct50">
+                  <a:fgClr>
+                    <a:schemeClr val="accent1"/>
+                  </a:fgClr>
+                  <a:bgClr>
+                    <a:schemeClr val="accent1">
+                      <a:lumMod val="20000"/>
+                      <a:lumOff val="80000"/>
+                    </a:schemeClr>
+                  </a:bgClr>
+                </a:pattFill>
+                <a:effectLst>
+                  <a:outerShdw dist="38100" dir="2640000" algn="bl" rotWithShape="0">
+                    <a:schemeClr val="accent1"/>
+                  </a:outerShdw>
+                </a:effectLst>
+              </a:rPr>
+              <a:t>???</a:t>
+            </a:r>
+          </a:p>
+          <a:p>
+            <a:pPr algn="ctr"/>
             <a:endParaRPr lang="en-US" sz="5400" b="1" cap="none" spc="0" dirty="0">
               <a:ln w="12700">
                 <a:solidFill>
@@ -15693,16 +15719,7 @@
                 </a:solidFill>
                 <a:latin typeface="Consolas" panose="020B0609020204030204" pitchFamily="49" charset="0"/>
               </a:rPr>
-              <a:t>&lt;h1&gt;Welcome </a:t>
-            </a:r>
-            <a:r>
-              <a:rPr lang="en-HK" sz="1600" dirty="0" smtClean="0">
-                <a:solidFill>
-                  <a:srgbClr val="0000CD"/>
-                </a:solidFill>
-                <a:latin typeface="Consolas" panose="020B0609020204030204" pitchFamily="49" charset="0"/>
-              </a:rPr>
-              <a:t>to mindsmover.com&lt;/</a:t>
+              <a:t>&lt;h1&gt;Welcome to mindsmover.com&lt;/</a:t>
             </a:r>
             <a:r>
               <a:rPr lang="en-HK" sz="1600" dirty="0">
@@ -15998,7 +16015,7 @@
               <a:t>br</a:t>
             </a:r>
             <a:r>
-              <a:rPr lang="en-HK" sz="1600">
+              <a:rPr lang="en-HK" sz="1600" dirty="0">
                 <a:solidFill>
                   <a:srgbClr val="0000CD"/>
                 </a:solidFill>
@@ -16007,7 +16024,7 @@
               <a:t>/&gt; </a:t>
             </a:r>
             <a:r>
-              <a:rPr lang="en-US" sz="1600" smtClean="0">
+              <a:rPr lang="en-US" sz="1600" dirty="0" smtClean="0">
                 <a:solidFill>
                   <a:srgbClr val="0000CD"/>
                 </a:solidFill>
